--- a/TRaining_Im agesa.pptx
+++ b/TRaining_Im agesa.pptx
@@ -10,6 +10,8 @@
     <p:sldId id="258" r:id="rId4"/>
     <p:sldId id="259" r:id="rId5"/>
     <p:sldId id="260" r:id="rId6"/>
+    <p:sldId id="261" r:id="rId7"/>
+    <p:sldId id="262" r:id="rId8"/>
   </p:sldIdLst>
   <p:sldSz cx="12192000" cy="6858000"/>
   <p:notesSz cx="6858000" cy="9144000"/>
@@ -108,6 +110,11 @@
       </a:defRPr>
     </a:lvl9pPr>
   </p:defaultTextStyle>
+  <p:extLst>
+    <p:ext uri="{EFAFB233-063F-42B5-8137-9DF3F51BA10A}">
+      <p15:sldGuideLst xmlns:p15="http://schemas.microsoft.com/office/powerpoint/2012/main"/>
+    </p:ext>
+  </p:extLst>
 </p:presentation>
 </file>
 
@@ -260,7 +267,7 @@
           <a:p>
             <a:fld id="{92C4A187-6951-384C-99DD-87EA4A8F957F}" type="datetimeFigureOut">
               <a:rPr lang="en-US" smtClean="0"/>
-              <a:t>7/31/23</a:t>
+              <a:t>8/1/23</a:t>
             </a:fld>
             <a:endParaRPr lang="en-US"/>
           </a:p>
@@ -460,7 +467,7 @@
           <a:p>
             <a:fld id="{92C4A187-6951-384C-99DD-87EA4A8F957F}" type="datetimeFigureOut">
               <a:rPr lang="en-US" smtClean="0"/>
-              <a:t>7/31/23</a:t>
+              <a:t>8/1/23</a:t>
             </a:fld>
             <a:endParaRPr lang="en-US"/>
           </a:p>
@@ -670,7 +677,7 @@
           <a:p>
             <a:fld id="{92C4A187-6951-384C-99DD-87EA4A8F957F}" type="datetimeFigureOut">
               <a:rPr lang="en-US" smtClean="0"/>
-              <a:t>7/31/23</a:t>
+              <a:t>8/1/23</a:t>
             </a:fld>
             <a:endParaRPr lang="en-US"/>
           </a:p>
@@ -870,7 +877,7 @@
           <a:p>
             <a:fld id="{92C4A187-6951-384C-99DD-87EA4A8F957F}" type="datetimeFigureOut">
               <a:rPr lang="en-US" smtClean="0"/>
-              <a:t>7/31/23</a:t>
+              <a:t>8/1/23</a:t>
             </a:fld>
             <a:endParaRPr lang="en-US"/>
           </a:p>
@@ -1146,7 +1153,7 @@
           <a:p>
             <a:fld id="{92C4A187-6951-384C-99DD-87EA4A8F957F}" type="datetimeFigureOut">
               <a:rPr lang="en-US" smtClean="0"/>
-              <a:t>7/31/23</a:t>
+              <a:t>8/1/23</a:t>
             </a:fld>
             <a:endParaRPr lang="en-US"/>
           </a:p>
@@ -1414,7 +1421,7 @@
           <a:p>
             <a:fld id="{92C4A187-6951-384C-99DD-87EA4A8F957F}" type="datetimeFigureOut">
               <a:rPr lang="en-US" smtClean="0"/>
-              <a:t>7/31/23</a:t>
+              <a:t>8/1/23</a:t>
             </a:fld>
             <a:endParaRPr lang="en-US"/>
           </a:p>
@@ -1829,7 +1836,7 @@
           <a:p>
             <a:fld id="{92C4A187-6951-384C-99DD-87EA4A8F957F}" type="datetimeFigureOut">
               <a:rPr lang="en-US" smtClean="0"/>
-              <a:t>7/31/23</a:t>
+              <a:t>8/1/23</a:t>
             </a:fld>
             <a:endParaRPr lang="en-US"/>
           </a:p>
@@ -1971,7 +1978,7 @@
           <a:p>
             <a:fld id="{92C4A187-6951-384C-99DD-87EA4A8F957F}" type="datetimeFigureOut">
               <a:rPr lang="en-US" smtClean="0"/>
-              <a:t>7/31/23</a:t>
+              <a:t>8/1/23</a:t>
             </a:fld>
             <a:endParaRPr lang="en-US"/>
           </a:p>
@@ -2084,7 +2091,7 @@
           <a:p>
             <a:fld id="{92C4A187-6951-384C-99DD-87EA4A8F957F}" type="datetimeFigureOut">
               <a:rPr lang="en-US" smtClean="0"/>
-              <a:t>7/31/23</a:t>
+              <a:t>8/1/23</a:t>
             </a:fld>
             <a:endParaRPr lang="en-US"/>
           </a:p>
@@ -2397,7 +2404,7 @@
           <a:p>
             <a:fld id="{92C4A187-6951-384C-99DD-87EA4A8F957F}" type="datetimeFigureOut">
               <a:rPr lang="en-US" smtClean="0"/>
-              <a:t>7/31/23</a:t>
+              <a:t>8/1/23</a:t>
             </a:fld>
             <a:endParaRPr lang="en-US"/>
           </a:p>
@@ -2686,7 +2693,7 @@
           <a:p>
             <a:fld id="{92C4A187-6951-384C-99DD-87EA4A8F957F}" type="datetimeFigureOut">
               <a:rPr lang="en-US" smtClean="0"/>
-              <a:t>7/31/23</a:t>
+              <a:t>8/1/23</a:t>
             </a:fld>
             <a:endParaRPr lang="en-US"/>
           </a:p>
@@ -2929,7 +2936,7 @@
           <a:p>
             <a:fld id="{92C4A187-6951-384C-99DD-87EA4A8F957F}" type="datetimeFigureOut">
               <a:rPr lang="en-US" smtClean="0"/>
-              <a:t>7/31/23</a:t>
+              <a:t>8/1/23</a:t>
             </a:fld>
             <a:endParaRPr lang="en-US"/>
           </a:p>
@@ -4788,8 +4795,8 @@
         </p:nvSpPr>
         <p:spPr>
           <a:xfrm>
-            <a:off x="8272130" y="0"/>
-            <a:ext cx="3919870" cy="1754326"/>
+            <a:off x="8472375" y="-23660"/>
+            <a:ext cx="3919870" cy="2308324"/>
           </a:xfrm>
           <a:prstGeom prst="rect">
             <a:avLst/>
@@ -4855,6 +4862,23 @@
               <a:rPr lang="en-US" dirty="0"/>
               <a:t>Async Programming</a:t>
             </a:r>
+          </a:p>
+          <a:p>
+            <a:pPr marL="800100" lvl="1" indent="-342900">
+              <a:buFont typeface="+mj-lt"/>
+              <a:buAutoNum type="arabicPeriod"/>
+            </a:pPr>
+            <a:r>
+              <a:rPr lang="en-US" dirty="0"/>
+              <a:t>Fetch() </a:t>
+            </a:r>
+          </a:p>
+          <a:p>
+            <a:pPr marL="342900" indent="-342900">
+              <a:buFont typeface="+mj-lt"/>
+              <a:buAutoNum type="arabicPeriod"/>
+            </a:pPr>
+            <a:endParaRPr lang="en-US" dirty="0"/>
           </a:p>
           <a:p>
             <a:pPr marL="342900" indent="-342900">
@@ -4884,9 +4908,9 @@
           <p:nvPr/>
         </p:nvCxnSpPr>
         <p:spPr>
-          <a:xfrm rot="10800000" flipV="1">
-            <a:off x="6730408" y="877163"/>
-            <a:ext cx="1541722" cy="159512"/>
+          <a:xfrm rot="10800000">
+            <a:off x="6730409" y="1036676"/>
+            <a:ext cx="1741967" cy="93827"/>
           </a:xfrm>
           <a:prstGeom prst="bentConnector3">
             <a:avLst/>
@@ -5731,19 +5755,22 @@
             </a:extLst>
           </p:cNvPr>
           <p:cNvCxnSpPr>
+            <a:cxnSpLocks/>
+            <a:stCxn id="2" idx="2"/>
             <a:endCxn id="4" idx="1"/>
           </p:cNvCxnSpPr>
           <p:nvPr/>
         </p:nvCxnSpPr>
         <p:spPr>
-          <a:xfrm rot="10800000">
-            <a:off x="2098601" y="1265275"/>
-            <a:ext cx="7720566" cy="1350335"/>
-          </a:xfrm>
-          <a:prstGeom prst="bentConnector4">
+          <a:xfrm rot="5400000" flipH="1">
+            <a:off x="5283717" y="-1919841"/>
+            <a:ext cx="1350335" cy="7720567"/>
+          </a:xfrm>
+          <a:prstGeom prst="bentConnector5">
             <a:avLst>
-              <a:gd name="adj1" fmla="val 42314"/>
-              <a:gd name="adj2" fmla="val 116929"/>
+              <a:gd name="adj1" fmla="val -16929"/>
+              <a:gd name="adj2" fmla="val 51782"/>
+              <a:gd name="adj3" fmla="val 116929"/>
             </a:avLst>
           </a:prstGeom>
           <a:ln w="76200">
@@ -5781,7 +5808,7 @@
         </p:nvSpPr>
         <p:spPr>
           <a:xfrm>
-            <a:off x="7857460" y="2716688"/>
+            <a:off x="8031125" y="2896117"/>
             <a:ext cx="3423684" cy="369332"/>
           </a:xfrm>
           <a:prstGeom prst="rect">
@@ -5841,13 +5868,8 @@
           <a:p>
             <a:r>
               <a:rPr lang="en-US" dirty="0"/>
-              <a:t>Separate Front-End App </a:t>
-            </a:r>
-            <a:r>
-              <a:rPr lang="en-US"/>
-              <a:t>(Separately Hosted)</a:t>
-            </a:r>
-            <a:endParaRPr lang="en-US" dirty="0"/>
+              <a:t>Separate Front-End App (Separately Hosted)</a:t>
+            </a:r>
           </a:p>
         </p:txBody>
       </p:sp>
@@ -5855,6 +5877,1328 @@
     <p:extLst>
       <p:ext uri="{BB962C8B-B14F-4D97-AF65-F5344CB8AC3E}">
         <p14:creationId xmlns:p14="http://schemas.microsoft.com/office/powerpoint/2010/main" val="3445825178"/>
+      </p:ext>
+    </p:extLst>
+  </p:cSld>
+  <p:clrMapOvr>
+    <a:masterClrMapping/>
+  </p:clrMapOvr>
+</p:sld>
+</file>
+
+<file path=ppt/slides/slide6.xml><?xml version="1.0" encoding="utf-8"?>
+<p:sld xmlns:a="http://schemas.openxmlformats.org/drawingml/2006/main" xmlns:r="http://schemas.openxmlformats.org/officeDocument/2006/relationships" xmlns:p="http://schemas.openxmlformats.org/presentationml/2006/main">
+  <p:cSld>
+    <p:spTree>
+      <p:nvGrpSpPr>
+        <p:cNvPr id="1" name=""/>
+        <p:cNvGrpSpPr/>
+        <p:nvPr/>
+      </p:nvGrpSpPr>
+      <p:grpSpPr>
+        <a:xfrm>
+          <a:off x="0" y="0"/>
+          <a:ext cx="0" cy="0"/>
+          <a:chOff x="0" y="0"/>
+          <a:chExt cx="0" cy="0"/>
+        </a:xfrm>
+      </p:grpSpPr>
+      <p:sp>
+        <p:nvSpPr>
+          <p:cNvPr id="2" name="TextBox 1">
+            <a:extLst>
+              <a:ext uri="{FF2B5EF4-FFF2-40B4-BE49-F238E27FC236}">
+                <a16:creationId xmlns:a16="http://schemas.microsoft.com/office/drawing/2014/main" id="{77F933B1-7E58-A051-6C80-5B88D12134EE}"/>
+              </a:ext>
+            </a:extLst>
+          </p:cNvPr>
+          <p:cNvSpPr txBox="1"/>
+          <p:nvPr/>
+        </p:nvSpPr>
+        <p:spPr>
+          <a:xfrm>
+            <a:off x="446567" y="202019"/>
+            <a:ext cx="5401340" cy="3416320"/>
+          </a:xfrm>
+          <a:prstGeom prst="rect">
+            <a:avLst/>
+          </a:prstGeom>
+          <a:noFill/>
+        </p:spPr>
+        <p:txBody>
+          <a:bodyPr wrap="square" rtlCol="0">
+            <a:spAutoFit/>
+          </a:bodyPr>
+          <a:lstStyle/>
+          <a:p>
+            <a:r>
+              <a:rPr lang="en-IN" b="0" dirty="0">
+                <a:solidFill>
+                  <a:srgbClr val="569CD6"/>
+                </a:solidFill>
+                <a:effectLst/>
+                <a:latin typeface="Menlo" panose="020B0609030804020204" pitchFamily="49" charset="0"/>
+              </a:rPr>
+              <a:t>let</a:t>
+            </a:r>
+            <a:r>
+              <a:rPr lang="en-IN" b="0" dirty="0">
+                <a:solidFill>
+                  <a:srgbClr val="D4D4D4"/>
+                </a:solidFill>
+                <a:effectLst/>
+                <a:latin typeface="Menlo" panose="020B0609030804020204" pitchFamily="49" charset="0"/>
+              </a:rPr>
+              <a:t> obj1 = {x:</a:t>
+            </a:r>
+            <a:r>
+              <a:rPr lang="en-IN" b="0" dirty="0">
+                <a:solidFill>
+                  <a:srgbClr val="B5CEA8"/>
+                </a:solidFill>
+                <a:effectLst/>
+                <a:latin typeface="Menlo" panose="020B0609030804020204" pitchFamily="49" charset="0"/>
+              </a:rPr>
+              <a:t>10</a:t>
+            </a:r>
+            <a:r>
+              <a:rPr lang="en-IN" b="0" dirty="0">
+                <a:solidFill>
+                  <a:srgbClr val="D4D4D4"/>
+                </a:solidFill>
+                <a:effectLst/>
+                <a:latin typeface="Menlo" panose="020B0609030804020204" pitchFamily="49" charset="0"/>
+              </a:rPr>
+              <a:t>};</a:t>
+            </a:r>
+          </a:p>
+          <a:p>
+            <a:r>
+              <a:rPr lang="en-IN" b="0" dirty="0" err="1">
+                <a:solidFill>
+                  <a:srgbClr val="D4D4D4"/>
+                </a:solidFill>
+                <a:effectLst/>
+                <a:latin typeface="Menlo" panose="020B0609030804020204" pitchFamily="49" charset="0"/>
+              </a:rPr>
+              <a:t>console.log</a:t>
+            </a:r>
+            <a:r>
+              <a:rPr lang="en-IN" b="0" dirty="0">
+                <a:solidFill>
+                  <a:srgbClr val="D4D4D4"/>
+                </a:solidFill>
+                <a:effectLst/>
+                <a:latin typeface="Menlo" panose="020B0609030804020204" pitchFamily="49" charset="0"/>
+              </a:rPr>
+              <a:t>(</a:t>
+            </a:r>
+            <a:r>
+              <a:rPr lang="en-IN" b="0" dirty="0">
+                <a:solidFill>
+                  <a:srgbClr val="CE9178"/>
+                </a:solidFill>
+                <a:effectLst/>
+                <a:latin typeface="Menlo" panose="020B0609030804020204" pitchFamily="49" charset="0"/>
+              </a:rPr>
+              <a:t>`obj1.x = </a:t>
+            </a:r>
+            <a:r>
+              <a:rPr lang="en-IN" b="0" dirty="0">
+                <a:solidFill>
+                  <a:srgbClr val="569CD6"/>
+                </a:solidFill>
+                <a:effectLst/>
+                <a:latin typeface="Menlo" panose="020B0609030804020204" pitchFamily="49" charset="0"/>
+              </a:rPr>
+              <a:t>${</a:t>
+            </a:r>
+            <a:r>
+              <a:rPr lang="en-IN" b="0" dirty="0">
+                <a:solidFill>
+                  <a:srgbClr val="D4D4D4"/>
+                </a:solidFill>
+                <a:effectLst/>
+                <a:latin typeface="Menlo" panose="020B0609030804020204" pitchFamily="49" charset="0"/>
+              </a:rPr>
+              <a:t>obj1.x</a:t>
+            </a:r>
+            <a:r>
+              <a:rPr lang="en-IN" b="0" dirty="0">
+                <a:solidFill>
+                  <a:srgbClr val="569CD6"/>
+                </a:solidFill>
+                <a:effectLst/>
+                <a:latin typeface="Menlo" panose="020B0609030804020204" pitchFamily="49" charset="0"/>
+              </a:rPr>
+              <a:t>}</a:t>
+            </a:r>
+            <a:r>
+              <a:rPr lang="en-IN" b="0" dirty="0">
+                <a:solidFill>
+                  <a:srgbClr val="CE9178"/>
+                </a:solidFill>
+                <a:effectLst/>
+                <a:latin typeface="Menlo" panose="020B0609030804020204" pitchFamily="49" charset="0"/>
+              </a:rPr>
+              <a:t>`</a:t>
+            </a:r>
+            <a:r>
+              <a:rPr lang="en-IN" b="0" dirty="0">
+                <a:solidFill>
+                  <a:srgbClr val="D4D4D4"/>
+                </a:solidFill>
+                <a:effectLst/>
+                <a:latin typeface="Menlo" panose="020B0609030804020204" pitchFamily="49" charset="0"/>
+              </a:rPr>
+              <a:t>);</a:t>
+            </a:r>
+          </a:p>
+          <a:p>
+            <a:r>
+              <a:rPr lang="en-IN" b="0" dirty="0">
+                <a:solidFill>
+                  <a:srgbClr val="569CD6"/>
+                </a:solidFill>
+                <a:effectLst/>
+                <a:latin typeface="Menlo" panose="020B0609030804020204" pitchFamily="49" charset="0"/>
+              </a:rPr>
+              <a:t>let</a:t>
+            </a:r>
+            <a:r>
+              <a:rPr lang="en-IN" b="0" dirty="0">
+                <a:solidFill>
+                  <a:srgbClr val="D4D4D4"/>
+                </a:solidFill>
+                <a:effectLst/>
+                <a:latin typeface="Menlo" panose="020B0609030804020204" pitchFamily="49" charset="0"/>
+              </a:rPr>
+              <a:t> obj2 = obj1;</a:t>
+            </a:r>
+          </a:p>
+          <a:p>
+            <a:endParaRPr lang="en-IN" b="0" dirty="0">
+              <a:solidFill>
+                <a:srgbClr val="D4D4D4"/>
+              </a:solidFill>
+              <a:effectLst/>
+              <a:latin typeface="Menlo" panose="020B0609030804020204" pitchFamily="49" charset="0"/>
+            </a:endParaRPr>
+          </a:p>
+          <a:p>
+            <a:endParaRPr lang="en-IN" dirty="0">
+              <a:solidFill>
+                <a:srgbClr val="D4D4D4"/>
+              </a:solidFill>
+              <a:latin typeface="Menlo" panose="020B0609030804020204" pitchFamily="49" charset="0"/>
+            </a:endParaRPr>
+          </a:p>
+          <a:p>
+            <a:endParaRPr lang="en-IN" b="0" dirty="0">
+              <a:solidFill>
+                <a:srgbClr val="D4D4D4"/>
+              </a:solidFill>
+              <a:effectLst/>
+              <a:latin typeface="Menlo" panose="020B0609030804020204" pitchFamily="49" charset="0"/>
+            </a:endParaRPr>
+          </a:p>
+          <a:p>
+            <a:endParaRPr lang="en-IN" dirty="0">
+              <a:solidFill>
+                <a:srgbClr val="D4D4D4"/>
+              </a:solidFill>
+              <a:latin typeface="Menlo" panose="020B0609030804020204" pitchFamily="49" charset="0"/>
+            </a:endParaRPr>
+          </a:p>
+          <a:p>
+            <a:endParaRPr lang="en-IN" b="0" dirty="0">
+              <a:solidFill>
+                <a:srgbClr val="D4D4D4"/>
+              </a:solidFill>
+              <a:effectLst/>
+              <a:latin typeface="Menlo" panose="020B0609030804020204" pitchFamily="49" charset="0"/>
+            </a:endParaRPr>
+          </a:p>
+          <a:p>
+            <a:r>
+              <a:rPr lang="en-IN" dirty="0">
+                <a:solidFill>
+                  <a:srgbClr val="D4D4D4"/>
+                </a:solidFill>
+                <a:latin typeface="Menlo" panose="020B0609030804020204" pitchFamily="49" charset="0"/>
+              </a:rPr>
+              <a:t>Let obj3 = {z:10};</a:t>
+            </a:r>
+          </a:p>
+          <a:p>
+            <a:r>
+              <a:rPr lang="en-IN" dirty="0">
+                <a:solidFill>
+                  <a:srgbClr val="D4D4D4"/>
+                </a:solidFill>
+                <a:latin typeface="Menlo" panose="020B0609030804020204" pitchFamily="49" charset="0"/>
+              </a:rPr>
+              <a:t>Obj3 = {…obj3, d:100};</a:t>
+            </a:r>
+          </a:p>
+          <a:p>
+            <a:r>
+              <a:rPr lang="en-IN" b="0" dirty="0">
+                <a:solidFill>
+                  <a:srgbClr val="D4D4D4"/>
+                </a:solidFill>
+                <a:effectLst/>
+                <a:latin typeface="Menlo" panose="020B0609030804020204" pitchFamily="49" charset="0"/>
+              </a:rPr>
+              <a:t>// Internally </a:t>
+            </a:r>
+            <a:r>
+              <a:rPr lang="en-IN" b="0" dirty="0" err="1">
+                <a:solidFill>
+                  <a:srgbClr val="D4D4D4"/>
+                </a:solidFill>
+                <a:effectLst/>
+                <a:latin typeface="Menlo" panose="020B0609030804020204" pitchFamily="49" charset="0"/>
+              </a:rPr>
+              <a:t>Object.assign</a:t>
+            </a:r>
+            <a:r>
+              <a:rPr lang="en-IN" b="0" dirty="0">
+                <a:solidFill>
+                  <a:srgbClr val="D4D4D4"/>
+                </a:solidFill>
+                <a:effectLst/>
+                <a:latin typeface="Menlo" panose="020B0609030804020204" pitchFamily="49" charset="0"/>
+              </a:rPr>
+              <a:t>()</a:t>
+            </a:r>
+            <a:br>
+              <a:rPr lang="en-IN" b="0" dirty="0">
+                <a:solidFill>
+                  <a:srgbClr val="D4D4D4"/>
+                </a:solidFill>
+                <a:effectLst/>
+                <a:latin typeface="Menlo" panose="020B0609030804020204" pitchFamily="49" charset="0"/>
+              </a:rPr>
+            </a:br>
+            <a:endParaRPr lang="en-IN" b="0" dirty="0">
+              <a:solidFill>
+                <a:srgbClr val="D4D4D4"/>
+              </a:solidFill>
+              <a:effectLst/>
+              <a:latin typeface="Menlo" panose="020B0609030804020204" pitchFamily="49" charset="0"/>
+            </a:endParaRPr>
+          </a:p>
+        </p:txBody>
+      </p:sp>
+      <p:sp>
+        <p:nvSpPr>
+          <p:cNvPr id="3" name="Rectangle 2">
+            <a:extLst>
+              <a:ext uri="{FF2B5EF4-FFF2-40B4-BE49-F238E27FC236}">
+                <a16:creationId xmlns:a16="http://schemas.microsoft.com/office/drawing/2014/main" id="{702EB272-FCFC-713A-56AC-52476DA5B958}"/>
+              </a:ext>
+            </a:extLst>
+          </p:cNvPr>
+          <p:cNvSpPr/>
+          <p:nvPr/>
+        </p:nvSpPr>
+        <p:spPr>
+          <a:xfrm>
+            <a:off x="8633637" y="850605"/>
+            <a:ext cx="1169581" cy="1030761"/>
+          </a:xfrm>
+          <a:prstGeom prst="rect">
+            <a:avLst/>
+          </a:prstGeom>
+        </p:spPr>
+        <p:style>
+          <a:lnRef idx="2">
+            <a:schemeClr val="accent1">
+              <a:shade val="15000"/>
+            </a:schemeClr>
+          </a:lnRef>
+          <a:fillRef idx="1">
+            <a:schemeClr val="accent1"/>
+          </a:fillRef>
+          <a:effectRef idx="0">
+            <a:schemeClr val="accent1"/>
+          </a:effectRef>
+          <a:fontRef idx="minor">
+            <a:schemeClr val="lt1"/>
+          </a:fontRef>
+        </p:style>
+        <p:txBody>
+          <a:bodyPr rtlCol="0" anchor="ctr"/>
+          <a:lstStyle/>
+          <a:p>
+            <a:pPr algn="ctr"/>
+            <a:r>
+              <a:rPr lang="en-US" dirty="0"/>
+              <a:t>10</a:t>
+            </a:r>
+          </a:p>
+        </p:txBody>
+      </p:sp>
+      <p:sp>
+        <p:nvSpPr>
+          <p:cNvPr id="4" name="TextBox 3">
+            <a:extLst>
+              <a:ext uri="{FF2B5EF4-FFF2-40B4-BE49-F238E27FC236}">
+                <a16:creationId xmlns:a16="http://schemas.microsoft.com/office/drawing/2014/main" id="{867430DD-6E69-8E06-32F5-2FBD87EF4F8D}"/>
+              </a:ext>
+            </a:extLst>
+          </p:cNvPr>
+          <p:cNvSpPr txBox="1"/>
+          <p:nvPr/>
+        </p:nvSpPr>
+        <p:spPr>
+          <a:xfrm>
+            <a:off x="8633637" y="372140"/>
+            <a:ext cx="1073889" cy="372139"/>
+          </a:xfrm>
+          <a:prstGeom prst="rect">
+            <a:avLst/>
+          </a:prstGeom>
+          <a:noFill/>
+        </p:spPr>
+        <p:txBody>
+          <a:bodyPr wrap="square" rtlCol="0">
+            <a:spAutoFit/>
+          </a:bodyPr>
+          <a:lstStyle/>
+          <a:p>
+            <a:pPr algn="ctr"/>
+            <a:r>
+              <a:rPr lang="en-US" dirty="0"/>
+              <a:t>Obj1.x</a:t>
+            </a:r>
+          </a:p>
+        </p:txBody>
+      </p:sp>
+      <p:cxnSp>
+        <p:nvCxnSpPr>
+          <p:cNvPr id="6" name="Elbow Connector 5">
+            <a:extLst>
+              <a:ext uri="{FF2B5EF4-FFF2-40B4-BE49-F238E27FC236}">
+                <a16:creationId xmlns:a16="http://schemas.microsoft.com/office/drawing/2014/main" id="{48890D6B-BEA2-7B95-563F-C09C13AFF644}"/>
+              </a:ext>
+            </a:extLst>
+          </p:cNvPr>
+          <p:cNvCxnSpPr>
+            <a:endCxn id="3" idx="1"/>
+          </p:cNvCxnSpPr>
+          <p:nvPr/>
+        </p:nvCxnSpPr>
+        <p:spPr>
+          <a:xfrm>
+            <a:off x="3242930" y="372140"/>
+            <a:ext cx="5390707" cy="993846"/>
+          </a:xfrm>
+          <a:prstGeom prst="bentConnector3">
+            <a:avLst/>
+          </a:prstGeom>
+          <a:ln>
+            <a:tailEnd type="triangle"/>
+          </a:ln>
+        </p:spPr>
+        <p:style>
+          <a:lnRef idx="1">
+            <a:schemeClr val="accent1"/>
+          </a:lnRef>
+          <a:fillRef idx="0">
+            <a:schemeClr val="accent1"/>
+          </a:fillRef>
+          <a:effectRef idx="0">
+            <a:schemeClr val="accent1"/>
+          </a:effectRef>
+          <a:fontRef idx="minor">
+            <a:schemeClr val="tx1"/>
+          </a:fontRef>
+        </p:style>
+      </p:cxnSp>
+      <p:cxnSp>
+        <p:nvCxnSpPr>
+          <p:cNvPr id="8" name="Elbow Connector 7">
+            <a:extLst>
+              <a:ext uri="{FF2B5EF4-FFF2-40B4-BE49-F238E27FC236}">
+                <a16:creationId xmlns:a16="http://schemas.microsoft.com/office/drawing/2014/main" id="{96808519-A846-DC40-B81D-A40494C084A4}"/>
+              </a:ext>
+            </a:extLst>
+          </p:cNvPr>
+          <p:cNvCxnSpPr>
+            <a:endCxn id="3" idx="2"/>
+          </p:cNvCxnSpPr>
+          <p:nvPr/>
+        </p:nvCxnSpPr>
+        <p:spPr>
+          <a:xfrm>
+            <a:off x="2860158" y="850605"/>
+            <a:ext cx="6358270" cy="1030761"/>
+          </a:xfrm>
+          <a:prstGeom prst="bentConnector4">
+            <a:avLst>
+              <a:gd name="adj1" fmla="val 45401"/>
+              <a:gd name="adj2" fmla="val 122178"/>
+            </a:avLst>
+          </a:prstGeom>
+          <a:ln>
+            <a:tailEnd type="triangle"/>
+          </a:ln>
+        </p:spPr>
+        <p:style>
+          <a:lnRef idx="1">
+            <a:schemeClr val="accent1"/>
+          </a:lnRef>
+          <a:fillRef idx="0">
+            <a:schemeClr val="accent1"/>
+          </a:fillRef>
+          <a:effectRef idx="0">
+            <a:schemeClr val="accent1"/>
+          </a:effectRef>
+          <a:fontRef idx="minor">
+            <a:schemeClr val="tx1"/>
+          </a:fontRef>
+        </p:style>
+      </p:cxnSp>
+      <p:sp>
+        <p:nvSpPr>
+          <p:cNvPr id="9" name="Rectangle 8">
+            <a:extLst>
+              <a:ext uri="{FF2B5EF4-FFF2-40B4-BE49-F238E27FC236}">
+                <a16:creationId xmlns:a16="http://schemas.microsoft.com/office/drawing/2014/main" id="{0F594346-2594-771A-ED99-923BB6A29818}"/>
+              </a:ext>
+            </a:extLst>
+          </p:cNvPr>
+          <p:cNvSpPr/>
+          <p:nvPr/>
+        </p:nvSpPr>
+        <p:spPr>
+          <a:xfrm>
+            <a:off x="7786576" y="3671778"/>
+            <a:ext cx="1169581" cy="1030761"/>
+          </a:xfrm>
+          <a:prstGeom prst="rect">
+            <a:avLst/>
+          </a:prstGeom>
+        </p:spPr>
+        <p:style>
+          <a:lnRef idx="2">
+            <a:schemeClr val="accent1">
+              <a:shade val="15000"/>
+            </a:schemeClr>
+          </a:lnRef>
+          <a:fillRef idx="1">
+            <a:schemeClr val="accent1"/>
+          </a:fillRef>
+          <a:effectRef idx="0">
+            <a:schemeClr val="accent1"/>
+          </a:effectRef>
+          <a:fontRef idx="minor">
+            <a:schemeClr val="lt1"/>
+          </a:fontRef>
+        </p:style>
+        <p:txBody>
+          <a:bodyPr rtlCol="0" anchor="ctr"/>
+          <a:lstStyle/>
+          <a:p>
+            <a:pPr algn="ctr"/>
+            <a:r>
+              <a:rPr lang="en-US" dirty="0"/>
+              <a:t>Z:10</a:t>
+            </a:r>
+          </a:p>
+        </p:txBody>
+      </p:sp>
+      <p:cxnSp>
+        <p:nvCxnSpPr>
+          <p:cNvPr id="11" name="Elbow Connector 10">
+            <a:extLst>
+              <a:ext uri="{FF2B5EF4-FFF2-40B4-BE49-F238E27FC236}">
+                <a16:creationId xmlns:a16="http://schemas.microsoft.com/office/drawing/2014/main" id="{47621A23-A99B-52A0-34CC-0FD4C82B884E}"/>
+              </a:ext>
+            </a:extLst>
+          </p:cNvPr>
+          <p:cNvCxnSpPr>
+            <a:endCxn id="9" idx="1"/>
+          </p:cNvCxnSpPr>
+          <p:nvPr/>
+        </p:nvCxnSpPr>
+        <p:spPr>
+          <a:xfrm>
+            <a:off x="3147237" y="2529952"/>
+            <a:ext cx="4639339" cy="1657207"/>
+          </a:xfrm>
+          <a:prstGeom prst="bentConnector3">
+            <a:avLst/>
+          </a:prstGeom>
+          <a:ln>
+            <a:tailEnd type="triangle"/>
+          </a:ln>
+        </p:spPr>
+        <p:style>
+          <a:lnRef idx="1">
+            <a:schemeClr val="accent1"/>
+          </a:lnRef>
+          <a:fillRef idx="0">
+            <a:schemeClr val="accent1"/>
+          </a:fillRef>
+          <a:effectRef idx="0">
+            <a:schemeClr val="accent1"/>
+          </a:effectRef>
+          <a:fontRef idx="minor">
+            <a:schemeClr val="tx1"/>
+          </a:fontRef>
+        </p:style>
+      </p:cxnSp>
+      <p:sp>
+        <p:nvSpPr>
+          <p:cNvPr id="12" name="Rectangle 11">
+            <a:extLst>
+              <a:ext uri="{FF2B5EF4-FFF2-40B4-BE49-F238E27FC236}">
+                <a16:creationId xmlns:a16="http://schemas.microsoft.com/office/drawing/2014/main" id="{E5F78510-BE9F-AFA9-1952-92662DA7F97A}"/>
+              </a:ext>
+            </a:extLst>
+          </p:cNvPr>
+          <p:cNvSpPr/>
+          <p:nvPr/>
+        </p:nvSpPr>
+        <p:spPr>
+          <a:xfrm>
+            <a:off x="3051544" y="4976634"/>
+            <a:ext cx="1169581" cy="1030761"/>
+          </a:xfrm>
+          <a:prstGeom prst="rect">
+            <a:avLst/>
+          </a:prstGeom>
+        </p:spPr>
+        <p:style>
+          <a:lnRef idx="2">
+            <a:schemeClr val="accent1">
+              <a:shade val="15000"/>
+            </a:schemeClr>
+          </a:lnRef>
+          <a:fillRef idx="1">
+            <a:schemeClr val="accent1"/>
+          </a:fillRef>
+          <a:effectRef idx="0">
+            <a:schemeClr val="accent1"/>
+          </a:effectRef>
+          <a:fontRef idx="minor">
+            <a:schemeClr val="lt1"/>
+          </a:fontRef>
+        </p:style>
+        <p:txBody>
+          <a:bodyPr rtlCol="0" anchor="ctr"/>
+          <a:lstStyle/>
+          <a:p>
+            <a:pPr algn="ctr"/>
+            <a:r>
+              <a:rPr lang="en-US" dirty="0"/>
+              <a:t>Z:10, d:100</a:t>
+            </a:r>
+          </a:p>
+        </p:txBody>
+      </p:sp>
+      <p:cxnSp>
+        <p:nvCxnSpPr>
+          <p:cNvPr id="14" name="Elbow Connector 13">
+            <a:extLst>
+              <a:ext uri="{FF2B5EF4-FFF2-40B4-BE49-F238E27FC236}">
+                <a16:creationId xmlns:a16="http://schemas.microsoft.com/office/drawing/2014/main" id="{E9E968CF-82BC-532D-2FBD-E1F2F06B3392}"/>
+              </a:ext>
+            </a:extLst>
+          </p:cNvPr>
+          <p:cNvCxnSpPr>
+            <a:endCxn id="12" idx="1"/>
+          </p:cNvCxnSpPr>
+          <p:nvPr/>
+        </p:nvCxnSpPr>
+        <p:spPr>
+          <a:xfrm rot="16200000" flipH="1">
+            <a:off x="768053" y="3208523"/>
+            <a:ext cx="2833875" cy="1733107"/>
+          </a:xfrm>
+          <a:prstGeom prst="bentConnector2">
+            <a:avLst/>
+          </a:prstGeom>
+          <a:ln>
+            <a:tailEnd type="triangle"/>
+          </a:ln>
+        </p:spPr>
+        <p:style>
+          <a:lnRef idx="1">
+            <a:schemeClr val="accent1"/>
+          </a:lnRef>
+          <a:fillRef idx="0">
+            <a:schemeClr val="accent1"/>
+          </a:fillRef>
+          <a:effectRef idx="0">
+            <a:schemeClr val="accent1"/>
+          </a:effectRef>
+          <a:fontRef idx="minor">
+            <a:schemeClr val="tx1"/>
+          </a:fontRef>
+        </p:style>
+      </p:cxnSp>
+      <p:sp>
+        <p:nvSpPr>
+          <p:cNvPr id="15" name="Multiply 14">
+            <a:extLst>
+              <a:ext uri="{FF2B5EF4-FFF2-40B4-BE49-F238E27FC236}">
+                <a16:creationId xmlns:a16="http://schemas.microsoft.com/office/drawing/2014/main" id="{16790309-A6B1-22F3-B2B7-6B895DD3F64F}"/>
+              </a:ext>
+            </a:extLst>
+          </p:cNvPr>
+          <p:cNvSpPr/>
+          <p:nvPr/>
+        </p:nvSpPr>
+        <p:spPr>
+          <a:xfrm>
+            <a:off x="5029200" y="3671632"/>
+            <a:ext cx="1010093" cy="978814"/>
+          </a:xfrm>
+          <a:prstGeom prst="mathMultiply">
+            <a:avLst/>
+          </a:prstGeom>
+          <a:solidFill>
+            <a:srgbClr val="C00000"/>
+          </a:solidFill>
+        </p:spPr>
+        <p:style>
+          <a:lnRef idx="2">
+            <a:schemeClr val="accent1">
+              <a:shade val="15000"/>
+            </a:schemeClr>
+          </a:lnRef>
+          <a:fillRef idx="1">
+            <a:schemeClr val="accent1"/>
+          </a:fillRef>
+          <a:effectRef idx="0">
+            <a:schemeClr val="accent1"/>
+          </a:effectRef>
+          <a:fontRef idx="minor">
+            <a:schemeClr val="lt1"/>
+          </a:fontRef>
+        </p:style>
+        <p:txBody>
+          <a:bodyPr rtlCol="0" anchor="ctr"/>
+          <a:lstStyle/>
+          <a:p>
+            <a:pPr algn="ctr"/>
+            <a:endParaRPr lang="en-US"/>
+          </a:p>
+        </p:txBody>
+      </p:sp>
+    </p:spTree>
+    <p:extLst>
+      <p:ext uri="{BB962C8B-B14F-4D97-AF65-F5344CB8AC3E}">
+        <p14:creationId xmlns:p14="http://schemas.microsoft.com/office/powerpoint/2010/main" val="4264388306"/>
+      </p:ext>
+    </p:extLst>
+  </p:cSld>
+  <p:clrMapOvr>
+    <a:masterClrMapping/>
+  </p:clrMapOvr>
+</p:sld>
+</file>
+
+<file path=ppt/slides/slide7.xml><?xml version="1.0" encoding="utf-8"?>
+<p:sld xmlns:a="http://schemas.openxmlformats.org/drawingml/2006/main" xmlns:r="http://schemas.openxmlformats.org/officeDocument/2006/relationships" xmlns:p="http://schemas.openxmlformats.org/presentationml/2006/main">
+  <p:cSld>
+    <p:spTree>
+      <p:nvGrpSpPr>
+        <p:cNvPr id="1" name=""/>
+        <p:cNvGrpSpPr/>
+        <p:nvPr/>
+      </p:nvGrpSpPr>
+      <p:grpSpPr>
+        <a:xfrm>
+          <a:off x="0" y="0"/>
+          <a:ext cx="0" cy="0"/>
+          <a:chOff x="0" y="0"/>
+          <a:chExt cx="0" cy="0"/>
+        </a:xfrm>
+      </p:grpSpPr>
+      <p:sp>
+        <p:nvSpPr>
+          <p:cNvPr id="2" name="Rectangle 1">
+            <a:extLst>
+              <a:ext uri="{FF2B5EF4-FFF2-40B4-BE49-F238E27FC236}">
+                <a16:creationId xmlns:a16="http://schemas.microsoft.com/office/drawing/2014/main" id="{5C9BC67B-7AEC-F0D2-680C-4D38779B9FEA}"/>
+              </a:ext>
+            </a:extLst>
+          </p:cNvPr>
+          <p:cNvSpPr/>
+          <p:nvPr/>
+        </p:nvSpPr>
+        <p:spPr>
+          <a:xfrm>
+            <a:off x="552894" y="707065"/>
+            <a:ext cx="10451804" cy="5709684"/>
+          </a:xfrm>
+          <a:prstGeom prst="rect">
+            <a:avLst/>
+          </a:prstGeom>
+        </p:spPr>
+        <p:style>
+          <a:lnRef idx="2">
+            <a:schemeClr val="accent6"/>
+          </a:lnRef>
+          <a:fillRef idx="1">
+            <a:schemeClr val="lt1"/>
+          </a:fillRef>
+          <a:effectRef idx="0">
+            <a:schemeClr val="accent6"/>
+          </a:effectRef>
+          <a:fontRef idx="minor">
+            <a:schemeClr val="dk1"/>
+          </a:fontRef>
+        </p:style>
+        <p:txBody>
+          <a:bodyPr rtlCol="0" anchor="ctr"/>
+          <a:lstStyle/>
+          <a:p>
+            <a:pPr algn="ctr"/>
+            <a:endParaRPr lang="en-US"/>
+          </a:p>
+        </p:txBody>
+      </p:sp>
+      <p:sp>
+        <p:nvSpPr>
+          <p:cNvPr id="3" name="Rectangle 2">
+            <a:extLst>
+              <a:ext uri="{FF2B5EF4-FFF2-40B4-BE49-F238E27FC236}">
+                <a16:creationId xmlns:a16="http://schemas.microsoft.com/office/drawing/2014/main" id="{B83566DD-99EF-CAF9-E08B-CE9D7DDEDB99}"/>
+              </a:ext>
+            </a:extLst>
+          </p:cNvPr>
+          <p:cNvSpPr/>
+          <p:nvPr/>
+        </p:nvSpPr>
+        <p:spPr>
+          <a:xfrm>
+            <a:off x="765544" y="1095153"/>
+            <a:ext cx="2115879" cy="4827182"/>
+          </a:xfrm>
+          <a:prstGeom prst="rect">
+            <a:avLst/>
+          </a:prstGeom>
+          <a:solidFill>
+            <a:srgbClr val="C00000"/>
+          </a:solidFill>
+        </p:spPr>
+        <p:style>
+          <a:lnRef idx="2">
+            <a:schemeClr val="accent1">
+              <a:shade val="15000"/>
+            </a:schemeClr>
+          </a:lnRef>
+          <a:fillRef idx="1">
+            <a:schemeClr val="accent1"/>
+          </a:fillRef>
+          <a:effectRef idx="0">
+            <a:schemeClr val="accent1"/>
+          </a:effectRef>
+          <a:fontRef idx="minor">
+            <a:schemeClr val="lt1"/>
+          </a:fontRef>
+        </p:style>
+        <p:txBody>
+          <a:bodyPr rtlCol="0" anchor="ctr"/>
+          <a:lstStyle/>
+          <a:p>
+            <a:pPr algn="ctr"/>
+            <a:r>
+              <a:rPr lang="en-US" dirty="0"/>
+              <a:t>UI Layer</a:t>
+            </a:r>
+          </a:p>
+          <a:p>
+            <a:pPr algn="ctr"/>
+            <a:r>
+              <a:rPr lang="en-US" dirty="0"/>
+              <a:t>HTML Page / React Component</a:t>
+            </a:r>
+          </a:p>
+        </p:txBody>
+      </p:sp>
+      <p:sp>
+        <p:nvSpPr>
+          <p:cNvPr id="4" name="Rectangle 3">
+            <a:extLst>
+              <a:ext uri="{FF2B5EF4-FFF2-40B4-BE49-F238E27FC236}">
+                <a16:creationId xmlns:a16="http://schemas.microsoft.com/office/drawing/2014/main" id="{25B8444F-7736-1A13-0D57-E668E43690AD}"/>
+              </a:ext>
+            </a:extLst>
+          </p:cNvPr>
+          <p:cNvSpPr/>
+          <p:nvPr/>
+        </p:nvSpPr>
+        <p:spPr>
+          <a:xfrm>
+            <a:off x="3508744" y="1095153"/>
+            <a:ext cx="2456121" cy="2466754"/>
+          </a:xfrm>
+          <a:prstGeom prst="rect">
+            <a:avLst/>
+          </a:prstGeom>
+        </p:spPr>
+        <p:style>
+          <a:lnRef idx="2">
+            <a:schemeClr val="accent4">
+              <a:shade val="15000"/>
+            </a:schemeClr>
+          </a:lnRef>
+          <a:fillRef idx="1">
+            <a:schemeClr val="accent4"/>
+          </a:fillRef>
+          <a:effectRef idx="0">
+            <a:schemeClr val="accent4"/>
+          </a:effectRef>
+          <a:fontRef idx="minor">
+            <a:schemeClr val="lt1"/>
+          </a:fontRef>
+        </p:style>
+        <p:txBody>
+          <a:bodyPr rtlCol="0" anchor="ctr"/>
+          <a:lstStyle/>
+          <a:p>
+            <a:pPr algn="ctr"/>
+            <a:r>
+              <a:rPr lang="en-US" dirty="0"/>
+              <a:t>Presenter Layer</a:t>
+            </a:r>
+          </a:p>
+          <a:p>
+            <a:pPr algn="ctr"/>
+            <a:r>
+              <a:rPr lang="en-US" dirty="0"/>
+              <a:t>Properties and Behaviors</a:t>
+            </a:r>
+          </a:p>
+        </p:txBody>
+      </p:sp>
+      <p:sp>
+        <p:nvSpPr>
+          <p:cNvPr id="5" name="Left-right Arrow 4">
+            <a:extLst>
+              <a:ext uri="{FF2B5EF4-FFF2-40B4-BE49-F238E27FC236}">
+                <a16:creationId xmlns:a16="http://schemas.microsoft.com/office/drawing/2014/main" id="{86315285-AC27-4FAD-29E2-1C9936D26DE8}"/>
+              </a:ext>
+            </a:extLst>
+          </p:cNvPr>
+          <p:cNvSpPr/>
+          <p:nvPr/>
+        </p:nvSpPr>
+        <p:spPr>
+          <a:xfrm>
+            <a:off x="2881423" y="1839433"/>
+            <a:ext cx="616689" cy="276446"/>
+          </a:xfrm>
+          <a:prstGeom prst="leftRightArrow">
+            <a:avLst/>
+          </a:prstGeom>
+        </p:spPr>
+        <p:style>
+          <a:lnRef idx="2">
+            <a:schemeClr val="accent1">
+              <a:shade val="15000"/>
+            </a:schemeClr>
+          </a:lnRef>
+          <a:fillRef idx="1">
+            <a:schemeClr val="accent1"/>
+          </a:fillRef>
+          <a:effectRef idx="0">
+            <a:schemeClr val="accent1"/>
+          </a:effectRef>
+          <a:fontRef idx="minor">
+            <a:schemeClr val="lt1"/>
+          </a:fontRef>
+        </p:style>
+        <p:txBody>
+          <a:bodyPr rtlCol="0" anchor="ctr"/>
+          <a:lstStyle/>
+          <a:p>
+            <a:pPr algn="ctr"/>
+            <a:endParaRPr lang="en-US"/>
+          </a:p>
+        </p:txBody>
+      </p:sp>
+      <p:sp>
+        <p:nvSpPr>
+          <p:cNvPr id="6" name="Rectangle 5">
+            <a:extLst>
+              <a:ext uri="{FF2B5EF4-FFF2-40B4-BE49-F238E27FC236}">
+                <a16:creationId xmlns:a16="http://schemas.microsoft.com/office/drawing/2014/main" id="{47A25998-0387-A594-B612-D97EF74A25B8}"/>
+              </a:ext>
+            </a:extLst>
+          </p:cNvPr>
+          <p:cNvSpPr/>
+          <p:nvPr/>
+        </p:nvSpPr>
+        <p:spPr>
+          <a:xfrm>
+            <a:off x="7262037" y="1095153"/>
+            <a:ext cx="2456121" cy="2466754"/>
+          </a:xfrm>
+          <a:prstGeom prst="rect">
+            <a:avLst/>
+          </a:prstGeom>
+        </p:spPr>
+        <p:style>
+          <a:lnRef idx="2">
+            <a:schemeClr val="accent3">
+              <a:shade val="15000"/>
+            </a:schemeClr>
+          </a:lnRef>
+          <a:fillRef idx="1">
+            <a:schemeClr val="accent3"/>
+          </a:fillRef>
+          <a:effectRef idx="0">
+            <a:schemeClr val="accent3"/>
+          </a:effectRef>
+          <a:fontRef idx="minor">
+            <a:schemeClr val="lt1"/>
+          </a:fontRef>
+        </p:style>
+        <p:txBody>
+          <a:bodyPr rtlCol="0" anchor="ctr"/>
+          <a:lstStyle/>
+          <a:p>
+            <a:pPr algn="ctr"/>
+            <a:r>
+              <a:rPr lang="en-US" dirty="0"/>
+              <a:t>Utilities</a:t>
+            </a:r>
+          </a:p>
+          <a:p>
+            <a:pPr algn="ctr"/>
+            <a:endParaRPr lang="en-US" dirty="0"/>
+          </a:p>
+          <a:p>
+            <a:pPr algn="ctr"/>
+            <a:r>
+              <a:rPr lang="en-US" dirty="0"/>
+              <a:t>Reusable Logic e.g. Data Processing</a:t>
+            </a:r>
+          </a:p>
+        </p:txBody>
+      </p:sp>
+      <p:sp>
+        <p:nvSpPr>
+          <p:cNvPr id="7" name="Left-right Arrow 6">
+            <a:extLst>
+              <a:ext uri="{FF2B5EF4-FFF2-40B4-BE49-F238E27FC236}">
+                <a16:creationId xmlns:a16="http://schemas.microsoft.com/office/drawing/2014/main" id="{5FC0008E-3732-32A2-8403-D5B30AE9AD0A}"/>
+              </a:ext>
+            </a:extLst>
+          </p:cNvPr>
+          <p:cNvSpPr/>
+          <p:nvPr/>
+        </p:nvSpPr>
+        <p:spPr>
+          <a:xfrm>
+            <a:off x="5975497" y="1754372"/>
+            <a:ext cx="1249326" cy="361507"/>
+          </a:xfrm>
+          <a:prstGeom prst="leftRightArrow">
+            <a:avLst/>
+          </a:prstGeom>
+        </p:spPr>
+        <p:style>
+          <a:lnRef idx="2">
+            <a:schemeClr val="accent1">
+              <a:shade val="15000"/>
+            </a:schemeClr>
+          </a:lnRef>
+          <a:fillRef idx="1">
+            <a:schemeClr val="accent1"/>
+          </a:fillRef>
+          <a:effectRef idx="0">
+            <a:schemeClr val="accent1"/>
+          </a:effectRef>
+          <a:fontRef idx="minor">
+            <a:schemeClr val="lt1"/>
+          </a:fontRef>
+        </p:style>
+        <p:txBody>
+          <a:bodyPr rtlCol="0" anchor="ctr"/>
+          <a:lstStyle/>
+          <a:p>
+            <a:pPr algn="ctr"/>
+            <a:endParaRPr lang="en-US"/>
+          </a:p>
+        </p:txBody>
+      </p:sp>
+      <p:sp>
+        <p:nvSpPr>
+          <p:cNvPr id="8" name="Rectangle 7">
+            <a:extLst>
+              <a:ext uri="{FF2B5EF4-FFF2-40B4-BE49-F238E27FC236}">
+                <a16:creationId xmlns:a16="http://schemas.microsoft.com/office/drawing/2014/main" id="{FBA0673C-FA5A-21A8-9E03-22A5DF46AD79}"/>
+              </a:ext>
+            </a:extLst>
+          </p:cNvPr>
+          <p:cNvSpPr/>
+          <p:nvPr/>
+        </p:nvSpPr>
+        <p:spPr>
+          <a:xfrm>
+            <a:off x="6287386" y="3726711"/>
+            <a:ext cx="2456121" cy="2466754"/>
+          </a:xfrm>
+          <a:prstGeom prst="rect">
+            <a:avLst/>
+          </a:prstGeom>
+        </p:spPr>
+        <p:style>
+          <a:lnRef idx="2">
+            <a:schemeClr val="accent2">
+              <a:shade val="15000"/>
+            </a:schemeClr>
+          </a:lnRef>
+          <a:fillRef idx="1">
+            <a:schemeClr val="accent2"/>
+          </a:fillRef>
+          <a:effectRef idx="0">
+            <a:schemeClr val="accent2"/>
+          </a:effectRef>
+          <a:fontRef idx="minor">
+            <a:schemeClr val="lt1"/>
+          </a:fontRef>
+        </p:style>
+        <p:txBody>
+          <a:bodyPr rtlCol="0" anchor="ctr"/>
+          <a:lstStyle/>
+          <a:p>
+            <a:pPr algn="ctr"/>
+            <a:r>
+              <a:rPr lang="en-US" dirty="0"/>
+              <a:t>Service Layers</a:t>
+            </a:r>
+          </a:p>
+          <a:p>
+            <a:pPr algn="ctr"/>
+            <a:endParaRPr lang="en-US" dirty="0"/>
+          </a:p>
+          <a:p>
+            <a:pPr algn="ctr"/>
+            <a:r>
+              <a:rPr lang="en-US" dirty="0"/>
+              <a:t>Manage External Call</a:t>
+            </a:r>
+          </a:p>
+          <a:p>
+            <a:pPr algn="ctr"/>
+            <a:r>
+              <a:rPr lang="en-US" dirty="0"/>
+              <a:t>HTTP or Sockets</a:t>
+            </a:r>
+          </a:p>
+          <a:p>
+            <a:pPr algn="ctr"/>
+            <a:r>
+              <a:rPr lang="en-US" dirty="0"/>
+              <a:t>Encapsulate all Async Operations</a:t>
+            </a:r>
+          </a:p>
+        </p:txBody>
+      </p:sp>
+      <p:sp>
+        <p:nvSpPr>
+          <p:cNvPr id="9" name="Left-up Arrow 8">
+            <a:extLst>
+              <a:ext uri="{FF2B5EF4-FFF2-40B4-BE49-F238E27FC236}">
+                <a16:creationId xmlns:a16="http://schemas.microsoft.com/office/drawing/2014/main" id="{C2EB3A04-C78A-7E65-566D-4FC20CBCB4B5}"/>
+              </a:ext>
+            </a:extLst>
+          </p:cNvPr>
+          <p:cNvSpPr/>
+          <p:nvPr/>
+        </p:nvSpPr>
+        <p:spPr>
+          <a:xfrm flipH="1">
+            <a:off x="5252484" y="3561908"/>
+            <a:ext cx="1034902" cy="1286540"/>
+          </a:xfrm>
+          <a:prstGeom prst="leftUpArrow">
+            <a:avLst>
+              <a:gd name="adj1" fmla="val 25000"/>
+              <a:gd name="adj2" fmla="val 21835"/>
+              <a:gd name="adj3" fmla="val 25000"/>
+            </a:avLst>
+          </a:prstGeom>
+        </p:spPr>
+        <p:style>
+          <a:lnRef idx="2">
+            <a:schemeClr val="accent1">
+              <a:shade val="15000"/>
+            </a:schemeClr>
+          </a:lnRef>
+          <a:fillRef idx="1">
+            <a:schemeClr val="accent1"/>
+          </a:fillRef>
+          <a:effectRef idx="0">
+            <a:schemeClr val="accent1"/>
+          </a:effectRef>
+          <a:fontRef idx="minor">
+            <a:schemeClr val="lt1"/>
+          </a:fontRef>
+        </p:style>
+        <p:txBody>
+          <a:bodyPr rtlCol="0" anchor="ctr"/>
+          <a:lstStyle/>
+          <a:p>
+            <a:pPr algn="ctr"/>
+            <a:endParaRPr lang="en-US"/>
+          </a:p>
+        </p:txBody>
+      </p:sp>
+      <p:sp>
+        <p:nvSpPr>
+          <p:cNvPr id="10" name="Curved Down Arrow 9">
+            <a:extLst>
+              <a:ext uri="{FF2B5EF4-FFF2-40B4-BE49-F238E27FC236}">
+                <a16:creationId xmlns:a16="http://schemas.microsoft.com/office/drawing/2014/main" id="{DF18CE24-BDC1-90FB-72C8-7022FB737304}"/>
+              </a:ext>
+            </a:extLst>
+          </p:cNvPr>
+          <p:cNvSpPr/>
+          <p:nvPr/>
+        </p:nvSpPr>
+        <p:spPr>
+          <a:xfrm>
+            <a:off x="8642496" y="3588490"/>
+            <a:ext cx="2783959" cy="675166"/>
+          </a:xfrm>
+          <a:prstGeom prst="curvedDownArrow">
+            <a:avLst/>
+          </a:prstGeom>
+        </p:spPr>
+        <p:style>
+          <a:lnRef idx="2">
+            <a:schemeClr val="accent1">
+              <a:shade val="15000"/>
+            </a:schemeClr>
+          </a:lnRef>
+          <a:fillRef idx="1">
+            <a:schemeClr val="accent1"/>
+          </a:fillRef>
+          <a:effectRef idx="0">
+            <a:schemeClr val="accent1"/>
+          </a:effectRef>
+          <a:fontRef idx="minor">
+            <a:schemeClr val="lt1"/>
+          </a:fontRef>
+        </p:style>
+        <p:txBody>
+          <a:bodyPr rtlCol="0" anchor="ctr"/>
+          <a:lstStyle/>
+          <a:p>
+            <a:pPr algn="ctr"/>
+            <a:endParaRPr lang="en-US">
+              <a:solidFill>
+                <a:schemeClr val="tx1"/>
+              </a:solidFill>
+            </a:endParaRPr>
+          </a:p>
+        </p:txBody>
+      </p:sp>
+      <p:sp>
+        <p:nvSpPr>
+          <p:cNvPr id="11" name="Curved Down Arrow 10">
+            <a:extLst>
+              <a:ext uri="{FF2B5EF4-FFF2-40B4-BE49-F238E27FC236}">
+                <a16:creationId xmlns:a16="http://schemas.microsoft.com/office/drawing/2014/main" id="{4BB5FDF0-A5F7-890A-6BB1-8212DA809D06}"/>
+              </a:ext>
+            </a:extLst>
+          </p:cNvPr>
+          <p:cNvSpPr/>
+          <p:nvPr/>
+        </p:nvSpPr>
+        <p:spPr>
+          <a:xfrm rot="10800000">
+            <a:off x="8529083" y="5425264"/>
+            <a:ext cx="2783959" cy="675166"/>
+          </a:xfrm>
+          <a:prstGeom prst="curvedDownArrow">
+            <a:avLst/>
+          </a:prstGeom>
+        </p:spPr>
+        <p:style>
+          <a:lnRef idx="2">
+            <a:schemeClr val="accent1">
+              <a:shade val="15000"/>
+            </a:schemeClr>
+          </a:lnRef>
+          <a:fillRef idx="1">
+            <a:schemeClr val="accent1"/>
+          </a:fillRef>
+          <a:effectRef idx="0">
+            <a:schemeClr val="accent1"/>
+          </a:effectRef>
+          <a:fontRef idx="minor">
+            <a:schemeClr val="lt1"/>
+          </a:fontRef>
+        </p:style>
+        <p:txBody>
+          <a:bodyPr rtlCol="0" anchor="ctr"/>
+          <a:lstStyle/>
+          <a:p>
+            <a:pPr algn="ctr"/>
+            <a:endParaRPr lang="en-US">
+              <a:solidFill>
+                <a:schemeClr val="tx1"/>
+              </a:solidFill>
+            </a:endParaRPr>
+          </a:p>
+        </p:txBody>
+      </p:sp>
+      <p:sp>
+        <p:nvSpPr>
+          <p:cNvPr id="12" name="TextBox 11">
+            <a:extLst>
+              <a:ext uri="{FF2B5EF4-FFF2-40B4-BE49-F238E27FC236}">
+                <a16:creationId xmlns:a16="http://schemas.microsoft.com/office/drawing/2014/main" id="{CA26827F-BB4B-E32F-AA5E-22CC696C23C6}"/>
+              </a:ext>
+            </a:extLst>
+          </p:cNvPr>
+          <p:cNvSpPr txBox="1"/>
+          <p:nvPr/>
+        </p:nvSpPr>
+        <p:spPr>
+          <a:xfrm>
+            <a:off x="882502" y="127591"/>
+            <a:ext cx="7759994" cy="369332"/>
+          </a:xfrm>
+          <a:prstGeom prst="rect">
+            <a:avLst/>
+          </a:prstGeom>
+          <a:noFill/>
+        </p:spPr>
+        <p:txBody>
+          <a:bodyPr wrap="square" rtlCol="0">
+            <a:spAutoFit/>
+          </a:bodyPr>
+          <a:lstStyle/>
+          <a:p>
+            <a:r>
+              <a:rPr lang="en-US" dirty="0"/>
+              <a:t>Isolated </a:t>
+            </a:r>
+            <a:r>
+              <a:rPr lang="en-US"/>
+              <a:t>Autonomous Front-End Apps</a:t>
+            </a:r>
+            <a:endParaRPr lang="en-US" dirty="0"/>
+          </a:p>
+        </p:txBody>
+      </p:sp>
+    </p:spTree>
+    <p:extLst>
+      <p:ext uri="{BB962C8B-B14F-4D97-AF65-F5344CB8AC3E}">
+        <p14:creationId xmlns:p14="http://schemas.microsoft.com/office/powerpoint/2010/main" val="2360562485"/>
       </p:ext>
     </p:extLst>
   </p:cSld>

--- a/TRaining_Im agesa.pptx
+++ b/TRaining_Im agesa.pptx
@@ -12,6 +12,12 @@
     <p:sldId id="260" r:id="rId6"/>
     <p:sldId id="261" r:id="rId7"/>
     <p:sldId id="262" r:id="rId8"/>
+    <p:sldId id="263" r:id="rId9"/>
+    <p:sldId id="264" r:id="rId10"/>
+    <p:sldId id="265" r:id="rId11"/>
+    <p:sldId id="266" r:id="rId12"/>
+    <p:sldId id="267" r:id="rId13"/>
+    <p:sldId id="268" r:id="rId14"/>
   </p:sldIdLst>
   <p:sldSz cx="12192000" cy="6858000"/>
   <p:notesSz cx="6858000" cy="9144000"/>
@@ -267,7 +273,7 @@
           <a:p>
             <a:fld id="{92C4A187-6951-384C-99DD-87EA4A8F957F}" type="datetimeFigureOut">
               <a:rPr lang="en-US" smtClean="0"/>
-              <a:t>8/1/23</a:t>
+              <a:t>8/2/23</a:t>
             </a:fld>
             <a:endParaRPr lang="en-US"/>
           </a:p>
@@ -467,7 +473,7 @@
           <a:p>
             <a:fld id="{92C4A187-6951-384C-99DD-87EA4A8F957F}" type="datetimeFigureOut">
               <a:rPr lang="en-US" smtClean="0"/>
-              <a:t>8/1/23</a:t>
+              <a:t>8/2/23</a:t>
             </a:fld>
             <a:endParaRPr lang="en-US"/>
           </a:p>
@@ -677,7 +683,7 @@
           <a:p>
             <a:fld id="{92C4A187-6951-384C-99DD-87EA4A8F957F}" type="datetimeFigureOut">
               <a:rPr lang="en-US" smtClean="0"/>
-              <a:t>8/1/23</a:t>
+              <a:t>8/2/23</a:t>
             </a:fld>
             <a:endParaRPr lang="en-US"/>
           </a:p>
@@ -877,7 +883,7 @@
           <a:p>
             <a:fld id="{92C4A187-6951-384C-99DD-87EA4A8F957F}" type="datetimeFigureOut">
               <a:rPr lang="en-US" smtClean="0"/>
-              <a:t>8/1/23</a:t>
+              <a:t>8/2/23</a:t>
             </a:fld>
             <a:endParaRPr lang="en-US"/>
           </a:p>
@@ -1153,7 +1159,7 @@
           <a:p>
             <a:fld id="{92C4A187-6951-384C-99DD-87EA4A8F957F}" type="datetimeFigureOut">
               <a:rPr lang="en-US" smtClean="0"/>
-              <a:t>8/1/23</a:t>
+              <a:t>8/2/23</a:t>
             </a:fld>
             <a:endParaRPr lang="en-US"/>
           </a:p>
@@ -1421,7 +1427,7 @@
           <a:p>
             <a:fld id="{92C4A187-6951-384C-99DD-87EA4A8F957F}" type="datetimeFigureOut">
               <a:rPr lang="en-US" smtClean="0"/>
-              <a:t>8/1/23</a:t>
+              <a:t>8/2/23</a:t>
             </a:fld>
             <a:endParaRPr lang="en-US"/>
           </a:p>
@@ -1836,7 +1842,7 @@
           <a:p>
             <a:fld id="{92C4A187-6951-384C-99DD-87EA4A8F957F}" type="datetimeFigureOut">
               <a:rPr lang="en-US" smtClean="0"/>
-              <a:t>8/1/23</a:t>
+              <a:t>8/2/23</a:t>
             </a:fld>
             <a:endParaRPr lang="en-US"/>
           </a:p>
@@ -1978,7 +1984,7 @@
           <a:p>
             <a:fld id="{92C4A187-6951-384C-99DD-87EA4A8F957F}" type="datetimeFigureOut">
               <a:rPr lang="en-US" smtClean="0"/>
-              <a:t>8/1/23</a:t>
+              <a:t>8/2/23</a:t>
             </a:fld>
             <a:endParaRPr lang="en-US"/>
           </a:p>
@@ -2091,7 +2097,7 @@
           <a:p>
             <a:fld id="{92C4A187-6951-384C-99DD-87EA4A8F957F}" type="datetimeFigureOut">
               <a:rPr lang="en-US" smtClean="0"/>
-              <a:t>8/1/23</a:t>
+              <a:t>8/2/23</a:t>
             </a:fld>
             <a:endParaRPr lang="en-US"/>
           </a:p>
@@ -2404,7 +2410,7 @@
           <a:p>
             <a:fld id="{92C4A187-6951-384C-99DD-87EA4A8F957F}" type="datetimeFigureOut">
               <a:rPr lang="en-US" smtClean="0"/>
-              <a:t>8/1/23</a:t>
+              <a:t>8/2/23</a:t>
             </a:fld>
             <a:endParaRPr lang="en-US"/>
           </a:p>
@@ -2693,7 +2699,7 @@
           <a:p>
             <a:fld id="{92C4A187-6951-384C-99DD-87EA4A8F957F}" type="datetimeFigureOut">
               <a:rPr lang="en-US" smtClean="0"/>
-              <a:t>8/1/23</a:t>
+              <a:t>8/2/23</a:t>
             </a:fld>
             <a:endParaRPr lang="en-US"/>
           </a:p>
@@ -2936,7 +2942,7 @@
           <a:p>
             <a:fld id="{92C4A187-6951-384C-99DD-87EA4A8F957F}" type="datetimeFigureOut">
               <a:rPr lang="en-US" smtClean="0"/>
-              <a:t>8/1/23</a:t>
+              <a:t>8/2/23</a:t>
             </a:fld>
             <a:endParaRPr lang="en-US"/>
           </a:p>
@@ -3938,6 +3944,2283 @@
 </p:sld>
 </file>
 
+<file path=ppt/slides/slide10.xml><?xml version="1.0" encoding="utf-8"?>
+<p:sld xmlns:a="http://schemas.openxmlformats.org/drawingml/2006/main" xmlns:r="http://schemas.openxmlformats.org/officeDocument/2006/relationships" xmlns:p="http://schemas.openxmlformats.org/presentationml/2006/main">
+  <p:cSld>
+    <p:spTree>
+      <p:nvGrpSpPr>
+        <p:cNvPr id="1" name=""/>
+        <p:cNvGrpSpPr/>
+        <p:nvPr/>
+      </p:nvGrpSpPr>
+      <p:grpSpPr>
+        <a:xfrm>
+          <a:off x="0" y="0"/>
+          <a:ext cx="0" cy="0"/>
+          <a:chOff x="0" y="0"/>
+          <a:chExt cx="0" cy="0"/>
+        </a:xfrm>
+      </p:grpSpPr>
+      <p:sp>
+        <p:nvSpPr>
+          <p:cNvPr id="2" name="Rectangle 1">
+            <a:extLst>
+              <a:ext uri="{FF2B5EF4-FFF2-40B4-BE49-F238E27FC236}">
+                <a16:creationId xmlns:a16="http://schemas.microsoft.com/office/drawing/2014/main" id="{D61A2E77-B87F-859B-1D46-4356E04BA435}"/>
+              </a:ext>
+            </a:extLst>
+          </p:cNvPr>
+          <p:cNvSpPr/>
+          <p:nvPr/>
+        </p:nvSpPr>
+        <p:spPr>
+          <a:xfrm>
+            <a:off x="489097" y="2424223"/>
+            <a:ext cx="2838893" cy="1658679"/>
+          </a:xfrm>
+          <a:prstGeom prst="rect">
+            <a:avLst/>
+          </a:prstGeom>
+        </p:spPr>
+        <p:style>
+          <a:lnRef idx="2">
+            <a:schemeClr val="accent6"/>
+          </a:lnRef>
+          <a:fillRef idx="1">
+            <a:schemeClr val="lt1"/>
+          </a:fillRef>
+          <a:effectRef idx="0">
+            <a:schemeClr val="accent6"/>
+          </a:effectRef>
+          <a:fontRef idx="minor">
+            <a:schemeClr val="dk1"/>
+          </a:fontRef>
+        </p:style>
+        <p:txBody>
+          <a:bodyPr rtlCol="0" anchor="ctr"/>
+          <a:lstStyle/>
+          <a:p>
+            <a:pPr algn="ctr"/>
+            <a:r>
+              <a:rPr lang="en-US" dirty="0"/>
+              <a:t>Browser</a:t>
+            </a:r>
+          </a:p>
+        </p:txBody>
+      </p:sp>
+      <p:sp>
+        <p:nvSpPr>
+          <p:cNvPr id="3" name="Rectangle 2">
+            <a:extLst>
+              <a:ext uri="{FF2B5EF4-FFF2-40B4-BE49-F238E27FC236}">
+                <a16:creationId xmlns:a16="http://schemas.microsoft.com/office/drawing/2014/main" id="{A29CB473-15D1-251C-127A-B1F48640A31A}"/>
+              </a:ext>
+            </a:extLst>
+          </p:cNvPr>
+          <p:cNvSpPr/>
+          <p:nvPr/>
+        </p:nvSpPr>
+        <p:spPr>
+          <a:xfrm>
+            <a:off x="8250865" y="1669312"/>
+            <a:ext cx="2977116" cy="3434316"/>
+          </a:xfrm>
+          <a:prstGeom prst="rect">
+            <a:avLst/>
+          </a:prstGeom>
+        </p:spPr>
+        <p:style>
+          <a:lnRef idx="2">
+            <a:schemeClr val="accent1">
+              <a:shade val="15000"/>
+            </a:schemeClr>
+          </a:lnRef>
+          <a:fillRef idx="1">
+            <a:schemeClr val="accent1"/>
+          </a:fillRef>
+          <a:effectRef idx="0">
+            <a:schemeClr val="accent1"/>
+          </a:effectRef>
+          <a:fontRef idx="minor">
+            <a:schemeClr val="lt1"/>
+          </a:fontRef>
+        </p:style>
+        <p:txBody>
+          <a:bodyPr rtlCol="0" anchor="ctr"/>
+          <a:lstStyle/>
+          <a:p>
+            <a:pPr algn="ctr"/>
+            <a:r>
+              <a:rPr lang="en-US" dirty="0"/>
+              <a:t>Data Service Accessible over HTTP</a:t>
+            </a:r>
+          </a:p>
+        </p:txBody>
+      </p:sp>
+      <p:sp>
+        <p:nvSpPr>
+          <p:cNvPr id="4" name="Curved Down Arrow 3">
+            <a:extLst>
+              <a:ext uri="{FF2B5EF4-FFF2-40B4-BE49-F238E27FC236}">
+                <a16:creationId xmlns:a16="http://schemas.microsoft.com/office/drawing/2014/main" id="{88C89D7C-A734-9109-E328-C6DBB513192F}"/>
+              </a:ext>
+            </a:extLst>
+          </p:cNvPr>
+          <p:cNvSpPr/>
+          <p:nvPr/>
+        </p:nvSpPr>
+        <p:spPr>
+          <a:xfrm>
+            <a:off x="3274827" y="1881963"/>
+            <a:ext cx="5092995" cy="797442"/>
+          </a:xfrm>
+          <a:prstGeom prst="curvedDownArrow">
+            <a:avLst/>
+          </a:prstGeom>
+        </p:spPr>
+        <p:style>
+          <a:lnRef idx="2">
+            <a:schemeClr val="accent1">
+              <a:shade val="15000"/>
+            </a:schemeClr>
+          </a:lnRef>
+          <a:fillRef idx="1">
+            <a:schemeClr val="accent1"/>
+          </a:fillRef>
+          <a:effectRef idx="0">
+            <a:schemeClr val="accent1"/>
+          </a:effectRef>
+          <a:fontRef idx="minor">
+            <a:schemeClr val="lt1"/>
+          </a:fontRef>
+        </p:style>
+        <p:txBody>
+          <a:bodyPr rtlCol="0" anchor="ctr"/>
+          <a:lstStyle/>
+          <a:p>
+            <a:pPr algn="ctr"/>
+            <a:endParaRPr lang="en-US">
+              <a:solidFill>
+                <a:schemeClr val="tx1"/>
+              </a:solidFill>
+            </a:endParaRPr>
+          </a:p>
+        </p:txBody>
+      </p:sp>
+      <p:sp>
+        <p:nvSpPr>
+          <p:cNvPr id="5" name="Rounded Rectangle 4">
+            <a:extLst>
+              <a:ext uri="{FF2B5EF4-FFF2-40B4-BE49-F238E27FC236}">
+                <a16:creationId xmlns:a16="http://schemas.microsoft.com/office/drawing/2014/main" id="{F4035FBE-553D-5DEC-161C-9E7B10EEF46B}"/>
+              </a:ext>
+            </a:extLst>
+          </p:cNvPr>
+          <p:cNvSpPr/>
+          <p:nvPr/>
+        </p:nvSpPr>
+        <p:spPr>
+          <a:xfrm>
+            <a:off x="2434856" y="2626242"/>
+            <a:ext cx="1233377" cy="1031358"/>
+          </a:xfrm>
+          <a:prstGeom prst="roundRect">
+            <a:avLst/>
+          </a:prstGeom>
+        </p:spPr>
+        <p:style>
+          <a:lnRef idx="2">
+            <a:schemeClr val="accent1">
+              <a:shade val="15000"/>
+            </a:schemeClr>
+          </a:lnRef>
+          <a:fillRef idx="1">
+            <a:schemeClr val="accent1"/>
+          </a:fillRef>
+          <a:effectRef idx="0">
+            <a:schemeClr val="accent1"/>
+          </a:effectRef>
+          <a:fontRef idx="minor">
+            <a:schemeClr val="lt1"/>
+          </a:fontRef>
+        </p:style>
+        <p:txBody>
+          <a:bodyPr rtlCol="0" anchor="ctr"/>
+          <a:lstStyle/>
+          <a:p>
+            <a:pPr algn="ctr"/>
+            <a:r>
+              <a:rPr lang="en-US" dirty="0"/>
+              <a:t>Subscribe</a:t>
+            </a:r>
+          </a:p>
+        </p:txBody>
+      </p:sp>
+      <p:sp>
+        <p:nvSpPr>
+          <p:cNvPr id="6" name="TextBox 5">
+            <a:extLst>
+              <a:ext uri="{FF2B5EF4-FFF2-40B4-BE49-F238E27FC236}">
+                <a16:creationId xmlns:a16="http://schemas.microsoft.com/office/drawing/2014/main" id="{3A3724AF-599E-60EF-C235-FF6FBD003DF5}"/>
+              </a:ext>
+            </a:extLst>
+          </p:cNvPr>
+          <p:cNvSpPr txBox="1"/>
+          <p:nvPr/>
+        </p:nvSpPr>
+        <p:spPr>
+          <a:xfrm>
+            <a:off x="4582633" y="1371600"/>
+            <a:ext cx="2541181" cy="372140"/>
+          </a:xfrm>
+          <a:prstGeom prst="rect">
+            <a:avLst/>
+          </a:prstGeom>
+          <a:noFill/>
+        </p:spPr>
+        <p:txBody>
+          <a:bodyPr wrap="square" rtlCol="0">
+            <a:spAutoFit/>
+          </a:bodyPr>
+          <a:lstStyle/>
+          <a:p>
+            <a:pPr algn="ctr"/>
+            <a:r>
+              <a:rPr lang="en-US" dirty="0"/>
+              <a:t>Call</a:t>
+            </a:r>
+          </a:p>
+        </p:txBody>
+      </p:sp>
+      <p:sp>
+        <p:nvSpPr>
+          <p:cNvPr id="8" name="Curved Down Arrow 7">
+            <a:extLst>
+              <a:ext uri="{FF2B5EF4-FFF2-40B4-BE49-F238E27FC236}">
+                <a16:creationId xmlns:a16="http://schemas.microsoft.com/office/drawing/2014/main" id="{DD06FFD1-F715-60E1-108C-B64DBCC7AD11}"/>
+              </a:ext>
+            </a:extLst>
+          </p:cNvPr>
+          <p:cNvSpPr/>
+          <p:nvPr/>
+        </p:nvSpPr>
+        <p:spPr>
+          <a:xfrm rot="10800000">
+            <a:off x="3327990" y="3492795"/>
+            <a:ext cx="5092995" cy="797442"/>
+          </a:xfrm>
+          <a:prstGeom prst="curvedDownArrow">
+            <a:avLst/>
+          </a:prstGeom>
+        </p:spPr>
+        <p:style>
+          <a:lnRef idx="2">
+            <a:schemeClr val="accent1">
+              <a:shade val="15000"/>
+            </a:schemeClr>
+          </a:lnRef>
+          <a:fillRef idx="1">
+            <a:schemeClr val="accent1"/>
+          </a:fillRef>
+          <a:effectRef idx="0">
+            <a:schemeClr val="accent1"/>
+          </a:effectRef>
+          <a:fontRef idx="minor">
+            <a:schemeClr val="lt1"/>
+          </a:fontRef>
+        </p:style>
+        <p:txBody>
+          <a:bodyPr rtlCol="0" anchor="ctr"/>
+          <a:lstStyle/>
+          <a:p>
+            <a:pPr algn="ctr"/>
+            <a:endParaRPr lang="en-US">
+              <a:solidFill>
+                <a:schemeClr val="tx1"/>
+              </a:solidFill>
+            </a:endParaRPr>
+          </a:p>
+        </p:txBody>
+      </p:sp>
+      <p:sp>
+        <p:nvSpPr>
+          <p:cNvPr id="9" name="TextBox 8">
+            <a:extLst>
+              <a:ext uri="{FF2B5EF4-FFF2-40B4-BE49-F238E27FC236}">
+                <a16:creationId xmlns:a16="http://schemas.microsoft.com/office/drawing/2014/main" id="{FA85520C-A117-6A17-E975-17DCCC42AA4B}"/>
+              </a:ext>
+            </a:extLst>
+          </p:cNvPr>
+          <p:cNvSpPr txBox="1"/>
+          <p:nvPr/>
+        </p:nvSpPr>
+        <p:spPr>
+          <a:xfrm>
+            <a:off x="4795284" y="4401879"/>
+            <a:ext cx="2243469" cy="646331"/>
+          </a:xfrm>
+          <a:prstGeom prst="rect">
+            <a:avLst/>
+          </a:prstGeom>
+          <a:noFill/>
+        </p:spPr>
+        <p:txBody>
+          <a:bodyPr wrap="square" rtlCol="0">
+            <a:spAutoFit/>
+          </a:bodyPr>
+          <a:lstStyle/>
+          <a:p>
+            <a:pPr algn="ctr"/>
+            <a:r>
+              <a:rPr lang="en-US" dirty="0"/>
+              <a:t>Response back to Subscription</a:t>
+            </a:r>
+          </a:p>
+        </p:txBody>
+      </p:sp>
+      <p:cxnSp>
+        <p:nvCxnSpPr>
+          <p:cNvPr id="11" name="Elbow Connector 10">
+            <a:extLst>
+              <a:ext uri="{FF2B5EF4-FFF2-40B4-BE49-F238E27FC236}">
+                <a16:creationId xmlns:a16="http://schemas.microsoft.com/office/drawing/2014/main" id="{C2303E80-9F69-721C-4C2C-3A5069B2224E}"/>
+              </a:ext>
+            </a:extLst>
+          </p:cNvPr>
+          <p:cNvCxnSpPr>
+            <a:stCxn id="5" idx="1"/>
+          </p:cNvCxnSpPr>
+          <p:nvPr/>
+        </p:nvCxnSpPr>
+        <p:spPr>
+          <a:xfrm rot="10800000">
+            <a:off x="1392866" y="2817629"/>
+            <a:ext cx="1041991" cy="324293"/>
+          </a:xfrm>
+          <a:prstGeom prst="bentConnector3">
+            <a:avLst/>
+          </a:prstGeom>
+          <a:ln>
+            <a:tailEnd type="triangle"/>
+          </a:ln>
+        </p:spPr>
+        <p:style>
+          <a:lnRef idx="1">
+            <a:schemeClr val="accent1"/>
+          </a:lnRef>
+          <a:fillRef idx="0">
+            <a:schemeClr val="accent1"/>
+          </a:fillRef>
+          <a:effectRef idx="0">
+            <a:schemeClr val="accent1"/>
+          </a:effectRef>
+          <a:fontRef idx="minor">
+            <a:schemeClr val="tx1"/>
+          </a:fontRef>
+        </p:style>
+      </p:cxnSp>
+      <p:sp>
+        <p:nvSpPr>
+          <p:cNvPr id="12" name="TextBox 11">
+            <a:extLst>
+              <a:ext uri="{FF2B5EF4-FFF2-40B4-BE49-F238E27FC236}">
+                <a16:creationId xmlns:a16="http://schemas.microsoft.com/office/drawing/2014/main" id="{0EE126A9-1BA2-94ED-F79B-7B51DC2F7326}"/>
+              </a:ext>
+            </a:extLst>
+          </p:cNvPr>
+          <p:cNvSpPr txBox="1"/>
+          <p:nvPr/>
+        </p:nvSpPr>
+        <p:spPr>
+          <a:xfrm>
+            <a:off x="489097" y="2679405"/>
+            <a:ext cx="861238" cy="369332"/>
+          </a:xfrm>
+          <a:prstGeom prst="rect">
+            <a:avLst/>
+          </a:prstGeom>
+          <a:noFill/>
+        </p:spPr>
+        <p:txBody>
+          <a:bodyPr wrap="square" rtlCol="0">
+            <a:spAutoFit/>
+          </a:bodyPr>
+          <a:lstStyle/>
+          <a:p>
+            <a:r>
+              <a:rPr lang="en-US" dirty="0"/>
+              <a:t>Data</a:t>
+            </a:r>
+          </a:p>
+        </p:txBody>
+      </p:sp>
+      <p:sp>
+        <p:nvSpPr>
+          <p:cNvPr id="13" name="TextBox 12">
+            <a:extLst>
+              <a:ext uri="{FF2B5EF4-FFF2-40B4-BE49-F238E27FC236}">
+                <a16:creationId xmlns:a16="http://schemas.microsoft.com/office/drawing/2014/main" id="{A131629E-A1BA-2CF3-70AE-9B6B21445C26}"/>
+              </a:ext>
+            </a:extLst>
+          </p:cNvPr>
+          <p:cNvSpPr txBox="1"/>
+          <p:nvPr/>
+        </p:nvSpPr>
+        <p:spPr>
+          <a:xfrm>
+            <a:off x="0" y="340242"/>
+            <a:ext cx="7634177" cy="369332"/>
+          </a:xfrm>
+          <a:prstGeom prst="rect">
+            <a:avLst/>
+          </a:prstGeom>
+          <a:noFill/>
+        </p:spPr>
+        <p:txBody>
+          <a:bodyPr wrap="square" rtlCol="0">
+            <a:spAutoFit/>
+          </a:bodyPr>
+          <a:lstStyle/>
+          <a:p>
+            <a:pPr algn="ctr"/>
+            <a:r>
+              <a:rPr lang="en-US" dirty="0"/>
+              <a:t>Traditional Async calls from JS Apps aka Ajax calls using </a:t>
+            </a:r>
+            <a:r>
+              <a:rPr lang="en-US" dirty="0" err="1"/>
+              <a:t>XmlHttpRequest</a:t>
+            </a:r>
+            <a:r>
+              <a:rPr lang="en-US" dirty="0"/>
+              <a:t> object</a:t>
+            </a:r>
+          </a:p>
+        </p:txBody>
+      </p:sp>
+    </p:spTree>
+    <p:extLst>
+      <p:ext uri="{BB962C8B-B14F-4D97-AF65-F5344CB8AC3E}">
+        <p14:creationId xmlns:p14="http://schemas.microsoft.com/office/powerpoint/2010/main" val="2817891396"/>
+      </p:ext>
+    </p:extLst>
+  </p:cSld>
+  <p:clrMapOvr>
+    <a:masterClrMapping/>
+  </p:clrMapOvr>
+</p:sld>
+</file>
+
+<file path=ppt/slides/slide11.xml><?xml version="1.0" encoding="utf-8"?>
+<p:sld xmlns:a="http://schemas.openxmlformats.org/drawingml/2006/main" xmlns:r="http://schemas.openxmlformats.org/officeDocument/2006/relationships" xmlns:p="http://schemas.openxmlformats.org/presentationml/2006/main">
+  <p:cSld>
+    <p:spTree>
+      <p:nvGrpSpPr>
+        <p:cNvPr id="1" name=""/>
+        <p:cNvGrpSpPr/>
+        <p:nvPr/>
+      </p:nvGrpSpPr>
+      <p:grpSpPr>
+        <a:xfrm>
+          <a:off x="0" y="0"/>
+          <a:ext cx="0" cy="0"/>
+          <a:chOff x="0" y="0"/>
+          <a:chExt cx="0" cy="0"/>
+        </a:xfrm>
+      </p:grpSpPr>
+      <p:sp>
+        <p:nvSpPr>
+          <p:cNvPr id="2" name="Rectangle 1">
+            <a:extLst>
+              <a:ext uri="{FF2B5EF4-FFF2-40B4-BE49-F238E27FC236}">
+                <a16:creationId xmlns:a16="http://schemas.microsoft.com/office/drawing/2014/main" id="{611DBE12-73A8-7CBA-B38E-CBFE05759454}"/>
+              </a:ext>
+            </a:extLst>
+          </p:cNvPr>
+          <p:cNvSpPr/>
+          <p:nvPr/>
+        </p:nvSpPr>
+        <p:spPr>
+          <a:xfrm>
+            <a:off x="212651" y="244549"/>
+            <a:ext cx="1414130" cy="6400800"/>
+          </a:xfrm>
+          <a:prstGeom prst="rect">
+            <a:avLst/>
+          </a:prstGeom>
+        </p:spPr>
+        <p:style>
+          <a:lnRef idx="1">
+            <a:schemeClr val="accent4"/>
+          </a:lnRef>
+          <a:fillRef idx="2">
+            <a:schemeClr val="accent4"/>
+          </a:fillRef>
+          <a:effectRef idx="1">
+            <a:schemeClr val="accent4"/>
+          </a:effectRef>
+          <a:fontRef idx="minor">
+            <a:schemeClr val="dk1"/>
+          </a:fontRef>
+        </p:style>
+        <p:txBody>
+          <a:bodyPr rtlCol="0" anchor="ctr"/>
+          <a:lstStyle/>
+          <a:p>
+            <a:pPr algn="ctr"/>
+            <a:r>
+              <a:rPr lang="en-US" dirty="0"/>
+              <a:t>Client</a:t>
+            </a:r>
+          </a:p>
+        </p:txBody>
+      </p:sp>
+      <p:sp>
+        <p:nvSpPr>
+          <p:cNvPr id="3" name="Rectangle 2">
+            <a:extLst>
+              <a:ext uri="{FF2B5EF4-FFF2-40B4-BE49-F238E27FC236}">
+                <a16:creationId xmlns:a16="http://schemas.microsoft.com/office/drawing/2014/main" id="{AE5C8977-4162-8519-2384-474F8EF9875A}"/>
+              </a:ext>
+            </a:extLst>
+          </p:cNvPr>
+          <p:cNvSpPr/>
+          <p:nvPr/>
+        </p:nvSpPr>
+        <p:spPr>
+          <a:xfrm>
+            <a:off x="8938436" y="244549"/>
+            <a:ext cx="3005469" cy="6400800"/>
+          </a:xfrm>
+          <a:prstGeom prst="rect">
+            <a:avLst/>
+          </a:prstGeom>
+          <a:solidFill>
+            <a:schemeClr val="accent2"/>
+          </a:solidFill>
+        </p:spPr>
+        <p:style>
+          <a:lnRef idx="1">
+            <a:schemeClr val="accent4"/>
+          </a:lnRef>
+          <a:fillRef idx="2">
+            <a:schemeClr val="accent4"/>
+          </a:fillRef>
+          <a:effectRef idx="1">
+            <a:schemeClr val="accent4"/>
+          </a:effectRef>
+          <a:fontRef idx="minor">
+            <a:schemeClr val="dk1"/>
+          </a:fontRef>
+        </p:style>
+        <p:txBody>
+          <a:bodyPr rtlCol="0" anchor="ctr"/>
+          <a:lstStyle/>
+          <a:p>
+            <a:pPr algn="ctr"/>
+            <a:r>
+              <a:rPr lang="en-US" dirty="0"/>
+              <a:t>Service</a:t>
+            </a:r>
+          </a:p>
+        </p:txBody>
+      </p:sp>
+      <p:sp>
+        <p:nvSpPr>
+          <p:cNvPr id="4" name="Right Arrow 3">
+            <a:extLst>
+              <a:ext uri="{FF2B5EF4-FFF2-40B4-BE49-F238E27FC236}">
+                <a16:creationId xmlns:a16="http://schemas.microsoft.com/office/drawing/2014/main" id="{58F6116D-12A1-E203-70A2-BDD9EE85FAF2}"/>
+              </a:ext>
+            </a:extLst>
+          </p:cNvPr>
+          <p:cNvSpPr/>
+          <p:nvPr/>
+        </p:nvSpPr>
+        <p:spPr>
+          <a:xfrm>
+            <a:off x="1626781" y="361507"/>
+            <a:ext cx="7311655" cy="691116"/>
+          </a:xfrm>
+          <a:prstGeom prst="rightArrow">
+            <a:avLst/>
+          </a:prstGeom>
+        </p:spPr>
+        <p:style>
+          <a:lnRef idx="2">
+            <a:schemeClr val="accent1">
+              <a:shade val="15000"/>
+            </a:schemeClr>
+          </a:lnRef>
+          <a:fillRef idx="1">
+            <a:schemeClr val="accent1"/>
+          </a:fillRef>
+          <a:effectRef idx="0">
+            <a:schemeClr val="accent1"/>
+          </a:effectRef>
+          <a:fontRef idx="minor">
+            <a:schemeClr val="lt1"/>
+          </a:fontRef>
+        </p:style>
+        <p:txBody>
+          <a:bodyPr rtlCol="0" anchor="ctr"/>
+          <a:lstStyle/>
+          <a:p>
+            <a:pPr algn="ctr"/>
+            <a:r>
+              <a:rPr lang="en-US" dirty="0"/>
+              <a:t>1. HTTP Request (Get/Post)</a:t>
+            </a:r>
+          </a:p>
+        </p:txBody>
+      </p:sp>
+      <p:sp>
+        <p:nvSpPr>
+          <p:cNvPr id="5" name="TextBox 4">
+            <a:extLst>
+              <a:ext uri="{FF2B5EF4-FFF2-40B4-BE49-F238E27FC236}">
+                <a16:creationId xmlns:a16="http://schemas.microsoft.com/office/drawing/2014/main" id="{7A2DA40E-1FFD-168A-2A41-67C7D49BD9B8}"/>
+              </a:ext>
+            </a:extLst>
+          </p:cNvPr>
+          <p:cNvSpPr txBox="1"/>
+          <p:nvPr/>
+        </p:nvSpPr>
+        <p:spPr>
+          <a:xfrm>
+            <a:off x="9080205" y="563526"/>
+            <a:ext cx="2339162" cy="646331"/>
+          </a:xfrm>
+          <a:prstGeom prst="rect">
+            <a:avLst/>
+          </a:prstGeom>
+          <a:noFill/>
+        </p:spPr>
+        <p:txBody>
+          <a:bodyPr wrap="square" rtlCol="0">
+            <a:spAutoFit/>
+          </a:bodyPr>
+          <a:lstStyle/>
+          <a:p>
+            <a:r>
+              <a:rPr lang="en-US" dirty="0"/>
+              <a:t>2. Service Accept The Request and Validate it</a:t>
+            </a:r>
+          </a:p>
+        </p:txBody>
+      </p:sp>
+      <p:sp>
+        <p:nvSpPr>
+          <p:cNvPr id="6" name="Left Arrow 5">
+            <a:extLst>
+              <a:ext uri="{FF2B5EF4-FFF2-40B4-BE49-F238E27FC236}">
+                <a16:creationId xmlns:a16="http://schemas.microsoft.com/office/drawing/2014/main" id="{FE30A3B7-3C7D-CE31-EB78-D86BB13EE91E}"/>
+              </a:ext>
+            </a:extLst>
+          </p:cNvPr>
+          <p:cNvSpPr/>
+          <p:nvPr/>
+        </p:nvSpPr>
+        <p:spPr>
+          <a:xfrm>
+            <a:off x="4710223" y="1209857"/>
+            <a:ext cx="4228213" cy="916655"/>
+          </a:xfrm>
+          <a:prstGeom prst="leftArrow">
+            <a:avLst/>
+          </a:prstGeom>
+        </p:spPr>
+        <p:style>
+          <a:lnRef idx="2">
+            <a:schemeClr val="accent1">
+              <a:shade val="15000"/>
+            </a:schemeClr>
+          </a:lnRef>
+          <a:fillRef idx="1">
+            <a:schemeClr val="accent1"/>
+          </a:fillRef>
+          <a:effectRef idx="0">
+            <a:schemeClr val="accent1"/>
+          </a:effectRef>
+          <a:fontRef idx="minor">
+            <a:schemeClr val="lt1"/>
+          </a:fontRef>
+        </p:style>
+        <p:txBody>
+          <a:bodyPr rtlCol="0" anchor="ctr"/>
+          <a:lstStyle/>
+          <a:p>
+            <a:pPr algn="ctr"/>
+            <a:r>
+              <a:rPr lang="en-US" dirty="0"/>
+              <a:t>3. Generate an Acknowledgement, the Promise</a:t>
+            </a:r>
+          </a:p>
+        </p:txBody>
+      </p:sp>
+      <p:sp>
+        <p:nvSpPr>
+          <p:cNvPr id="7" name="Right Arrow 6">
+            <a:extLst>
+              <a:ext uri="{FF2B5EF4-FFF2-40B4-BE49-F238E27FC236}">
+                <a16:creationId xmlns:a16="http://schemas.microsoft.com/office/drawing/2014/main" id="{FE1924BB-3B73-4ECA-1842-F5044A54CA7E}"/>
+              </a:ext>
+            </a:extLst>
+          </p:cNvPr>
+          <p:cNvSpPr/>
+          <p:nvPr/>
+        </p:nvSpPr>
+        <p:spPr>
+          <a:xfrm>
+            <a:off x="1626781" y="1052623"/>
+            <a:ext cx="3381154" cy="606056"/>
+          </a:xfrm>
+          <a:prstGeom prst="rightArrow">
+            <a:avLst/>
+          </a:prstGeom>
+        </p:spPr>
+        <p:style>
+          <a:lnRef idx="2">
+            <a:schemeClr val="accent1">
+              <a:shade val="15000"/>
+            </a:schemeClr>
+          </a:lnRef>
+          <a:fillRef idx="1">
+            <a:schemeClr val="accent1"/>
+          </a:fillRef>
+          <a:effectRef idx="0">
+            <a:schemeClr val="accent1"/>
+          </a:effectRef>
+          <a:fontRef idx="minor">
+            <a:schemeClr val="lt1"/>
+          </a:fontRef>
+        </p:style>
+        <p:txBody>
+          <a:bodyPr rtlCol="0" anchor="ctr"/>
+          <a:lstStyle/>
+          <a:p>
+            <a:pPr algn="ctr"/>
+            <a:r>
+              <a:rPr lang="en-US" dirty="0"/>
+              <a:t>4. Subscription to Promise</a:t>
+            </a:r>
+          </a:p>
+        </p:txBody>
+      </p:sp>
+      <p:sp>
+        <p:nvSpPr>
+          <p:cNvPr id="8" name="TextBox 7">
+            <a:extLst>
+              <a:ext uri="{FF2B5EF4-FFF2-40B4-BE49-F238E27FC236}">
+                <a16:creationId xmlns:a16="http://schemas.microsoft.com/office/drawing/2014/main" id="{4F1AA5DC-271F-47D4-7C88-0B060B3410DF}"/>
+              </a:ext>
+            </a:extLst>
+          </p:cNvPr>
+          <p:cNvSpPr txBox="1"/>
+          <p:nvPr/>
+        </p:nvSpPr>
+        <p:spPr>
+          <a:xfrm>
+            <a:off x="9080205" y="1803346"/>
+            <a:ext cx="2339162" cy="923330"/>
+          </a:xfrm>
+          <a:prstGeom prst="rect">
+            <a:avLst/>
+          </a:prstGeom>
+          <a:noFill/>
+        </p:spPr>
+        <p:txBody>
+          <a:bodyPr wrap="square" rtlCol="0">
+            <a:spAutoFit/>
+          </a:bodyPr>
+          <a:lstStyle/>
+          <a:p>
+            <a:r>
+              <a:rPr lang="en-US" dirty="0"/>
+              <a:t>5. The Service Continue the execution</a:t>
+            </a:r>
+          </a:p>
+        </p:txBody>
+      </p:sp>
+      <p:sp>
+        <p:nvSpPr>
+          <p:cNvPr id="9" name="TextBox 8">
+            <a:extLst>
+              <a:ext uri="{FF2B5EF4-FFF2-40B4-BE49-F238E27FC236}">
+                <a16:creationId xmlns:a16="http://schemas.microsoft.com/office/drawing/2014/main" id="{CE2F6009-BA43-C3B5-7B2A-DE0D356A6E15}"/>
+              </a:ext>
+            </a:extLst>
+          </p:cNvPr>
+          <p:cNvSpPr txBox="1"/>
+          <p:nvPr/>
+        </p:nvSpPr>
+        <p:spPr>
+          <a:xfrm>
+            <a:off x="248096" y="1803346"/>
+            <a:ext cx="1378686" cy="923330"/>
+          </a:xfrm>
+          <a:prstGeom prst="rect">
+            <a:avLst/>
+          </a:prstGeom>
+          <a:noFill/>
+        </p:spPr>
+        <p:txBody>
+          <a:bodyPr wrap="square" rtlCol="0">
+            <a:spAutoFit/>
+          </a:bodyPr>
+          <a:lstStyle/>
+          <a:p>
+            <a:r>
+              <a:rPr lang="en-US" dirty="0"/>
+              <a:t>6. Client Continue</a:t>
+            </a:r>
+          </a:p>
+          <a:p>
+            <a:r>
+              <a:rPr lang="en-US" dirty="0"/>
+              <a:t>Execution</a:t>
+            </a:r>
+          </a:p>
+        </p:txBody>
+      </p:sp>
+      <p:sp>
+        <p:nvSpPr>
+          <p:cNvPr id="10" name="Bent Arrow 9">
+            <a:extLst>
+              <a:ext uri="{FF2B5EF4-FFF2-40B4-BE49-F238E27FC236}">
+                <a16:creationId xmlns:a16="http://schemas.microsoft.com/office/drawing/2014/main" id="{FC9927C3-208F-A2AF-2FC3-E087EB4E0F9F}"/>
+              </a:ext>
+            </a:extLst>
+          </p:cNvPr>
+          <p:cNvSpPr/>
+          <p:nvPr/>
+        </p:nvSpPr>
+        <p:spPr>
+          <a:xfrm flipV="1">
+            <a:off x="5720315" y="1825419"/>
+            <a:ext cx="3218119" cy="1087902"/>
+          </a:xfrm>
+          <a:prstGeom prst="bentArrow">
+            <a:avLst/>
+          </a:prstGeom>
+        </p:spPr>
+        <p:style>
+          <a:lnRef idx="2">
+            <a:schemeClr val="accent1">
+              <a:shade val="15000"/>
+            </a:schemeClr>
+          </a:lnRef>
+          <a:fillRef idx="1">
+            <a:schemeClr val="accent1"/>
+          </a:fillRef>
+          <a:effectRef idx="0">
+            <a:schemeClr val="accent1"/>
+          </a:effectRef>
+          <a:fontRef idx="minor">
+            <a:schemeClr val="lt1"/>
+          </a:fontRef>
+        </p:style>
+        <p:txBody>
+          <a:bodyPr rtlCol="0" anchor="ctr"/>
+          <a:lstStyle/>
+          <a:p>
+            <a:pPr algn="ctr"/>
+            <a:endParaRPr lang="en-US">
+              <a:solidFill>
+                <a:schemeClr val="tx1"/>
+              </a:solidFill>
+            </a:endParaRPr>
+          </a:p>
+        </p:txBody>
+      </p:sp>
+      <p:sp>
+        <p:nvSpPr>
+          <p:cNvPr id="11" name="TextBox 10">
+            <a:extLst>
+              <a:ext uri="{FF2B5EF4-FFF2-40B4-BE49-F238E27FC236}">
+                <a16:creationId xmlns:a16="http://schemas.microsoft.com/office/drawing/2014/main" id="{A0D8BFE0-49B5-1DFC-094C-C49B83648CF0}"/>
+              </a:ext>
+            </a:extLst>
+          </p:cNvPr>
+          <p:cNvSpPr txBox="1"/>
+          <p:nvPr/>
+        </p:nvSpPr>
+        <p:spPr>
+          <a:xfrm>
+            <a:off x="6096000" y="1989991"/>
+            <a:ext cx="2629784" cy="369332"/>
+          </a:xfrm>
+          <a:prstGeom prst="rect">
+            <a:avLst/>
+          </a:prstGeom>
+          <a:noFill/>
+        </p:spPr>
+        <p:txBody>
+          <a:bodyPr wrap="square" rtlCol="0">
+            <a:spAutoFit/>
+          </a:bodyPr>
+          <a:lstStyle/>
+          <a:p>
+            <a:r>
+              <a:rPr lang="en-US" dirty="0"/>
+              <a:t>7. Wait for the response</a:t>
+            </a:r>
+          </a:p>
+        </p:txBody>
+      </p:sp>
+      <p:sp>
+        <p:nvSpPr>
+          <p:cNvPr id="12" name="TextBox 11">
+            <a:extLst>
+              <a:ext uri="{FF2B5EF4-FFF2-40B4-BE49-F238E27FC236}">
+                <a16:creationId xmlns:a16="http://schemas.microsoft.com/office/drawing/2014/main" id="{98BC931D-E9B0-BEE1-FCBA-2E5C3DC17A4C}"/>
+              </a:ext>
+            </a:extLst>
+          </p:cNvPr>
+          <p:cNvSpPr txBox="1"/>
+          <p:nvPr/>
+        </p:nvSpPr>
+        <p:spPr>
+          <a:xfrm>
+            <a:off x="9080205" y="3944679"/>
+            <a:ext cx="2466753" cy="1477328"/>
+          </a:xfrm>
+          <a:prstGeom prst="rect">
+            <a:avLst/>
+          </a:prstGeom>
+          <a:noFill/>
+        </p:spPr>
+        <p:txBody>
+          <a:bodyPr wrap="square" rtlCol="0">
+            <a:spAutoFit/>
+          </a:bodyPr>
+          <a:lstStyle/>
+          <a:p>
+            <a:r>
+              <a:rPr lang="en-US" dirty="0"/>
+              <a:t>8. The Service Completes the execution and generate response. Either success or failure </a:t>
+            </a:r>
+          </a:p>
+        </p:txBody>
+      </p:sp>
+      <p:sp>
+        <p:nvSpPr>
+          <p:cNvPr id="13" name="Bent Arrow 12">
+            <a:extLst>
+              <a:ext uri="{FF2B5EF4-FFF2-40B4-BE49-F238E27FC236}">
+                <a16:creationId xmlns:a16="http://schemas.microsoft.com/office/drawing/2014/main" id="{53985ED4-1022-ADF2-A83A-726A600A494D}"/>
+              </a:ext>
+            </a:extLst>
+          </p:cNvPr>
+          <p:cNvSpPr/>
+          <p:nvPr/>
+        </p:nvSpPr>
+        <p:spPr>
+          <a:xfrm rot="16200000">
+            <a:off x="5915245" y="921487"/>
+            <a:ext cx="1818166" cy="4228213"/>
+          </a:xfrm>
+          <a:prstGeom prst="bentArrow">
+            <a:avLst/>
+          </a:prstGeom>
+        </p:spPr>
+        <p:style>
+          <a:lnRef idx="2">
+            <a:schemeClr val="accent1">
+              <a:shade val="15000"/>
+            </a:schemeClr>
+          </a:lnRef>
+          <a:fillRef idx="1">
+            <a:schemeClr val="accent1"/>
+          </a:fillRef>
+          <a:effectRef idx="0">
+            <a:schemeClr val="accent1"/>
+          </a:effectRef>
+          <a:fontRef idx="minor">
+            <a:schemeClr val="lt1"/>
+          </a:fontRef>
+        </p:style>
+        <p:txBody>
+          <a:bodyPr rtlCol="0" anchor="ctr"/>
+          <a:lstStyle/>
+          <a:p>
+            <a:pPr algn="ctr"/>
+            <a:endParaRPr lang="en-US">
+              <a:solidFill>
+                <a:schemeClr val="tx1"/>
+              </a:solidFill>
+            </a:endParaRPr>
+          </a:p>
+        </p:txBody>
+      </p:sp>
+      <p:sp>
+        <p:nvSpPr>
+          <p:cNvPr id="14" name="TextBox 13">
+            <a:extLst>
+              <a:ext uri="{FF2B5EF4-FFF2-40B4-BE49-F238E27FC236}">
+                <a16:creationId xmlns:a16="http://schemas.microsoft.com/office/drawing/2014/main" id="{5810805F-B350-A29F-69C9-74FE82D52038}"/>
+              </a:ext>
+            </a:extLst>
+          </p:cNvPr>
+          <p:cNvSpPr txBox="1"/>
+          <p:nvPr/>
+        </p:nvSpPr>
+        <p:spPr>
+          <a:xfrm>
+            <a:off x="5854994" y="4008471"/>
+            <a:ext cx="2870790" cy="369332"/>
+          </a:xfrm>
+          <a:prstGeom prst="rect">
+            <a:avLst/>
+          </a:prstGeom>
+          <a:noFill/>
+        </p:spPr>
+        <p:txBody>
+          <a:bodyPr wrap="square" rtlCol="0">
+            <a:spAutoFit/>
+          </a:bodyPr>
+          <a:lstStyle/>
+          <a:p>
+            <a:r>
+              <a:rPr lang="en-US" dirty="0"/>
+              <a:t>9. Response (Success / Fail)</a:t>
+            </a:r>
+          </a:p>
+        </p:txBody>
+      </p:sp>
+      <p:sp>
+        <p:nvSpPr>
+          <p:cNvPr id="15" name="Cube 14">
+            <a:extLst>
+              <a:ext uri="{FF2B5EF4-FFF2-40B4-BE49-F238E27FC236}">
+                <a16:creationId xmlns:a16="http://schemas.microsoft.com/office/drawing/2014/main" id="{5C851359-B6EE-5E52-F23C-0779E1B3562E}"/>
+              </a:ext>
+            </a:extLst>
+          </p:cNvPr>
+          <p:cNvSpPr/>
+          <p:nvPr/>
+        </p:nvSpPr>
+        <p:spPr>
+          <a:xfrm>
+            <a:off x="2424221" y="3345190"/>
+            <a:ext cx="2179674" cy="1695893"/>
+          </a:xfrm>
+          <a:prstGeom prst="cube">
+            <a:avLst/>
+          </a:prstGeom>
+        </p:spPr>
+        <p:style>
+          <a:lnRef idx="2">
+            <a:schemeClr val="accent6"/>
+          </a:lnRef>
+          <a:fillRef idx="1">
+            <a:schemeClr val="lt1"/>
+          </a:fillRef>
+          <a:effectRef idx="0">
+            <a:schemeClr val="accent6"/>
+          </a:effectRef>
+          <a:fontRef idx="minor">
+            <a:schemeClr val="dk1"/>
+          </a:fontRef>
+        </p:style>
+        <p:txBody>
+          <a:bodyPr rtlCol="0" anchor="ctr"/>
+          <a:lstStyle/>
+          <a:p>
+            <a:pPr algn="ctr"/>
+            <a:endParaRPr lang="en-US"/>
+          </a:p>
+        </p:txBody>
+      </p:sp>
+      <p:cxnSp>
+        <p:nvCxnSpPr>
+          <p:cNvPr id="17" name="Curved Connector 16">
+            <a:extLst>
+              <a:ext uri="{FF2B5EF4-FFF2-40B4-BE49-F238E27FC236}">
+                <a16:creationId xmlns:a16="http://schemas.microsoft.com/office/drawing/2014/main" id="{AD4C7932-EBE4-B948-91CB-0B4819312700}"/>
+              </a:ext>
+            </a:extLst>
+          </p:cNvPr>
+          <p:cNvCxnSpPr>
+            <a:stCxn id="7" idx="1"/>
+            <a:endCxn id="15" idx="0"/>
+          </p:cNvCxnSpPr>
+          <p:nvPr/>
+        </p:nvCxnSpPr>
+        <p:spPr>
+          <a:xfrm rot="10800000" flipH="1" flipV="1">
+            <a:off x="1626781" y="1355650"/>
+            <a:ext cx="2099264" cy="1989539"/>
+          </a:xfrm>
+          <a:prstGeom prst="curvedConnector4">
+            <a:avLst>
+              <a:gd name="adj1" fmla="val -10890"/>
+              <a:gd name="adj2" fmla="val 57616"/>
+            </a:avLst>
+          </a:prstGeom>
+          <a:ln>
+            <a:tailEnd type="triangle"/>
+          </a:ln>
+        </p:spPr>
+        <p:style>
+          <a:lnRef idx="1">
+            <a:schemeClr val="accent1"/>
+          </a:lnRef>
+          <a:fillRef idx="0">
+            <a:schemeClr val="accent1"/>
+          </a:fillRef>
+          <a:effectRef idx="0">
+            <a:schemeClr val="accent1"/>
+          </a:effectRef>
+          <a:fontRef idx="minor">
+            <a:schemeClr val="tx1"/>
+          </a:fontRef>
+        </p:style>
+      </p:cxnSp>
+      <p:sp>
+        <p:nvSpPr>
+          <p:cNvPr id="18" name="TextBox 17">
+            <a:extLst>
+              <a:ext uri="{FF2B5EF4-FFF2-40B4-BE49-F238E27FC236}">
+                <a16:creationId xmlns:a16="http://schemas.microsoft.com/office/drawing/2014/main" id="{6C02CDE5-113D-B9B5-DBE1-C36313F117AF}"/>
+              </a:ext>
+            </a:extLst>
+          </p:cNvPr>
+          <p:cNvSpPr txBox="1"/>
+          <p:nvPr/>
+        </p:nvSpPr>
+        <p:spPr>
+          <a:xfrm>
+            <a:off x="1733107" y="1989991"/>
+            <a:ext cx="2446705" cy="923330"/>
+          </a:xfrm>
+          <a:prstGeom prst="rect">
+            <a:avLst/>
+          </a:prstGeom>
+          <a:noFill/>
+        </p:spPr>
+        <p:txBody>
+          <a:bodyPr wrap="square" rtlCol="0">
+            <a:spAutoFit/>
+          </a:bodyPr>
+          <a:lstStyle/>
+          <a:p>
+            <a:r>
+              <a:rPr lang="en-US" dirty="0"/>
+              <a:t>10. Client Uses the Subscription to Unpack the Response</a:t>
+            </a:r>
+          </a:p>
+        </p:txBody>
+      </p:sp>
+      <p:sp>
+        <p:nvSpPr>
+          <p:cNvPr id="19" name="Rounded Rectangle 18">
+            <a:extLst>
+              <a:ext uri="{FF2B5EF4-FFF2-40B4-BE49-F238E27FC236}">
+                <a16:creationId xmlns:a16="http://schemas.microsoft.com/office/drawing/2014/main" id="{DDB4D01C-B4C7-62F8-E4AC-87B7E8C23E57}"/>
+              </a:ext>
+            </a:extLst>
+          </p:cNvPr>
+          <p:cNvSpPr/>
+          <p:nvPr/>
+        </p:nvSpPr>
+        <p:spPr>
+          <a:xfrm>
+            <a:off x="2498651" y="3944677"/>
+            <a:ext cx="1605516" cy="433126"/>
+          </a:xfrm>
+          <a:prstGeom prst="roundRect">
+            <a:avLst/>
+          </a:prstGeom>
+        </p:spPr>
+        <p:style>
+          <a:lnRef idx="2">
+            <a:schemeClr val="accent1">
+              <a:shade val="15000"/>
+            </a:schemeClr>
+          </a:lnRef>
+          <a:fillRef idx="1">
+            <a:schemeClr val="accent1"/>
+          </a:fillRef>
+          <a:effectRef idx="0">
+            <a:schemeClr val="accent1"/>
+          </a:effectRef>
+          <a:fontRef idx="minor">
+            <a:schemeClr val="lt1"/>
+          </a:fontRef>
+        </p:style>
+        <p:txBody>
+          <a:bodyPr rtlCol="0" anchor="ctr"/>
+          <a:lstStyle/>
+          <a:p>
+            <a:pPr algn="ctr"/>
+            <a:r>
+              <a:rPr lang="en-US" sz="1600" dirty="0"/>
+              <a:t>Success/Resolve</a:t>
+            </a:r>
+          </a:p>
+        </p:txBody>
+      </p:sp>
+      <p:sp>
+        <p:nvSpPr>
+          <p:cNvPr id="20" name="Rounded Rectangle 19">
+            <a:extLst>
+              <a:ext uri="{FF2B5EF4-FFF2-40B4-BE49-F238E27FC236}">
+                <a16:creationId xmlns:a16="http://schemas.microsoft.com/office/drawing/2014/main" id="{A6ED1491-9F51-7C13-9025-41AD6D3A57B8}"/>
+              </a:ext>
+            </a:extLst>
+          </p:cNvPr>
+          <p:cNvSpPr/>
+          <p:nvPr/>
+        </p:nvSpPr>
+        <p:spPr>
+          <a:xfrm>
+            <a:off x="2495104" y="4496010"/>
+            <a:ext cx="1605516" cy="433126"/>
+          </a:xfrm>
+          <a:prstGeom prst="roundRect">
+            <a:avLst/>
+          </a:prstGeom>
+        </p:spPr>
+        <p:style>
+          <a:lnRef idx="2">
+            <a:schemeClr val="accent1">
+              <a:shade val="15000"/>
+            </a:schemeClr>
+          </a:lnRef>
+          <a:fillRef idx="1">
+            <a:schemeClr val="accent1"/>
+          </a:fillRef>
+          <a:effectRef idx="0">
+            <a:schemeClr val="accent1"/>
+          </a:effectRef>
+          <a:fontRef idx="minor">
+            <a:schemeClr val="lt1"/>
+          </a:fontRef>
+        </p:style>
+        <p:txBody>
+          <a:bodyPr rtlCol="0" anchor="ctr"/>
+          <a:lstStyle/>
+          <a:p>
+            <a:pPr algn="ctr"/>
+            <a:r>
+              <a:rPr lang="en-US" dirty="0"/>
+              <a:t>Fail/Reject</a:t>
+            </a:r>
+          </a:p>
+        </p:txBody>
+      </p:sp>
+      <p:cxnSp>
+        <p:nvCxnSpPr>
+          <p:cNvPr id="22" name="Curved Connector 21">
+            <a:extLst>
+              <a:ext uri="{FF2B5EF4-FFF2-40B4-BE49-F238E27FC236}">
+                <a16:creationId xmlns:a16="http://schemas.microsoft.com/office/drawing/2014/main" id="{9EF5AF52-78C1-B7E2-DE95-57BEC85C7ABC}"/>
+              </a:ext>
+            </a:extLst>
+          </p:cNvPr>
+          <p:cNvCxnSpPr>
+            <a:stCxn id="15" idx="2"/>
+          </p:cNvCxnSpPr>
+          <p:nvPr/>
+        </p:nvCxnSpPr>
+        <p:spPr>
+          <a:xfrm rot="10800000">
+            <a:off x="1084521" y="3944677"/>
+            <a:ext cx="1339700" cy="460446"/>
+          </a:xfrm>
+          <a:prstGeom prst="curvedConnector3">
+            <a:avLst/>
+          </a:prstGeom>
+          <a:ln>
+            <a:tailEnd type="triangle"/>
+          </a:ln>
+        </p:spPr>
+        <p:style>
+          <a:lnRef idx="1">
+            <a:schemeClr val="accent1"/>
+          </a:lnRef>
+          <a:fillRef idx="0">
+            <a:schemeClr val="accent1"/>
+          </a:fillRef>
+          <a:effectRef idx="0">
+            <a:schemeClr val="accent1"/>
+          </a:effectRef>
+          <a:fontRef idx="minor">
+            <a:schemeClr val="tx1"/>
+          </a:fontRef>
+        </p:style>
+      </p:cxnSp>
+      <p:sp>
+        <p:nvSpPr>
+          <p:cNvPr id="23" name="TextBox 22">
+            <a:extLst>
+              <a:ext uri="{FF2B5EF4-FFF2-40B4-BE49-F238E27FC236}">
+                <a16:creationId xmlns:a16="http://schemas.microsoft.com/office/drawing/2014/main" id="{10811680-D165-D493-771C-29A56426CC9C}"/>
+              </a:ext>
+            </a:extLst>
+          </p:cNvPr>
+          <p:cNvSpPr txBox="1"/>
+          <p:nvPr/>
+        </p:nvSpPr>
+        <p:spPr>
+          <a:xfrm>
+            <a:off x="384544" y="4193136"/>
+            <a:ext cx="1407042" cy="923330"/>
+          </a:xfrm>
+          <a:prstGeom prst="rect">
+            <a:avLst/>
+          </a:prstGeom>
+          <a:noFill/>
+        </p:spPr>
+        <p:txBody>
+          <a:bodyPr wrap="square" rtlCol="0">
+            <a:spAutoFit/>
+          </a:bodyPr>
+          <a:lstStyle/>
+          <a:p>
+            <a:r>
+              <a:rPr lang="en-US" dirty="0"/>
+              <a:t>11. Update </a:t>
+            </a:r>
+          </a:p>
+          <a:p>
+            <a:r>
+              <a:rPr lang="en-US" dirty="0"/>
+              <a:t>UI based on</a:t>
+            </a:r>
+          </a:p>
+          <a:p>
+            <a:r>
+              <a:rPr lang="en-US" dirty="0"/>
+              <a:t>Response</a:t>
+            </a:r>
+          </a:p>
+        </p:txBody>
+      </p:sp>
+      <p:sp>
+        <p:nvSpPr>
+          <p:cNvPr id="24" name="TextBox 23">
+            <a:extLst>
+              <a:ext uri="{FF2B5EF4-FFF2-40B4-BE49-F238E27FC236}">
+                <a16:creationId xmlns:a16="http://schemas.microsoft.com/office/drawing/2014/main" id="{4033E8EC-CAAA-DE7F-BAD4-4C701E3307B6}"/>
+              </a:ext>
+            </a:extLst>
+          </p:cNvPr>
+          <p:cNvSpPr txBox="1"/>
+          <p:nvPr/>
+        </p:nvSpPr>
+        <p:spPr>
+          <a:xfrm>
+            <a:off x="2764465" y="5497033"/>
+            <a:ext cx="5443870" cy="646331"/>
+          </a:xfrm>
+          <a:prstGeom prst="rect">
+            <a:avLst/>
+          </a:prstGeom>
+          <a:noFill/>
+        </p:spPr>
+        <p:txBody>
+          <a:bodyPr wrap="square" rtlCol="0">
+            <a:spAutoFit/>
+          </a:bodyPr>
+          <a:lstStyle/>
+          <a:p>
+            <a:pPr algn="ctr"/>
+            <a:r>
+              <a:rPr lang="en-US" b="1" dirty="0"/>
+              <a:t>Promise , a defined Standard for Async Operations for Modern Browser Based Apps</a:t>
+            </a:r>
+          </a:p>
+        </p:txBody>
+      </p:sp>
+    </p:spTree>
+    <p:extLst>
+      <p:ext uri="{BB962C8B-B14F-4D97-AF65-F5344CB8AC3E}">
+        <p14:creationId xmlns:p14="http://schemas.microsoft.com/office/powerpoint/2010/main" val="907982359"/>
+      </p:ext>
+    </p:extLst>
+  </p:cSld>
+  <p:clrMapOvr>
+    <a:masterClrMapping/>
+  </p:clrMapOvr>
+</p:sld>
+</file>
+
+<file path=ppt/slides/slide12.xml><?xml version="1.0" encoding="utf-8"?>
+<p:sld xmlns:a="http://schemas.openxmlformats.org/drawingml/2006/main" xmlns:r="http://schemas.openxmlformats.org/officeDocument/2006/relationships" xmlns:p="http://schemas.openxmlformats.org/presentationml/2006/main">
+  <p:cSld>
+    <p:spTree>
+      <p:nvGrpSpPr>
+        <p:cNvPr id="1" name=""/>
+        <p:cNvGrpSpPr/>
+        <p:nvPr/>
+      </p:nvGrpSpPr>
+      <p:grpSpPr>
+        <a:xfrm>
+          <a:off x="0" y="0"/>
+          <a:ext cx="0" cy="0"/>
+          <a:chOff x="0" y="0"/>
+          <a:chExt cx="0" cy="0"/>
+        </a:xfrm>
+      </p:grpSpPr>
+      <p:sp>
+        <p:nvSpPr>
+          <p:cNvPr id="2" name="Rectangle 1">
+            <a:extLst>
+              <a:ext uri="{FF2B5EF4-FFF2-40B4-BE49-F238E27FC236}">
+                <a16:creationId xmlns:a16="http://schemas.microsoft.com/office/drawing/2014/main" id="{536793EC-4DF4-CC22-D332-AE83C0D9A715}"/>
+              </a:ext>
+            </a:extLst>
+          </p:cNvPr>
+          <p:cNvSpPr/>
+          <p:nvPr/>
+        </p:nvSpPr>
+        <p:spPr>
+          <a:xfrm>
+            <a:off x="839972" y="531628"/>
+            <a:ext cx="10962168" cy="6103088"/>
+          </a:xfrm>
+          <a:prstGeom prst="rect">
+            <a:avLst/>
+          </a:prstGeom>
+        </p:spPr>
+        <p:style>
+          <a:lnRef idx="1">
+            <a:schemeClr val="accent3"/>
+          </a:lnRef>
+          <a:fillRef idx="2">
+            <a:schemeClr val="accent3"/>
+          </a:fillRef>
+          <a:effectRef idx="1">
+            <a:schemeClr val="accent3"/>
+          </a:effectRef>
+          <a:fontRef idx="minor">
+            <a:schemeClr val="dk1"/>
+          </a:fontRef>
+        </p:style>
+        <p:txBody>
+          <a:bodyPr rtlCol="0" anchor="ctr"/>
+          <a:lstStyle/>
+          <a:p>
+            <a:pPr algn="ctr"/>
+            <a:endParaRPr lang="en-US"/>
+          </a:p>
+        </p:txBody>
+      </p:sp>
+      <p:sp>
+        <p:nvSpPr>
+          <p:cNvPr id="3" name="TextBox 2">
+            <a:extLst>
+              <a:ext uri="{FF2B5EF4-FFF2-40B4-BE49-F238E27FC236}">
+                <a16:creationId xmlns:a16="http://schemas.microsoft.com/office/drawing/2014/main" id="{79BB8972-90A7-90F1-6EE0-DAF8E20AB099}"/>
+              </a:ext>
+            </a:extLst>
+          </p:cNvPr>
+          <p:cNvSpPr txBox="1"/>
+          <p:nvPr/>
+        </p:nvSpPr>
+        <p:spPr>
+          <a:xfrm>
+            <a:off x="967563" y="723014"/>
+            <a:ext cx="2583711" cy="369332"/>
+          </a:xfrm>
+          <a:prstGeom prst="rect">
+            <a:avLst/>
+          </a:prstGeom>
+          <a:noFill/>
+        </p:spPr>
+        <p:txBody>
+          <a:bodyPr wrap="square" rtlCol="0">
+            <a:spAutoFit/>
+          </a:bodyPr>
+          <a:lstStyle/>
+          <a:p>
+            <a:r>
+              <a:rPr lang="en-US" dirty="0"/>
+              <a:t>Parent</a:t>
+            </a:r>
+          </a:p>
+        </p:txBody>
+      </p:sp>
+      <p:sp>
+        <p:nvSpPr>
+          <p:cNvPr id="4" name="Rectangle 3">
+            <a:extLst>
+              <a:ext uri="{FF2B5EF4-FFF2-40B4-BE49-F238E27FC236}">
+                <a16:creationId xmlns:a16="http://schemas.microsoft.com/office/drawing/2014/main" id="{C7101D07-5629-0438-4171-B91D87DC9285}"/>
+              </a:ext>
+            </a:extLst>
+          </p:cNvPr>
+          <p:cNvSpPr/>
+          <p:nvPr/>
+        </p:nvSpPr>
+        <p:spPr>
+          <a:xfrm>
+            <a:off x="1052623" y="2115879"/>
+            <a:ext cx="3466214" cy="2349795"/>
+          </a:xfrm>
+          <a:prstGeom prst="rect">
+            <a:avLst/>
+          </a:prstGeom>
+        </p:spPr>
+        <p:style>
+          <a:lnRef idx="2">
+            <a:schemeClr val="accent1">
+              <a:shade val="15000"/>
+            </a:schemeClr>
+          </a:lnRef>
+          <a:fillRef idx="1">
+            <a:schemeClr val="accent1"/>
+          </a:fillRef>
+          <a:effectRef idx="0">
+            <a:schemeClr val="accent1"/>
+          </a:effectRef>
+          <a:fontRef idx="minor">
+            <a:schemeClr val="lt1"/>
+          </a:fontRef>
+        </p:style>
+        <p:txBody>
+          <a:bodyPr rtlCol="0" anchor="ctr"/>
+          <a:lstStyle/>
+          <a:p>
+            <a:pPr algn="ctr"/>
+            <a:r>
+              <a:rPr lang="en-US" dirty="0"/>
+              <a:t>Child 1</a:t>
+            </a:r>
+          </a:p>
+        </p:txBody>
+      </p:sp>
+      <p:sp>
+        <p:nvSpPr>
+          <p:cNvPr id="5" name="Rectangle 4">
+            <a:extLst>
+              <a:ext uri="{FF2B5EF4-FFF2-40B4-BE49-F238E27FC236}">
+                <a16:creationId xmlns:a16="http://schemas.microsoft.com/office/drawing/2014/main" id="{7B7ECC73-E472-C5F8-0192-F0DD478AFF14}"/>
+              </a:ext>
+            </a:extLst>
+          </p:cNvPr>
+          <p:cNvSpPr/>
+          <p:nvPr/>
+        </p:nvSpPr>
+        <p:spPr>
+          <a:xfrm>
+            <a:off x="7634176" y="2115878"/>
+            <a:ext cx="3466214" cy="2349795"/>
+          </a:xfrm>
+          <a:prstGeom prst="rect">
+            <a:avLst/>
+          </a:prstGeom>
+        </p:spPr>
+        <p:style>
+          <a:lnRef idx="2">
+            <a:schemeClr val="accent1">
+              <a:shade val="15000"/>
+            </a:schemeClr>
+          </a:lnRef>
+          <a:fillRef idx="1">
+            <a:schemeClr val="accent1"/>
+          </a:fillRef>
+          <a:effectRef idx="0">
+            <a:schemeClr val="accent1"/>
+          </a:effectRef>
+          <a:fontRef idx="minor">
+            <a:schemeClr val="lt1"/>
+          </a:fontRef>
+        </p:style>
+        <p:txBody>
+          <a:bodyPr rtlCol="0" anchor="ctr"/>
+          <a:lstStyle/>
+          <a:p>
+            <a:pPr algn="ctr"/>
+            <a:r>
+              <a:rPr lang="en-US" dirty="0"/>
+              <a:t>Child 2</a:t>
+            </a:r>
+          </a:p>
+        </p:txBody>
+      </p:sp>
+      <p:sp>
+        <p:nvSpPr>
+          <p:cNvPr id="6" name="Up Arrow 5">
+            <a:extLst>
+              <a:ext uri="{FF2B5EF4-FFF2-40B4-BE49-F238E27FC236}">
+                <a16:creationId xmlns:a16="http://schemas.microsoft.com/office/drawing/2014/main" id="{56B47D61-67DA-41AF-390B-E6944610C2F1}"/>
+              </a:ext>
+            </a:extLst>
+          </p:cNvPr>
+          <p:cNvSpPr/>
+          <p:nvPr/>
+        </p:nvSpPr>
+        <p:spPr>
+          <a:xfrm>
+            <a:off x="2456121" y="1092346"/>
+            <a:ext cx="329609" cy="1448835"/>
+          </a:xfrm>
+          <a:prstGeom prst="upArrow">
+            <a:avLst/>
+          </a:prstGeom>
+        </p:spPr>
+        <p:style>
+          <a:lnRef idx="2">
+            <a:schemeClr val="accent1">
+              <a:shade val="15000"/>
+            </a:schemeClr>
+          </a:lnRef>
+          <a:fillRef idx="1">
+            <a:schemeClr val="accent1"/>
+          </a:fillRef>
+          <a:effectRef idx="0">
+            <a:schemeClr val="accent1"/>
+          </a:effectRef>
+          <a:fontRef idx="minor">
+            <a:schemeClr val="lt1"/>
+          </a:fontRef>
+        </p:style>
+        <p:txBody>
+          <a:bodyPr rtlCol="0" anchor="ctr"/>
+          <a:lstStyle/>
+          <a:p>
+            <a:pPr algn="ctr"/>
+            <a:endParaRPr lang="en-US"/>
+          </a:p>
+        </p:txBody>
+      </p:sp>
+      <p:sp>
+        <p:nvSpPr>
+          <p:cNvPr id="7" name="TextBox 6">
+            <a:extLst>
+              <a:ext uri="{FF2B5EF4-FFF2-40B4-BE49-F238E27FC236}">
+                <a16:creationId xmlns:a16="http://schemas.microsoft.com/office/drawing/2014/main" id="{F221BE83-7827-A243-7831-243C4290AD34}"/>
+              </a:ext>
+            </a:extLst>
+          </p:cNvPr>
+          <p:cNvSpPr txBox="1"/>
+          <p:nvPr/>
+        </p:nvSpPr>
+        <p:spPr>
+          <a:xfrm>
+            <a:off x="2870791" y="879695"/>
+            <a:ext cx="2179674" cy="369332"/>
+          </a:xfrm>
+          <a:prstGeom prst="rect">
+            <a:avLst/>
+          </a:prstGeom>
+          <a:noFill/>
+        </p:spPr>
+        <p:txBody>
+          <a:bodyPr wrap="square" rtlCol="0">
+            <a:spAutoFit/>
+          </a:bodyPr>
+          <a:lstStyle/>
+          <a:p>
+            <a:r>
+              <a:rPr lang="en-US" dirty="0"/>
+              <a:t>Data to parent</a:t>
+            </a:r>
+          </a:p>
+        </p:txBody>
+      </p:sp>
+      <p:cxnSp>
+        <p:nvCxnSpPr>
+          <p:cNvPr id="9" name="Straight Arrow Connector 8">
+            <a:extLst>
+              <a:ext uri="{FF2B5EF4-FFF2-40B4-BE49-F238E27FC236}">
+                <a16:creationId xmlns:a16="http://schemas.microsoft.com/office/drawing/2014/main" id="{953243DC-2ACB-F40F-DF81-1CBBE0637083}"/>
+              </a:ext>
+            </a:extLst>
+          </p:cNvPr>
+          <p:cNvCxnSpPr/>
+          <p:nvPr/>
+        </p:nvCxnSpPr>
+        <p:spPr>
+          <a:xfrm>
+            <a:off x="4518837" y="1092346"/>
+            <a:ext cx="3466214" cy="1448835"/>
+          </a:xfrm>
+          <a:prstGeom prst="straightConnector1">
+            <a:avLst/>
+          </a:prstGeom>
+          <a:ln w="76200">
+            <a:solidFill>
+              <a:srgbClr val="C00000"/>
+            </a:solidFill>
+            <a:tailEnd type="triangle"/>
+          </a:ln>
+        </p:spPr>
+        <p:style>
+          <a:lnRef idx="1">
+            <a:schemeClr val="accent1"/>
+          </a:lnRef>
+          <a:fillRef idx="0">
+            <a:schemeClr val="accent1"/>
+          </a:fillRef>
+          <a:effectRef idx="0">
+            <a:schemeClr val="accent1"/>
+          </a:effectRef>
+          <a:fontRef idx="minor">
+            <a:schemeClr val="tx1"/>
+          </a:fontRef>
+        </p:style>
+      </p:cxnSp>
+      <p:sp>
+        <p:nvSpPr>
+          <p:cNvPr id="10" name="TextBox 9">
+            <a:extLst>
+              <a:ext uri="{FF2B5EF4-FFF2-40B4-BE49-F238E27FC236}">
+                <a16:creationId xmlns:a16="http://schemas.microsoft.com/office/drawing/2014/main" id="{8FA70CF4-5B14-A864-88E3-6345F70BCA12}"/>
+              </a:ext>
+            </a:extLst>
+          </p:cNvPr>
+          <p:cNvSpPr txBox="1"/>
+          <p:nvPr/>
+        </p:nvSpPr>
+        <p:spPr>
+          <a:xfrm>
+            <a:off x="6161567" y="1169581"/>
+            <a:ext cx="2950535" cy="369332"/>
+          </a:xfrm>
+          <a:prstGeom prst="rect">
+            <a:avLst/>
+          </a:prstGeom>
+          <a:noFill/>
+        </p:spPr>
+        <p:txBody>
+          <a:bodyPr wrap="square" rtlCol="0">
+            <a:spAutoFit/>
+          </a:bodyPr>
+          <a:lstStyle/>
+          <a:p>
+            <a:r>
+              <a:rPr lang="en-US" dirty="0"/>
+              <a:t>Pass Data to Child 2</a:t>
+            </a:r>
+          </a:p>
+        </p:txBody>
+      </p:sp>
+    </p:spTree>
+    <p:extLst>
+      <p:ext uri="{BB962C8B-B14F-4D97-AF65-F5344CB8AC3E}">
+        <p14:creationId xmlns:p14="http://schemas.microsoft.com/office/powerpoint/2010/main" val="781813620"/>
+      </p:ext>
+    </p:extLst>
+  </p:cSld>
+  <p:clrMapOvr>
+    <a:masterClrMapping/>
+  </p:clrMapOvr>
+</p:sld>
+</file>
+
+<file path=ppt/slides/slide13.xml><?xml version="1.0" encoding="utf-8"?>
+<p:sld xmlns:a="http://schemas.openxmlformats.org/drawingml/2006/main" xmlns:r="http://schemas.openxmlformats.org/officeDocument/2006/relationships" xmlns:p="http://schemas.openxmlformats.org/presentationml/2006/main">
+  <p:cSld>
+    <p:spTree>
+      <p:nvGrpSpPr>
+        <p:cNvPr id="1" name=""/>
+        <p:cNvGrpSpPr/>
+        <p:nvPr/>
+      </p:nvGrpSpPr>
+      <p:grpSpPr>
+        <a:xfrm>
+          <a:off x="0" y="0"/>
+          <a:ext cx="0" cy="0"/>
+          <a:chOff x="0" y="0"/>
+          <a:chExt cx="0" cy="0"/>
+        </a:xfrm>
+      </p:grpSpPr>
+      <p:sp>
+        <p:nvSpPr>
+          <p:cNvPr id="2" name="Rectangle 1">
+            <a:extLst>
+              <a:ext uri="{FF2B5EF4-FFF2-40B4-BE49-F238E27FC236}">
+                <a16:creationId xmlns:a16="http://schemas.microsoft.com/office/drawing/2014/main" id="{536793EC-4DF4-CC22-D332-AE83C0D9A715}"/>
+              </a:ext>
+            </a:extLst>
+          </p:cNvPr>
+          <p:cNvSpPr/>
+          <p:nvPr/>
+        </p:nvSpPr>
+        <p:spPr>
+          <a:xfrm>
+            <a:off x="839972" y="531628"/>
+            <a:ext cx="10962168" cy="6103088"/>
+          </a:xfrm>
+          <a:prstGeom prst="rect">
+            <a:avLst/>
+          </a:prstGeom>
+        </p:spPr>
+        <p:style>
+          <a:lnRef idx="1">
+            <a:schemeClr val="accent3"/>
+          </a:lnRef>
+          <a:fillRef idx="2">
+            <a:schemeClr val="accent3"/>
+          </a:fillRef>
+          <a:effectRef idx="1">
+            <a:schemeClr val="accent3"/>
+          </a:effectRef>
+          <a:fontRef idx="minor">
+            <a:schemeClr val="dk1"/>
+          </a:fontRef>
+        </p:style>
+        <p:txBody>
+          <a:bodyPr rtlCol="0" anchor="ctr"/>
+          <a:lstStyle/>
+          <a:p>
+            <a:pPr algn="ctr"/>
+            <a:endParaRPr lang="en-US"/>
+          </a:p>
+        </p:txBody>
+      </p:sp>
+      <p:sp>
+        <p:nvSpPr>
+          <p:cNvPr id="3" name="TextBox 2">
+            <a:extLst>
+              <a:ext uri="{FF2B5EF4-FFF2-40B4-BE49-F238E27FC236}">
+                <a16:creationId xmlns:a16="http://schemas.microsoft.com/office/drawing/2014/main" id="{79BB8972-90A7-90F1-6EE0-DAF8E20AB099}"/>
+              </a:ext>
+            </a:extLst>
+          </p:cNvPr>
+          <p:cNvSpPr txBox="1"/>
+          <p:nvPr/>
+        </p:nvSpPr>
+        <p:spPr>
+          <a:xfrm>
+            <a:off x="967563" y="723014"/>
+            <a:ext cx="2583711" cy="369332"/>
+          </a:xfrm>
+          <a:prstGeom prst="rect">
+            <a:avLst/>
+          </a:prstGeom>
+          <a:noFill/>
+        </p:spPr>
+        <p:txBody>
+          <a:bodyPr wrap="square" rtlCol="0">
+            <a:spAutoFit/>
+          </a:bodyPr>
+          <a:lstStyle/>
+          <a:p>
+            <a:r>
+              <a:rPr lang="en-US" dirty="0"/>
+              <a:t>Parent</a:t>
+            </a:r>
+          </a:p>
+        </p:txBody>
+      </p:sp>
+      <p:sp>
+        <p:nvSpPr>
+          <p:cNvPr id="4" name="Rectangle 3">
+            <a:extLst>
+              <a:ext uri="{FF2B5EF4-FFF2-40B4-BE49-F238E27FC236}">
+                <a16:creationId xmlns:a16="http://schemas.microsoft.com/office/drawing/2014/main" id="{C7101D07-5629-0438-4171-B91D87DC9285}"/>
+              </a:ext>
+            </a:extLst>
+          </p:cNvPr>
+          <p:cNvSpPr/>
+          <p:nvPr/>
+        </p:nvSpPr>
+        <p:spPr>
+          <a:xfrm>
+            <a:off x="1052623" y="2115879"/>
+            <a:ext cx="3466214" cy="2349795"/>
+          </a:xfrm>
+          <a:prstGeom prst="rect">
+            <a:avLst/>
+          </a:prstGeom>
+        </p:spPr>
+        <p:style>
+          <a:lnRef idx="2">
+            <a:schemeClr val="accent1">
+              <a:shade val="15000"/>
+            </a:schemeClr>
+          </a:lnRef>
+          <a:fillRef idx="1">
+            <a:schemeClr val="accent1"/>
+          </a:fillRef>
+          <a:effectRef idx="0">
+            <a:schemeClr val="accent1"/>
+          </a:effectRef>
+          <a:fontRef idx="minor">
+            <a:schemeClr val="lt1"/>
+          </a:fontRef>
+        </p:style>
+        <p:txBody>
+          <a:bodyPr rtlCol="0" anchor="ctr"/>
+          <a:lstStyle/>
+          <a:p>
+            <a:pPr algn="ctr"/>
+            <a:r>
+              <a:rPr lang="en-US" dirty="0"/>
+              <a:t>Child 1</a:t>
+            </a:r>
+          </a:p>
+        </p:txBody>
+      </p:sp>
+      <p:sp>
+        <p:nvSpPr>
+          <p:cNvPr id="5" name="Rectangle 4">
+            <a:extLst>
+              <a:ext uri="{FF2B5EF4-FFF2-40B4-BE49-F238E27FC236}">
+                <a16:creationId xmlns:a16="http://schemas.microsoft.com/office/drawing/2014/main" id="{7B7ECC73-E472-C5F8-0192-F0DD478AFF14}"/>
+              </a:ext>
+            </a:extLst>
+          </p:cNvPr>
+          <p:cNvSpPr/>
+          <p:nvPr/>
+        </p:nvSpPr>
+        <p:spPr>
+          <a:xfrm>
+            <a:off x="7634176" y="2115878"/>
+            <a:ext cx="3466214" cy="2349795"/>
+          </a:xfrm>
+          <a:prstGeom prst="rect">
+            <a:avLst/>
+          </a:prstGeom>
+        </p:spPr>
+        <p:style>
+          <a:lnRef idx="2">
+            <a:schemeClr val="accent1">
+              <a:shade val="15000"/>
+            </a:schemeClr>
+          </a:lnRef>
+          <a:fillRef idx="1">
+            <a:schemeClr val="accent1"/>
+          </a:fillRef>
+          <a:effectRef idx="0">
+            <a:schemeClr val="accent1"/>
+          </a:effectRef>
+          <a:fontRef idx="minor">
+            <a:schemeClr val="lt1"/>
+          </a:fontRef>
+        </p:style>
+        <p:txBody>
+          <a:bodyPr rtlCol="0" anchor="ctr"/>
+          <a:lstStyle/>
+          <a:p>
+            <a:pPr algn="ctr"/>
+            <a:r>
+              <a:rPr lang="en-US" dirty="0"/>
+              <a:t>Child 2</a:t>
+            </a:r>
+          </a:p>
+        </p:txBody>
+      </p:sp>
+      <p:sp>
+        <p:nvSpPr>
+          <p:cNvPr id="8" name="Rectangle 7">
+            <a:extLst>
+              <a:ext uri="{FF2B5EF4-FFF2-40B4-BE49-F238E27FC236}">
+                <a16:creationId xmlns:a16="http://schemas.microsoft.com/office/drawing/2014/main" id="{5265666D-A24C-1282-0B2C-6778ACE2F77B}"/>
+              </a:ext>
+            </a:extLst>
+          </p:cNvPr>
+          <p:cNvSpPr/>
+          <p:nvPr/>
+        </p:nvSpPr>
+        <p:spPr>
+          <a:xfrm>
+            <a:off x="2073349" y="5124893"/>
+            <a:ext cx="7953153" cy="1031358"/>
+          </a:xfrm>
+          <a:prstGeom prst="rect">
+            <a:avLst/>
+          </a:prstGeom>
+        </p:spPr>
+        <p:style>
+          <a:lnRef idx="2">
+            <a:schemeClr val="accent1">
+              <a:shade val="15000"/>
+            </a:schemeClr>
+          </a:lnRef>
+          <a:fillRef idx="1">
+            <a:schemeClr val="accent1"/>
+          </a:fillRef>
+          <a:effectRef idx="0">
+            <a:schemeClr val="accent1"/>
+          </a:effectRef>
+          <a:fontRef idx="minor">
+            <a:schemeClr val="lt1"/>
+          </a:fontRef>
+        </p:style>
+        <p:txBody>
+          <a:bodyPr rtlCol="0" anchor="ctr"/>
+          <a:lstStyle/>
+          <a:p>
+            <a:pPr algn="ctr"/>
+            <a:r>
+              <a:rPr lang="en-US" dirty="0"/>
+              <a:t>State Container</a:t>
+            </a:r>
+          </a:p>
+        </p:txBody>
+      </p:sp>
+      <p:sp>
+        <p:nvSpPr>
+          <p:cNvPr id="11" name="Down Arrow 10">
+            <a:extLst>
+              <a:ext uri="{FF2B5EF4-FFF2-40B4-BE49-F238E27FC236}">
+                <a16:creationId xmlns:a16="http://schemas.microsoft.com/office/drawing/2014/main" id="{3BD7D669-9EBF-2866-EBA8-2A60CDE0BE64}"/>
+              </a:ext>
+            </a:extLst>
+          </p:cNvPr>
+          <p:cNvSpPr/>
+          <p:nvPr/>
+        </p:nvSpPr>
+        <p:spPr>
+          <a:xfrm>
+            <a:off x="9452344" y="3863162"/>
+            <a:ext cx="329609" cy="1775637"/>
+          </a:xfrm>
+          <a:prstGeom prst="downArrow">
+            <a:avLst/>
+          </a:prstGeom>
+          <a:solidFill>
+            <a:schemeClr val="accent2"/>
+          </a:solidFill>
+        </p:spPr>
+        <p:style>
+          <a:lnRef idx="2">
+            <a:schemeClr val="accent1">
+              <a:shade val="15000"/>
+            </a:schemeClr>
+          </a:lnRef>
+          <a:fillRef idx="1">
+            <a:schemeClr val="accent1"/>
+          </a:fillRef>
+          <a:effectRef idx="0">
+            <a:schemeClr val="accent1"/>
+          </a:effectRef>
+          <a:fontRef idx="minor">
+            <a:schemeClr val="lt1"/>
+          </a:fontRef>
+        </p:style>
+        <p:txBody>
+          <a:bodyPr rtlCol="0" anchor="ctr"/>
+          <a:lstStyle/>
+          <a:p>
+            <a:pPr algn="ctr"/>
+            <a:endParaRPr lang="en-US"/>
+          </a:p>
+        </p:txBody>
+      </p:sp>
+      <p:sp>
+        <p:nvSpPr>
+          <p:cNvPr id="13" name="Down Arrow 12">
+            <a:extLst>
+              <a:ext uri="{FF2B5EF4-FFF2-40B4-BE49-F238E27FC236}">
+                <a16:creationId xmlns:a16="http://schemas.microsoft.com/office/drawing/2014/main" id="{12EEBFF9-CA81-2CD9-7499-629107CE781C}"/>
+              </a:ext>
+            </a:extLst>
+          </p:cNvPr>
+          <p:cNvSpPr/>
+          <p:nvPr/>
+        </p:nvSpPr>
+        <p:spPr>
+          <a:xfrm>
+            <a:off x="3182679" y="3863163"/>
+            <a:ext cx="329609" cy="1775637"/>
+          </a:xfrm>
+          <a:prstGeom prst="downArrow">
+            <a:avLst/>
+          </a:prstGeom>
+          <a:solidFill>
+            <a:schemeClr val="accent2"/>
+          </a:solidFill>
+        </p:spPr>
+        <p:style>
+          <a:lnRef idx="2">
+            <a:schemeClr val="accent1">
+              <a:shade val="15000"/>
+            </a:schemeClr>
+          </a:lnRef>
+          <a:fillRef idx="1">
+            <a:schemeClr val="accent1"/>
+          </a:fillRef>
+          <a:effectRef idx="0">
+            <a:schemeClr val="accent1"/>
+          </a:effectRef>
+          <a:fontRef idx="minor">
+            <a:schemeClr val="lt1"/>
+          </a:fontRef>
+        </p:style>
+        <p:txBody>
+          <a:bodyPr rtlCol="0" anchor="ctr"/>
+          <a:lstStyle/>
+          <a:p>
+            <a:pPr algn="ctr"/>
+            <a:endParaRPr lang="en-US"/>
+          </a:p>
+        </p:txBody>
+      </p:sp>
+      <p:sp>
+        <p:nvSpPr>
+          <p:cNvPr id="14" name="Up Arrow 13">
+            <a:extLst>
+              <a:ext uri="{FF2B5EF4-FFF2-40B4-BE49-F238E27FC236}">
+                <a16:creationId xmlns:a16="http://schemas.microsoft.com/office/drawing/2014/main" id="{14094B82-9A5E-9F9B-9EF5-56A30F2087FE}"/>
+              </a:ext>
+            </a:extLst>
+          </p:cNvPr>
+          <p:cNvSpPr/>
+          <p:nvPr/>
+        </p:nvSpPr>
+        <p:spPr>
+          <a:xfrm>
+            <a:off x="7995684" y="3817087"/>
+            <a:ext cx="503274" cy="1605518"/>
+          </a:xfrm>
+          <a:prstGeom prst="upArrow">
+            <a:avLst/>
+          </a:prstGeom>
+          <a:solidFill>
+            <a:schemeClr val="accent2"/>
+          </a:solidFill>
+        </p:spPr>
+        <p:style>
+          <a:lnRef idx="2">
+            <a:schemeClr val="accent1">
+              <a:shade val="15000"/>
+            </a:schemeClr>
+          </a:lnRef>
+          <a:fillRef idx="1">
+            <a:schemeClr val="accent1"/>
+          </a:fillRef>
+          <a:effectRef idx="0">
+            <a:schemeClr val="accent1"/>
+          </a:effectRef>
+          <a:fontRef idx="minor">
+            <a:schemeClr val="lt1"/>
+          </a:fontRef>
+        </p:style>
+        <p:txBody>
+          <a:bodyPr rtlCol="0" anchor="ctr"/>
+          <a:lstStyle/>
+          <a:p>
+            <a:pPr algn="ctr"/>
+            <a:endParaRPr lang="en-US"/>
+          </a:p>
+        </p:txBody>
+      </p:sp>
+      <p:sp>
+        <p:nvSpPr>
+          <p:cNvPr id="15" name="TextBox 14">
+            <a:extLst>
+              <a:ext uri="{FF2B5EF4-FFF2-40B4-BE49-F238E27FC236}">
+                <a16:creationId xmlns:a16="http://schemas.microsoft.com/office/drawing/2014/main" id="{F0302DB4-C85C-FBAF-58EB-18D21DA725FD}"/>
+              </a:ext>
+            </a:extLst>
+          </p:cNvPr>
+          <p:cNvSpPr txBox="1"/>
+          <p:nvPr/>
+        </p:nvSpPr>
+        <p:spPr>
+          <a:xfrm>
+            <a:off x="2594343" y="5638799"/>
+            <a:ext cx="1924493" cy="369332"/>
+          </a:xfrm>
+          <a:prstGeom prst="rect">
+            <a:avLst/>
+          </a:prstGeom>
+          <a:noFill/>
+        </p:spPr>
+        <p:txBody>
+          <a:bodyPr wrap="square" rtlCol="0">
+            <a:spAutoFit/>
+          </a:bodyPr>
+          <a:lstStyle/>
+          <a:p>
+            <a:r>
+              <a:rPr lang="en-US" dirty="0"/>
+              <a:t>Update in State</a:t>
+            </a:r>
+          </a:p>
+        </p:txBody>
+      </p:sp>
+      <p:sp>
+        <p:nvSpPr>
+          <p:cNvPr id="16" name="TextBox 15">
+            <a:extLst>
+              <a:ext uri="{FF2B5EF4-FFF2-40B4-BE49-F238E27FC236}">
+                <a16:creationId xmlns:a16="http://schemas.microsoft.com/office/drawing/2014/main" id="{DEA0189D-FCD7-D739-2E12-E04438B545EF}"/>
+              </a:ext>
+            </a:extLst>
+          </p:cNvPr>
+          <p:cNvSpPr txBox="1"/>
+          <p:nvPr/>
+        </p:nvSpPr>
+        <p:spPr>
+          <a:xfrm>
+            <a:off x="8605283" y="5635254"/>
+            <a:ext cx="1924493" cy="369332"/>
+          </a:xfrm>
+          <a:prstGeom prst="rect">
+            <a:avLst/>
+          </a:prstGeom>
+          <a:noFill/>
+        </p:spPr>
+        <p:txBody>
+          <a:bodyPr wrap="square" rtlCol="0">
+            <a:spAutoFit/>
+          </a:bodyPr>
+          <a:lstStyle/>
+          <a:p>
+            <a:r>
+              <a:rPr lang="en-US" dirty="0"/>
+              <a:t>Subscription</a:t>
+            </a:r>
+          </a:p>
+        </p:txBody>
+      </p:sp>
+      <p:sp>
+        <p:nvSpPr>
+          <p:cNvPr id="17" name="TextBox 16">
+            <a:extLst>
+              <a:ext uri="{FF2B5EF4-FFF2-40B4-BE49-F238E27FC236}">
+                <a16:creationId xmlns:a16="http://schemas.microsoft.com/office/drawing/2014/main" id="{0B86738C-6C1C-2835-953F-D14F56A0849A}"/>
+              </a:ext>
+            </a:extLst>
+          </p:cNvPr>
+          <p:cNvSpPr txBox="1"/>
+          <p:nvPr/>
+        </p:nvSpPr>
+        <p:spPr>
+          <a:xfrm>
+            <a:off x="7692655" y="3333972"/>
+            <a:ext cx="1924493" cy="369332"/>
+          </a:xfrm>
+          <a:prstGeom prst="rect">
+            <a:avLst/>
+          </a:prstGeom>
+          <a:noFill/>
+        </p:spPr>
+        <p:txBody>
+          <a:bodyPr wrap="square" rtlCol="0">
+            <a:spAutoFit/>
+          </a:bodyPr>
+          <a:lstStyle/>
+          <a:p>
+            <a:r>
+              <a:rPr lang="en-US"/>
+              <a:t>Notification</a:t>
+            </a:r>
+            <a:endParaRPr lang="en-US" dirty="0"/>
+          </a:p>
+        </p:txBody>
+      </p:sp>
+    </p:spTree>
+    <p:extLst>
+      <p:ext uri="{BB962C8B-B14F-4D97-AF65-F5344CB8AC3E}">
+        <p14:creationId xmlns:p14="http://schemas.microsoft.com/office/powerpoint/2010/main" val="2059830727"/>
+      </p:ext>
+    </p:extLst>
+  </p:cSld>
+  <p:clrMapOvr>
+    <a:masterClrMapping/>
+  </p:clrMapOvr>
+</p:sld>
+</file>
+
 <file path=ppt/slides/slide2.xml><?xml version="1.0" encoding="utf-8"?>
 <p:sld xmlns:a="http://schemas.openxmlformats.org/drawingml/2006/main" xmlns:r="http://schemas.openxmlformats.org/officeDocument/2006/relationships" xmlns:p="http://schemas.openxmlformats.org/presentationml/2006/main">
   <p:cSld>
@@ -7199,6 +9482,1030 @@
     <p:extLst>
       <p:ext uri="{BB962C8B-B14F-4D97-AF65-F5344CB8AC3E}">
         <p14:creationId xmlns:p14="http://schemas.microsoft.com/office/powerpoint/2010/main" val="2360562485"/>
+      </p:ext>
+    </p:extLst>
+  </p:cSld>
+  <p:clrMapOvr>
+    <a:masterClrMapping/>
+  </p:clrMapOvr>
+</p:sld>
+</file>
+
+<file path=ppt/slides/slide8.xml><?xml version="1.0" encoding="utf-8"?>
+<p:sld xmlns:a="http://schemas.openxmlformats.org/drawingml/2006/main" xmlns:r="http://schemas.openxmlformats.org/officeDocument/2006/relationships" xmlns:p="http://schemas.openxmlformats.org/presentationml/2006/main">
+  <p:cSld>
+    <p:spTree>
+      <p:nvGrpSpPr>
+        <p:cNvPr id="1" name=""/>
+        <p:cNvGrpSpPr/>
+        <p:nvPr/>
+      </p:nvGrpSpPr>
+      <p:grpSpPr>
+        <a:xfrm>
+          <a:off x="0" y="0"/>
+          <a:ext cx="0" cy="0"/>
+          <a:chOff x="0" y="0"/>
+          <a:chExt cx="0" cy="0"/>
+        </a:xfrm>
+      </p:grpSpPr>
+      <p:sp>
+        <p:nvSpPr>
+          <p:cNvPr id="2" name="Rectangle 1">
+            <a:extLst>
+              <a:ext uri="{FF2B5EF4-FFF2-40B4-BE49-F238E27FC236}">
+                <a16:creationId xmlns:a16="http://schemas.microsoft.com/office/drawing/2014/main" id="{1BD3EC2C-D926-F747-C3C3-4760B0ED19CD}"/>
+              </a:ext>
+            </a:extLst>
+          </p:cNvPr>
+          <p:cNvSpPr/>
+          <p:nvPr/>
+        </p:nvSpPr>
+        <p:spPr>
+          <a:xfrm>
+            <a:off x="340242" y="457200"/>
+            <a:ext cx="7091916" cy="6177516"/>
+          </a:xfrm>
+          <a:prstGeom prst="rect">
+            <a:avLst/>
+          </a:prstGeom>
+        </p:spPr>
+        <p:style>
+          <a:lnRef idx="2">
+            <a:schemeClr val="accent6"/>
+          </a:lnRef>
+          <a:fillRef idx="1">
+            <a:schemeClr val="lt1"/>
+          </a:fillRef>
+          <a:effectRef idx="0">
+            <a:schemeClr val="accent6"/>
+          </a:effectRef>
+          <a:fontRef idx="minor">
+            <a:schemeClr val="dk1"/>
+          </a:fontRef>
+        </p:style>
+        <p:txBody>
+          <a:bodyPr rtlCol="0" anchor="ctr"/>
+          <a:lstStyle/>
+          <a:p>
+            <a:pPr algn="ctr"/>
+            <a:r>
+              <a:rPr lang="en-US" dirty="0"/>
+              <a:t>Node.js</a:t>
+            </a:r>
+          </a:p>
+          <a:p>
+            <a:pPr algn="ctr"/>
+            <a:endParaRPr lang="en-US" dirty="0"/>
+          </a:p>
+          <a:p>
+            <a:pPr algn="ctr"/>
+            <a:endParaRPr lang="en-US" dirty="0"/>
+          </a:p>
+          <a:p>
+            <a:pPr algn="ctr"/>
+            <a:endParaRPr lang="en-US" dirty="0"/>
+          </a:p>
+          <a:p>
+            <a:pPr algn="ctr"/>
+            <a:endParaRPr lang="en-US" dirty="0"/>
+          </a:p>
+          <a:p>
+            <a:pPr algn="ctr"/>
+            <a:endParaRPr lang="en-US" dirty="0"/>
+          </a:p>
+          <a:p>
+            <a:pPr algn="ctr"/>
+            <a:endParaRPr lang="en-US" dirty="0"/>
+          </a:p>
+          <a:p>
+            <a:pPr algn="ctr"/>
+            <a:endParaRPr lang="en-US" dirty="0"/>
+          </a:p>
+          <a:p>
+            <a:pPr algn="ctr"/>
+            <a:endParaRPr lang="en-US" dirty="0"/>
+          </a:p>
+          <a:p>
+            <a:pPr algn="ctr"/>
+            <a:endParaRPr lang="en-US" dirty="0"/>
+          </a:p>
+          <a:p>
+            <a:pPr algn="ctr"/>
+            <a:endParaRPr lang="en-US" dirty="0"/>
+          </a:p>
+          <a:p>
+            <a:pPr algn="ctr"/>
+            <a:endParaRPr lang="en-US" dirty="0"/>
+          </a:p>
+          <a:p>
+            <a:pPr algn="ctr"/>
+            <a:endParaRPr lang="en-US" dirty="0"/>
+          </a:p>
+          <a:p>
+            <a:pPr algn="ctr"/>
+            <a:endParaRPr lang="en-US" dirty="0"/>
+          </a:p>
+          <a:p>
+            <a:pPr algn="ctr"/>
+            <a:endParaRPr lang="en-US" dirty="0"/>
+          </a:p>
+          <a:p>
+            <a:pPr algn="ctr"/>
+            <a:endParaRPr lang="en-US" dirty="0"/>
+          </a:p>
+          <a:p>
+            <a:pPr algn="ctr"/>
+            <a:endParaRPr lang="en-US" dirty="0"/>
+          </a:p>
+          <a:p>
+            <a:pPr algn="ctr"/>
+            <a:endParaRPr lang="en-US" dirty="0"/>
+          </a:p>
+          <a:p>
+            <a:pPr algn="ctr"/>
+            <a:endParaRPr lang="en-US" dirty="0"/>
+          </a:p>
+          <a:p>
+            <a:pPr algn="ctr"/>
+            <a:endParaRPr lang="en-US" dirty="0"/>
+          </a:p>
+          <a:p>
+            <a:pPr algn="ctr"/>
+            <a:endParaRPr lang="en-US" dirty="0"/>
+          </a:p>
+          <a:p>
+            <a:pPr algn="ctr"/>
+            <a:endParaRPr lang="en-US" dirty="0"/>
+          </a:p>
+        </p:txBody>
+      </p:sp>
+      <p:sp>
+        <p:nvSpPr>
+          <p:cNvPr id="3" name="Rounded Rectangle 2">
+            <a:extLst>
+              <a:ext uri="{FF2B5EF4-FFF2-40B4-BE49-F238E27FC236}">
+                <a16:creationId xmlns:a16="http://schemas.microsoft.com/office/drawing/2014/main" id="{05DB6D8A-3221-7DA8-1E79-069D8E16148C}"/>
+              </a:ext>
+            </a:extLst>
+          </p:cNvPr>
+          <p:cNvSpPr/>
+          <p:nvPr/>
+        </p:nvSpPr>
+        <p:spPr>
+          <a:xfrm>
+            <a:off x="701749" y="5284381"/>
+            <a:ext cx="1988288" cy="1212112"/>
+          </a:xfrm>
+          <a:prstGeom prst="roundRect">
+            <a:avLst/>
+          </a:prstGeom>
+        </p:spPr>
+        <p:style>
+          <a:lnRef idx="2">
+            <a:schemeClr val="accent1">
+              <a:shade val="15000"/>
+            </a:schemeClr>
+          </a:lnRef>
+          <a:fillRef idx="1">
+            <a:schemeClr val="accent1"/>
+          </a:fillRef>
+          <a:effectRef idx="0">
+            <a:schemeClr val="accent1"/>
+          </a:effectRef>
+          <a:fontRef idx="minor">
+            <a:schemeClr val="lt1"/>
+          </a:fontRef>
+        </p:style>
+        <p:txBody>
+          <a:bodyPr rtlCol="0" anchor="ctr"/>
+          <a:lstStyle/>
+          <a:p>
+            <a:pPr algn="ctr"/>
+            <a:r>
+              <a:rPr lang="en-US" dirty="0"/>
+              <a:t>One</a:t>
+            </a:r>
+          </a:p>
+        </p:txBody>
+      </p:sp>
+      <p:sp>
+        <p:nvSpPr>
+          <p:cNvPr id="4" name="Rounded Rectangle 3">
+            <a:extLst>
+              <a:ext uri="{FF2B5EF4-FFF2-40B4-BE49-F238E27FC236}">
+                <a16:creationId xmlns:a16="http://schemas.microsoft.com/office/drawing/2014/main" id="{9C357218-800C-816A-1E06-ADA325CEAEEE}"/>
+              </a:ext>
+            </a:extLst>
+          </p:cNvPr>
+          <p:cNvSpPr/>
+          <p:nvPr/>
+        </p:nvSpPr>
+        <p:spPr>
+          <a:xfrm>
+            <a:off x="1119963" y="3788735"/>
+            <a:ext cx="1988288" cy="1212112"/>
+          </a:xfrm>
+          <a:prstGeom prst="roundRect">
+            <a:avLst/>
+          </a:prstGeom>
+        </p:spPr>
+        <p:style>
+          <a:lnRef idx="2">
+            <a:schemeClr val="accent1">
+              <a:shade val="15000"/>
+            </a:schemeClr>
+          </a:lnRef>
+          <a:fillRef idx="1">
+            <a:schemeClr val="accent1"/>
+          </a:fillRef>
+          <a:effectRef idx="0">
+            <a:schemeClr val="accent1"/>
+          </a:effectRef>
+          <a:fontRef idx="minor">
+            <a:schemeClr val="lt1"/>
+          </a:fontRef>
+        </p:style>
+        <p:txBody>
+          <a:bodyPr rtlCol="0" anchor="ctr"/>
+          <a:lstStyle/>
+          <a:p>
+            <a:pPr algn="ctr"/>
+            <a:r>
+              <a:rPr lang="en-US" dirty="0" err="1"/>
+              <a:t>ExportModule</a:t>
+            </a:r>
+            <a:endParaRPr lang="en-US" dirty="0"/>
+          </a:p>
+        </p:txBody>
+      </p:sp>
+      <p:sp>
+        <p:nvSpPr>
+          <p:cNvPr id="5" name="Rounded Rectangle 4">
+            <a:extLst>
+              <a:ext uri="{FF2B5EF4-FFF2-40B4-BE49-F238E27FC236}">
+                <a16:creationId xmlns:a16="http://schemas.microsoft.com/office/drawing/2014/main" id="{0BE6BA67-6987-12A6-B5AD-9D3E749274F4}"/>
+              </a:ext>
+            </a:extLst>
+          </p:cNvPr>
+          <p:cNvSpPr/>
+          <p:nvPr/>
+        </p:nvSpPr>
+        <p:spPr>
+          <a:xfrm>
+            <a:off x="2580168" y="2216888"/>
+            <a:ext cx="1988288" cy="1212112"/>
+          </a:xfrm>
+          <a:prstGeom prst="roundRect">
+            <a:avLst/>
+          </a:prstGeom>
+        </p:spPr>
+        <p:style>
+          <a:lnRef idx="2">
+            <a:schemeClr val="accent1">
+              <a:shade val="15000"/>
+            </a:schemeClr>
+          </a:lnRef>
+          <a:fillRef idx="1">
+            <a:schemeClr val="accent1"/>
+          </a:fillRef>
+          <a:effectRef idx="0">
+            <a:schemeClr val="accent1"/>
+          </a:effectRef>
+          <a:fontRef idx="minor">
+            <a:schemeClr val="lt1"/>
+          </a:fontRef>
+        </p:style>
+        <p:txBody>
+          <a:bodyPr rtlCol="0" anchor="ctr"/>
+          <a:lstStyle/>
+          <a:p>
+            <a:pPr algn="ctr"/>
+            <a:r>
+              <a:rPr lang="en-US" dirty="0" err="1"/>
+              <a:t>ImportModule</a:t>
+            </a:r>
+            <a:endParaRPr lang="en-US" dirty="0"/>
+          </a:p>
+        </p:txBody>
+      </p:sp>
+      <p:cxnSp>
+        <p:nvCxnSpPr>
+          <p:cNvPr id="7" name="Elbow Connector 6">
+            <a:extLst>
+              <a:ext uri="{FF2B5EF4-FFF2-40B4-BE49-F238E27FC236}">
+                <a16:creationId xmlns:a16="http://schemas.microsoft.com/office/drawing/2014/main" id="{1CF473AA-EBBF-BC0A-1A7F-23C14967CF4F}"/>
+              </a:ext>
+            </a:extLst>
+          </p:cNvPr>
+          <p:cNvCxnSpPr>
+            <a:stCxn id="3" idx="3"/>
+            <a:endCxn id="4" idx="3"/>
+          </p:cNvCxnSpPr>
+          <p:nvPr/>
+        </p:nvCxnSpPr>
+        <p:spPr>
+          <a:xfrm flipV="1">
+            <a:off x="2690037" y="4394791"/>
+            <a:ext cx="418214" cy="1495646"/>
+          </a:xfrm>
+          <a:prstGeom prst="bentConnector3">
+            <a:avLst>
+              <a:gd name="adj1" fmla="val 154661"/>
+            </a:avLst>
+          </a:prstGeom>
+          <a:ln>
+            <a:tailEnd type="triangle"/>
+          </a:ln>
+        </p:spPr>
+        <p:style>
+          <a:lnRef idx="1">
+            <a:schemeClr val="accent1"/>
+          </a:lnRef>
+          <a:fillRef idx="0">
+            <a:schemeClr val="accent1"/>
+          </a:fillRef>
+          <a:effectRef idx="0">
+            <a:schemeClr val="accent1"/>
+          </a:effectRef>
+          <a:fontRef idx="minor">
+            <a:schemeClr val="tx1"/>
+          </a:fontRef>
+        </p:style>
+      </p:cxnSp>
+      <p:cxnSp>
+        <p:nvCxnSpPr>
+          <p:cNvPr id="9" name="Elbow Connector 8">
+            <a:extLst>
+              <a:ext uri="{FF2B5EF4-FFF2-40B4-BE49-F238E27FC236}">
+                <a16:creationId xmlns:a16="http://schemas.microsoft.com/office/drawing/2014/main" id="{4B7B72A7-8F4A-F4F7-BD48-05B4D628E42A}"/>
+              </a:ext>
+            </a:extLst>
+          </p:cNvPr>
+          <p:cNvCxnSpPr>
+            <a:endCxn id="5" idx="3"/>
+          </p:cNvCxnSpPr>
+          <p:nvPr/>
+        </p:nvCxnSpPr>
+        <p:spPr>
+          <a:xfrm rot="5400000" flipH="1" flipV="1">
+            <a:off x="3052430" y="2878766"/>
+            <a:ext cx="1571847" cy="1460205"/>
+          </a:xfrm>
+          <a:prstGeom prst="bentConnector4">
+            <a:avLst>
+              <a:gd name="adj1" fmla="val 30722"/>
+              <a:gd name="adj2" fmla="val 115655"/>
+            </a:avLst>
+          </a:prstGeom>
+          <a:ln>
+            <a:tailEnd type="triangle"/>
+          </a:ln>
+        </p:spPr>
+        <p:style>
+          <a:lnRef idx="1">
+            <a:schemeClr val="accent1"/>
+          </a:lnRef>
+          <a:fillRef idx="0">
+            <a:schemeClr val="accent1"/>
+          </a:fillRef>
+          <a:effectRef idx="0">
+            <a:schemeClr val="accent1"/>
+          </a:effectRef>
+          <a:fontRef idx="minor">
+            <a:schemeClr val="tx1"/>
+          </a:fontRef>
+        </p:style>
+      </p:cxnSp>
+      <p:sp>
+        <p:nvSpPr>
+          <p:cNvPr id="10" name="TextBox 9">
+            <a:extLst>
+              <a:ext uri="{FF2B5EF4-FFF2-40B4-BE49-F238E27FC236}">
+                <a16:creationId xmlns:a16="http://schemas.microsoft.com/office/drawing/2014/main" id="{8505D5B7-D889-E429-8B25-073E40815317}"/>
+              </a:ext>
+            </a:extLst>
+          </p:cNvPr>
+          <p:cNvSpPr txBox="1"/>
+          <p:nvPr/>
+        </p:nvSpPr>
+        <p:spPr>
+          <a:xfrm>
+            <a:off x="8516679" y="2062716"/>
+            <a:ext cx="2973572" cy="923330"/>
+          </a:xfrm>
+          <a:prstGeom prst="rect">
+            <a:avLst/>
+          </a:prstGeom>
+          <a:noFill/>
+        </p:spPr>
+        <p:txBody>
+          <a:bodyPr wrap="square" rtlCol="0">
+            <a:spAutoFit/>
+          </a:bodyPr>
+          <a:lstStyle/>
+          <a:p>
+            <a:r>
+              <a:rPr lang="en-US" dirty="0"/>
+              <a:t>The ‘one’ is always available for all modules those are  it same for </a:t>
+            </a:r>
+            <a:r>
+              <a:rPr lang="en-US" dirty="0" err="1"/>
+              <a:t>ExportModule</a:t>
+            </a:r>
+            <a:endParaRPr lang="en-US" dirty="0"/>
+          </a:p>
+        </p:txBody>
+      </p:sp>
+    </p:spTree>
+    <p:extLst>
+      <p:ext uri="{BB962C8B-B14F-4D97-AF65-F5344CB8AC3E}">
+        <p14:creationId xmlns:p14="http://schemas.microsoft.com/office/powerpoint/2010/main" val="1984063633"/>
+      </p:ext>
+    </p:extLst>
+  </p:cSld>
+  <p:clrMapOvr>
+    <a:masterClrMapping/>
+  </p:clrMapOvr>
+</p:sld>
+</file>
+
+<file path=ppt/slides/slide9.xml><?xml version="1.0" encoding="utf-8"?>
+<p:sld xmlns:a="http://schemas.openxmlformats.org/drawingml/2006/main" xmlns:r="http://schemas.openxmlformats.org/officeDocument/2006/relationships" xmlns:p="http://schemas.openxmlformats.org/presentationml/2006/main">
+  <p:cSld>
+    <p:spTree>
+      <p:nvGrpSpPr>
+        <p:cNvPr id="1" name=""/>
+        <p:cNvGrpSpPr/>
+        <p:nvPr/>
+      </p:nvGrpSpPr>
+      <p:grpSpPr>
+        <a:xfrm>
+          <a:off x="0" y="0"/>
+          <a:ext cx="0" cy="0"/>
+          <a:chOff x="0" y="0"/>
+          <a:chExt cx="0" cy="0"/>
+        </a:xfrm>
+      </p:grpSpPr>
+      <p:sp>
+        <p:nvSpPr>
+          <p:cNvPr id="2" name="Rectangle 1">
+            <a:extLst>
+              <a:ext uri="{FF2B5EF4-FFF2-40B4-BE49-F238E27FC236}">
+                <a16:creationId xmlns:a16="http://schemas.microsoft.com/office/drawing/2014/main" id="{8C3BDEB1-9206-FB4E-C7A7-E19F37B06AA7}"/>
+              </a:ext>
+            </a:extLst>
+          </p:cNvPr>
+          <p:cNvSpPr/>
+          <p:nvPr/>
+        </p:nvSpPr>
+        <p:spPr>
+          <a:xfrm>
+            <a:off x="691116" y="510363"/>
+            <a:ext cx="6783572" cy="6049925"/>
+          </a:xfrm>
+          <a:prstGeom prst="rect">
+            <a:avLst/>
+          </a:prstGeom>
+        </p:spPr>
+        <p:style>
+          <a:lnRef idx="2">
+            <a:schemeClr val="accent6"/>
+          </a:lnRef>
+          <a:fillRef idx="1">
+            <a:schemeClr val="lt1"/>
+          </a:fillRef>
+          <a:effectRef idx="0">
+            <a:schemeClr val="accent6"/>
+          </a:effectRef>
+          <a:fontRef idx="minor">
+            <a:schemeClr val="dk1"/>
+          </a:fontRef>
+        </p:style>
+        <p:txBody>
+          <a:bodyPr rtlCol="0" anchor="ctr"/>
+          <a:lstStyle/>
+          <a:p>
+            <a:pPr algn="ctr"/>
+            <a:endParaRPr lang="en-US"/>
+          </a:p>
+        </p:txBody>
+      </p:sp>
+      <p:sp>
+        <p:nvSpPr>
+          <p:cNvPr id="3" name="TextBox 2">
+            <a:extLst>
+              <a:ext uri="{FF2B5EF4-FFF2-40B4-BE49-F238E27FC236}">
+                <a16:creationId xmlns:a16="http://schemas.microsoft.com/office/drawing/2014/main" id="{BE47E67F-8B16-469B-59BA-BBDF371B8007}"/>
+              </a:ext>
+            </a:extLst>
+          </p:cNvPr>
+          <p:cNvSpPr txBox="1"/>
+          <p:nvPr/>
+        </p:nvSpPr>
+        <p:spPr>
+          <a:xfrm>
+            <a:off x="1127051" y="637953"/>
+            <a:ext cx="5295014" cy="369332"/>
+          </a:xfrm>
+          <a:prstGeom prst="rect">
+            <a:avLst/>
+          </a:prstGeom>
+          <a:noFill/>
+        </p:spPr>
+        <p:txBody>
+          <a:bodyPr wrap="square" rtlCol="0">
+            <a:spAutoFit/>
+          </a:bodyPr>
+          <a:lstStyle/>
+          <a:p>
+            <a:pPr algn="ctr"/>
+            <a:r>
+              <a:rPr lang="en-US" b="1" dirty="0"/>
+              <a:t>Browser</a:t>
+            </a:r>
+          </a:p>
+        </p:txBody>
+      </p:sp>
+      <p:sp>
+        <p:nvSpPr>
+          <p:cNvPr id="4" name="Down Arrow 3">
+            <a:extLst>
+              <a:ext uri="{FF2B5EF4-FFF2-40B4-BE49-F238E27FC236}">
+                <a16:creationId xmlns:a16="http://schemas.microsoft.com/office/drawing/2014/main" id="{9F4A0EF0-EC4D-95E5-D143-61CB7049086B}"/>
+              </a:ext>
+            </a:extLst>
+          </p:cNvPr>
+          <p:cNvSpPr/>
+          <p:nvPr/>
+        </p:nvSpPr>
+        <p:spPr>
+          <a:xfrm>
+            <a:off x="6751674" y="584791"/>
+            <a:ext cx="531628" cy="5688418"/>
+          </a:xfrm>
+          <a:prstGeom prst="downArrow">
+            <a:avLst/>
+          </a:prstGeom>
+        </p:spPr>
+        <p:style>
+          <a:lnRef idx="2">
+            <a:schemeClr val="accent1">
+              <a:shade val="15000"/>
+            </a:schemeClr>
+          </a:lnRef>
+          <a:fillRef idx="1">
+            <a:schemeClr val="accent1"/>
+          </a:fillRef>
+          <a:effectRef idx="0">
+            <a:schemeClr val="accent1"/>
+          </a:effectRef>
+          <a:fontRef idx="minor">
+            <a:schemeClr val="lt1"/>
+          </a:fontRef>
+        </p:style>
+        <p:txBody>
+          <a:bodyPr rtlCol="0" anchor="ctr"/>
+          <a:lstStyle/>
+          <a:p>
+            <a:pPr algn="ctr"/>
+            <a:r>
+              <a:rPr lang="en-US" dirty="0"/>
+              <a:t>U</a:t>
+            </a:r>
+          </a:p>
+          <a:p>
+            <a:pPr algn="ctr"/>
+            <a:r>
+              <a:rPr lang="en-US" dirty="0"/>
+              <a:t>I</a:t>
+            </a:r>
+          </a:p>
+          <a:p>
+            <a:pPr algn="ctr"/>
+            <a:endParaRPr lang="en-US" dirty="0"/>
+          </a:p>
+          <a:p>
+            <a:pPr algn="ctr"/>
+            <a:r>
+              <a:rPr lang="en-US" dirty="0"/>
+              <a:t>T</a:t>
+            </a:r>
+          </a:p>
+          <a:p>
+            <a:pPr algn="ctr"/>
+            <a:r>
+              <a:rPr lang="en-US" dirty="0"/>
+              <a:t>H</a:t>
+            </a:r>
+          </a:p>
+          <a:p>
+            <a:pPr algn="ctr"/>
+            <a:r>
+              <a:rPr lang="en-US" dirty="0"/>
+              <a:t>R</a:t>
+            </a:r>
+          </a:p>
+          <a:p>
+            <a:pPr algn="ctr"/>
+            <a:r>
+              <a:rPr lang="en-US" dirty="0"/>
+              <a:t>E</a:t>
+            </a:r>
+          </a:p>
+          <a:p>
+            <a:pPr algn="ctr"/>
+            <a:r>
+              <a:rPr lang="en-US" dirty="0"/>
+              <a:t>A</a:t>
+            </a:r>
+          </a:p>
+          <a:p>
+            <a:pPr algn="ctr"/>
+            <a:r>
+              <a:rPr lang="en-US" dirty="0"/>
+              <a:t>D</a:t>
+            </a:r>
+          </a:p>
+        </p:txBody>
+      </p:sp>
+      <p:sp>
+        <p:nvSpPr>
+          <p:cNvPr id="5" name="Rectangle 4">
+            <a:extLst>
+              <a:ext uri="{FF2B5EF4-FFF2-40B4-BE49-F238E27FC236}">
+                <a16:creationId xmlns:a16="http://schemas.microsoft.com/office/drawing/2014/main" id="{D1D2A825-4129-BC1B-7694-4C40D40EF32F}"/>
+              </a:ext>
+            </a:extLst>
+          </p:cNvPr>
+          <p:cNvSpPr/>
+          <p:nvPr/>
+        </p:nvSpPr>
+        <p:spPr>
+          <a:xfrm>
+            <a:off x="1435395" y="1265274"/>
+            <a:ext cx="1382233" cy="1052624"/>
+          </a:xfrm>
+          <a:prstGeom prst="rect">
+            <a:avLst/>
+          </a:prstGeom>
+        </p:spPr>
+        <p:style>
+          <a:lnRef idx="2">
+            <a:schemeClr val="accent1">
+              <a:shade val="15000"/>
+            </a:schemeClr>
+          </a:lnRef>
+          <a:fillRef idx="1">
+            <a:schemeClr val="accent1"/>
+          </a:fillRef>
+          <a:effectRef idx="0">
+            <a:schemeClr val="accent1"/>
+          </a:effectRef>
+          <a:fontRef idx="minor">
+            <a:schemeClr val="lt1"/>
+          </a:fontRef>
+        </p:style>
+        <p:txBody>
+          <a:bodyPr rtlCol="0" anchor="ctr"/>
+          <a:lstStyle/>
+          <a:p>
+            <a:pPr algn="ctr"/>
+            <a:endParaRPr lang="en-US"/>
+          </a:p>
+        </p:txBody>
+      </p:sp>
+      <p:sp>
+        <p:nvSpPr>
+          <p:cNvPr id="6" name="Rectangle 5">
+            <a:extLst>
+              <a:ext uri="{FF2B5EF4-FFF2-40B4-BE49-F238E27FC236}">
+                <a16:creationId xmlns:a16="http://schemas.microsoft.com/office/drawing/2014/main" id="{53C1C113-6356-4362-C4AD-E3C8717881A4}"/>
+              </a:ext>
+            </a:extLst>
+          </p:cNvPr>
+          <p:cNvSpPr/>
+          <p:nvPr/>
+        </p:nvSpPr>
+        <p:spPr>
+          <a:xfrm>
+            <a:off x="2597888" y="2860157"/>
+            <a:ext cx="1382233" cy="1052624"/>
+          </a:xfrm>
+          <a:prstGeom prst="rect">
+            <a:avLst/>
+          </a:prstGeom>
+        </p:spPr>
+        <p:style>
+          <a:lnRef idx="2">
+            <a:schemeClr val="accent1">
+              <a:shade val="15000"/>
+            </a:schemeClr>
+          </a:lnRef>
+          <a:fillRef idx="1">
+            <a:schemeClr val="accent1"/>
+          </a:fillRef>
+          <a:effectRef idx="0">
+            <a:schemeClr val="accent1"/>
+          </a:effectRef>
+          <a:fontRef idx="minor">
+            <a:schemeClr val="lt1"/>
+          </a:fontRef>
+        </p:style>
+        <p:txBody>
+          <a:bodyPr rtlCol="0" anchor="ctr"/>
+          <a:lstStyle/>
+          <a:p>
+            <a:pPr algn="ctr"/>
+            <a:endParaRPr lang="en-US"/>
+          </a:p>
+        </p:txBody>
+      </p:sp>
+      <p:sp>
+        <p:nvSpPr>
+          <p:cNvPr id="7" name="Rectangle 6">
+            <a:extLst>
+              <a:ext uri="{FF2B5EF4-FFF2-40B4-BE49-F238E27FC236}">
+                <a16:creationId xmlns:a16="http://schemas.microsoft.com/office/drawing/2014/main" id="{C24B52F6-C8BA-568A-7DD0-C753EAA5B358}"/>
+              </a:ext>
+            </a:extLst>
+          </p:cNvPr>
+          <p:cNvSpPr/>
+          <p:nvPr/>
+        </p:nvSpPr>
+        <p:spPr>
+          <a:xfrm>
+            <a:off x="4206948" y="1368790"/>
+            <a:ext cx="1382233" cy="1052624"/>
+          </a:xfrm>
+          <a:prstGeom prst="rect">
+            <a:avLst/>
+          </a:prstGeom>
+        </p:spPr>
+        <p:style>
+          <a:lnRef idx="2">
+            <a:schemeClr val="accent1">
+              <a:shade val="15000"/>
+            </a:schemeClr>
+          </a:lnRef>
+          <a:fillRef idx="1">
+            <a:schemeClr val="accent1"/>
+          </a:fillRef>
+          <a:effectRef idx="0">
+            <a:schemeClr val="accent1"/>
+          </a:effectRef>
+          <a:fontRef idx="minor">
+            <a:schemeClr val="lt1"/>
+          </a:fontRef>
+        </p:style>
+        <p:txBody>
+          <a:bodyPr rtlCol="0" anchor="ctr"/>
+          <a:lstStyle/>
+          <a:p>
+            <a:pPr algn="ctr"/>
+            <a:endParaRPr lang="en-US"/>
+          </a:p>
+        </p:txBody>
+      </p:sp>
+      <p:sp>
+        <p:nvSpPr>
+          <p:cNvPr id="8" name="Rectangle 7">
+            <a:extLst>
+              <a:ext uri="{FF2B5EF4-FFF2-40B4-BE49-F238E27FC236}">
+                <a16:creationId xmlns:a16="http://schemas.microsoft.com/office/drawing/2014/main" id="{C54DB98A-5B49-8B1B-B46F-C5D33DFAD779}"/>
+              </a:ext>
+            </a:extLst>
+          </p:cNvPr>
+          <p:cNvSpPr/>
+          <p:nvPr/>
+        </p:nvSpPr>
+        <p:spPr>
+          <a:xfrm>
+            <a:off x="4451497" y="3817822"/>
+            <a:ext cx="1382233" cy="1052624"/>
+          </a:xfrm>
+          <a:prstGeom prst="rect">
+            <a:avLst/>
+          </a:prstGeom>
+        </p:spPr>
+        <p:style>
+          <a:lnRef idx="2">
+            <a:schemeClr val="accent1">
+              <a:shade val="15000"/>
+            </a:schemeClr>
+          </a:lnRef>
+          <a:fillRef idx="1">
+            <a:schemeClr val="accent1"/>
+          </a:fillRef>
+          <a:effectRef idx="0">
+            <a:schemeClr val="accent1"/>
+          </a:effectRef>
+          <a:fontRef idx="minor">
+            <a:schemeClr val="lt1"/>
+          </a:fontRef>
+        </p:style>
+        <p:txBody>
+          <a:bodyPr rtlCol="0" anchor="ctr"/>
+          <a:lstStyle/>
+          <a:p>
+            <a:pPr algn="ctr"/>
+            <a:endParaRPr lang="en-US"/>
+          </a:p>
+        </p:txBody>
+      </p:sp>
+      <p:sp>
+        <p:nvSpPr>
+          <p:cNvPr id="9" name="Rectangle 8">
+            <a:extLst>
+              <a:ext uri="{FF2B5EF4-FFF2-40B4-BE49-F238E27FC236}">
+                <a16:creationId xmlns:a16="http://schemas.microsoft.com/office/drawing/2014/main" id="{EF6B08D1-4BC8-3E88-2C82-5704DAB82F39}"/>
+              </a:ext>
+            </a:extLst>
+          </p:cNvPr>
+          <p:cNvSpPr/>
+          <p:nvPr/>
+        </p:nvSpPr>
+        <p:spPr>
+          <a:xfrm>
+            <a:off x="1091609" y="4540103"/>
+            <a:ext cx="1382233" cy="1052624"/>
+          </a:xfrm>
+          <a:prstGeom prst="rect">
+            <a:avLst/>
+          </a:prstGeom>
+        </p:spPr>
+        <p:style>
+          <a:lnRef idx="2">
+            <a:schemeClr val="accent1">
+              <a:shade val="15000"/>
+            </a:schemeClr>
+          </a:lnRef>
+          <a:fillRef idx="1">
+            <a:schemeClr val="accent1"/>
+          </a:fillRef>
+          <a:effectRef idx="0">
+            <a:schemeClr val="accent1"/>
+          </a:effectRef>
+          <a:fontRef idx="minor">
+            <a:schemeClr val="lt1"/>
+          </a:fontRef>
+        </p:style>
+        <p:txBody>
+          <a:bodyPr rtlCol="0" anchor="ctr"/>
+          <a:lstStyle/>
+          <a:p>
+            <a:pPr algn="ctr"/>
+            <a:endParaRPr lang="en-US"/>
+          </a:p>
+        </p:txBody>
+      </p:sp>
+      <p:sp>
+        <p:nvSpPr>
+          <p:cNvPr id="10" name="Rectangle 9">
+            <a:extLst>
+              <a:ext uri="{FF2B5EF4-FFF2-40B4-BE49-F238E27FC236}">
+                <a16:creationId xmlns:a16="http://schemas.microsoft.com/office/drawing/2014/main" id="{85E243BB-1B5C-BCD6-C6BF-49B451FE938A}"/>
+              </a:ext>
+            </a:extLst>
+          </p:cNvPr>
+          <p:cNvSpPr/>
+          <p:nvPr/>
+        </p:nvSpPr>
+        <p:spPr>
+          <a:xfrm>
+            <a:off x="3030279" y="5066415"/>
+            <a:ext cx="1382233" cy="1052624"/>
+          </a:xfrm>
+          <a:prstGeom prst="rect">
+            <a:avLst/>
+          </a:prstGeom>
+        </p:spPr>
+        <p:style>
+          <a:lnRef idx="2">
+            <a:schemeClr val="accent1">
+              <a:shade val="15000"/>
+            </a:schemeClr>
+          </a:lnRef>
+          <a:fillRef idx="1">
+            <a:schemeClr val="accent1"/>
+          </a:fillRef>
+          <a:effectRef idx="0">
+            <a:schemeClr val="accent1"/>
+          </a:effectRef>
+          <a:fontRef idx="minor">
+            <a:schemeClr val="lt1"/>
+          </a:fontRef>
+        </p:style>
+        <p:txBody>
+          <a:bodyPr rtlCol="0" anchor="ctr"/>
+          <a:lstStyle/>
+          <a:p>
+            <a:pPr algn="ctr"/>
+            <a:endParaRPr lang="en-US"/>
+          </a:p>
+        </p:txBody>
+      </p:sp>
+      <p:sp>
+        <p:nvSpPr>
+          <p:cNvPr id="11" name="Right Arrow 10">
+            <a:extLst>
+              <a:ext uri="{FF2B5EF4-FFF2-40B4-BE49-F238E27FC236}">
+                <a16:creationId xmlns:a16="http://schemas.microsoft.com/office/drawing/2014/main" id="{0ACDB8FE-FA9D-D0F1-3585-C37B4E9C54A7}"/>
+              </a:ext>
+            </a:extLst>
+          </p:cNvPr>
+          <p:cNvSpPr/>
+          <p:nvPr/>
+        </p:nvSpPr>
+        <p:spPr>
+          <a:xfrm>
+            <a:off x="7283302" y="1407409"/>
+            <a:ext cx="3817089" cy="839973"/>
+          </a:xfrm>
+          <a:prstGeom prst="rightArrow">
+            <a:avLst/>
+          </a:prstGeom>
+        </p:spPr>
+        <p:style>
+          <a:lnRef idx="2">
+            <a:schemeClr val="accent1">
+              <a:shade val="15000"/>
+            </a:schemeClr>
+          </a:lnRef>
+          <a:fillRef idx="1">
+            <a:schemeClr val="accent1"/>
+          </a:fillRef>
+          <a:effectRef idx="0">
+            <a:schemeClr val="accent1"/>
+          </a:effectRef>
+          <a:fontRef idx="minor">
+            <a:schemeClr val="lt1"/>
+          </a:fontRef>
+        </p:style>
+        <p:txBody>
+          <a:bodyPr rtlCol="0" anchor="ctr"/>
+          <a:lstStyle/>
+          <a:p>
+            <a:pPr algn="ctr"/>
+            <a:r>
+              <a:rPr lang="en-US" dirty="0"/>
+              <a:t>Outgoing Call for Data</a:t>
+            </a:r>
+          </a:p>
+        </p:txBody>
+      </p:sp>
+      <p:sp>
+        <p:nvSpPr>
+          <p:cNvPr id="12" name="Left Arrow 11">
+            <a:extLst>
+              <a:ext uri="{FF2B5EF4-FFF2-40B4-BE49-F238E27FC236}">
+                <a16:creationId xmlns:a16="http://schemas.microsoft.com/office/drawing/2014/main" id="{468DCEA9-97B0-3401-F76E-03B2C2FFF7FC}"/>
+              </a:ext>
+            </a:extLst>
+          </p:cNvPr>
+          <p:cNvSpPr/>
+          <p:nvPr/>
+        </p:nvSpPr>
+        <p:spPr>
+          <a:xfrm>
+            <a:off x="7283302" y="4231758"/>
+            <a:ext cx="3817089" cy="834657"/>
+          </a:xfrm>
+          <a:prstGeom prst="leftArrow">
+            <a:avLst/>
+          </a:prstGeom>
+        </p:spPr>
+        <p:style>
+          <a:lnRef idx="2">
+            <a:schemeClr val="accent1">
+              <a:shade val="15000"/>
+            </a:schemeClr>
+          </a:lnRef>
+          <a:fillRef idx="1">
+            <a:schemeClr val="accent1"/>
+          </a:fillRef>
+          <a:effectRef idx="0">
+            <a:schemeClr val="accent1"/>
+          </a:effectRef>
+          <a:fontRef idx="minor">
+            <a:schemeClr val="lt1"/>
+          </a:fontRef>
+        </p:style>
+        <p:txBody>
+          <a:bodyPr rtlCol="0" anchor="ctr"/>
+          <a:lstStyle/>
+          <a:p>
+            <a:pPr algn="ctr"/>
+            <a:r>
+              <a:rPr lang="en-US" dirty="0"/>
+              <a:t>Incoming Data for UI Updates </a:t>
+            </a:r>
+          </a:p>
+        </p:txBody>
+      </p:sp>
+    </p:spTree>
+    <p:extLst>
+      <p:ext uri="{BB962C8B-B14F-4D97-AF65-F5344CB8AC3E}">
+        <p14:creationId xmlns:p14="http://schemas.microsoft.com/office/powerpoint/2010/main" val="3530781278"/>
       </p:ext>
     </p:extLst>
   </p:cSld>

--- a/TRaining_Im agesa.pptx
+++ b/TRaining_Im agesa.pptx
@@ -18,6 +18,8 @@
     <p:sldId id="266" r:id="rId12"/>
     <p:sldId id="267" r:id="rId13"/>
     <p:sldId id="268" r:id="rId14"/>
+    <p:sldId id="269" r:id="rId15"/>
+    <p:sldId id="270" r:id="rId16"/>
   </p:sldIdLst>
   <p:sldSz cx="12192000" cy="6858000"/>
   <p:notesSz cx="6858000" cy="9144000"/>
@@ -273,7 +275,7 @@
           <a:p>
             <a:fld id="{92C4A187-6951-384C-99DD-87EA4A8F957F}" type="datetimeFigureOut">
               <a:rPr lang="en-US" smtClean="0"/>
-              <a:t>8/2/23</a:t>
+              <a:t>8/3/23</a:t>
             </a:fld>
             <a:endParaRPr lang="en-US"/>
           </a:p>
@@ -473,7 +475,7 @@
           <a:p>
             <a:fld id="{92C4A187-6951-384C-99DD-87EA4A8F957F}" type="datetimeFigureOut">
               <a:rPr lang="en-US" smtClean="0"/>
-              <a:t>8/2/23</a:t>
+              <a:t>8/3/23</a:t>
             </a:fld>
             <a:endParaRPr lang="en-US"/>
           </a:p>
@@ -683,7 +685,7 @@
           <a:p>
             <a:fld id="{92C4A187-6951-384C-99DD-87EA4A8F957F}" type="datetimeFigureOut">
               <a:rPr lang="en-US" smtClean="0"/>
-              <a:t>8/2/23</a:t>
+              <a:t>8/3/23</a:t>
             </a:fld>
             <a:endParaRPr lang="en-US"/>
           </a:p>
@@ -883,7 +885,7 @@
           <a:p>
             <a:fld id="{92C4A187-6951-384C-99DD-87EA4A8F957F}" type="datetimeFigureOut">
               <a:rPr lang="en-US" smtClean="0"/>
-              <a:t>8/2/23</a:t>
+              <a:t>8/3/23</a:t>
             </a:fld>
             <a:endParaRPr lang="en-US"/>
           </a:p>
@@ -1159,7 +1161,7 @@
           <a:p>
             <a:fld id="{92C4A187-6951-384C-99DD-87EA4A8F957F}" type="datetimeFigureOut">
               <a:rPr lang="en-US" smtClean="0"/>
-              <a:t>8/2/23</a:t>
+              <a:t>8/3/23</a:t>
             </a:fld>
             <a:endParaRPr lang="en-US"/>
           </a:p>
@@ -1427,7 +1429,7 @@
           <a:p>
             <a:fld id="{92C4A187-6951-384C-99DD-87EA4A8F957F}" type="datetimeFigureOut">
               <a:rPr lang="en-US" smtClean="0"/>
-              <a:t>8/2/23</a:t>
+              <a:t>8/3/23</a:t>
             </a:fld>
             <a:endParaRPr lang="en-US"/>
           </a:p>
@@ -1842,7 +1844,7 @@
           <a:p>
             <a:fld id="{92C4A187-6951-384C-99DD-87EA4A8F957F}" type="datetimeFigureOut">
               <a:rPr lang="en-US" smtClean="0"/>
-              <a:t>8/2/23</a:t>
+              <a:t>8/3/23</a:t>
             </a:fld>
             <a:endParaRPr lang="en-US"/>
           </a:p>
@@ -1984,7 +1986,7 @@
           <a:p>
             <a:fld id="{92C4A187-6951-384C-99DD-87EA4A8F957F}" type="datetimeFigureOut">
               <a:rPr lang="en-US" smtClean="0"/>
-              <a:t>8/2/23</a:t>
+              <a:t>8/3/23</a:t>
             </a:fld>
             <a:endParaRPr lang="en-US"/>
           </a:p>
@@ -2097,7 +2099,7 @@
           <a:p>
             <a:fld id="{92C4A187-6951-384C-99DD-87EA4A8F957F}" type="datetimeFigureOut">
               <a:rPr lang="en-US" smtClean="0"/>
-              <a:t>8/2/23</a:t>
+              <a:t>8/3/23</a:t>
             </a:fld>
             <a:endParaRPr lang="en-US"/>
           </a:p>
@@ -2410,7 +2412,7 @@
           <a:p>
             <a:fld id="{92C4A187-6951-384C-99DD-87EA4A8F957F}" type="datetimeFigureOut">
               <a:rPr lang="en-US" smtClean="0"/>
-              <a:t>8/2/23</a:t>
+              <a:t>8/3/23</a:t>
             </a:fld>
             <a:endParaRPr lang="en-US"/>
           </a:p>
@@ -2699,7 +2701,7 @@
           <a:p>
             <a:fld id="{92C4A187-6951-384C-99DD-87EA4A8F957F}" type="datetimeFigureOut">
               <a:rPr lang="en-US" smtClean="0"/>
-              <a:t>8/2/23</a:t>
+              <a:t>8/3/23</a:t>
             </a:fld>
             <a:endParaRPr lang="en-US"/>
           </a:p>
@@ -2942,7 +2944,7 @@
           <a:p>
             <a:fld id="{92C4A187-6951-384C-99DD-87EA4A8F957F}" type="datetimeFigureOut">
               <a:rPr lang="en-US" smtClean="0"/>
-              <a:t>8/2/23</a:t>
+              <a:t>8/3/23</a:t>
             </a:fld>
             <a:endParaRPr lang="en-US"/>
           </a:p>
@@ -6221,6 +6223,989 @@
 </p:sld>
 </file>
 
+<file path=ppt/slides/slide14.xml><?xml version="1.0" encoding="utf-8"?>
+<p:sld xmlns:a="http://schemas.openxmlformats.org/drawingml/2006/main" xmlns:r="http://schemas.openxmlformats.org/officeDocument/2006/relationships" xmlns:p="http://schemas.openxmlformats.org/presentationml/2006/main">
+  <p:cSld>
+    <p:spTree>
+      <p:nvGrpSpPr>
+        <p:cNvPr id="1" name=""/>
+        <p:cNvGrpSpPr/>
+        <p:nvPr/>
+      </p:nvGrpSpPr>
+      <p:grpSpPr>
+        <a:xfrm>
+          <a:off x="0" y="0"/>
+          <a:ext cx="0" cy="0"/>
+          <a:chOff x="0" y="0"/>
+          <a:chExt cx="0" cy="0"/>
+        </a:xfrm>
+      </p:grpSpPr>
+      <p:sp>
+        <p:nvSpPr>
+          <p:cNvPr id="2" name="Rectangle 1">
+            <a:extLst>
+              <a:ext uri="{FF2B5EF4-FFF2-40B4-BE49-F238E27FC236}">
+                <a16:creationId xmlns:a16="http://schemas.microsoft.com/office/drawing/2014/main" id="{E8C738AB-9C36-0C38-51AE-214EE47A898A}"/>
+              </a:ext>
+            </a:extLst>
+          </p:cNvPr>
+          <p:cNvSpPr/>
+          <p:nvPr/>
+        </p:nvSpPr>
+        <p:spPr>
+          <a:xfrm>
+            <a:off x="361507" y="350874"/>
+            <a:ext cx="11568223" cy="6326373"/>
+          </a:xfrm>
+          <a:prstGeom prst="rect">
+            <a:avLst/>
+          </a:prstGeom>
+        </p:spPr>
+        <p:style>
+          <a:lnRef idx="2">
+            <a:schemeClr val="accent6"/>
+          </a:lnRef>
+          <a:fillRef idx="1">
+            <a:schemeClr val="lt1"/>
+          </a:fillRef>
+          <a:effectRef idx="0">
+            <a:schemeClr val="accent6"/>
+          </a:effectRef>
+          <a:fontRef idx="minor">
+            <a:schemeClr val="dk1"/>
+          </a:fontRef>
+        </p:style>
+        <p:txBody>
+          <a:bodyPr rtlCol="0" anchor="ctr"/>
+          <a:lstStyle/>
+          <a:p>
+            <a:pPr algn="ctr"/>
+            <a:endParaRPr lang="en-US"/>
+          </a:p>
+        </p:txBody>
+      </p:sp>
+      <p:sp>
+        <p:nvSpPr>
+          <p:cNvPr id="3" name="TextBox 2">
+            <a:extLst>
+              <a:ext uri="{FF2B5EF4-FFF2-40B4-BE49-F238E27FC236}">
+                <a16:creationId xmlns:a16="http://schemas.microsoft.com/office/drawing/2014/main" id="{F8656561-55C0-104B-CE80-8966DE6481BD}"/>
+              </a:ext>
+            </a:extLst>
+          </p:cNvPr>
+          <p:cNvSpPr txBox="1"/>
+          <p:nvPr/>
+        </p:nvSpPr>
+        <p:spPr>
+          <a:xfrm>
+            <a:off x="563526" y="499730"/>
+            <a:ext cx="3508744" cy="369332"/>
+          </a:xfrm>
+          <a:prstGeom prst="rect">
+            <a:avLst/>
+          </a:prstGeom>
+          <a:noFill/>
+        </p:spPr>
+        <p:txBody>
+          <a:bodyPr wrap="square" rtlCol="0">
+            <a:spAutoFit/>
+          </a:bodyPr>
+          <a:lstStyle/>
+          <a:p>
+            <a:r>
+              <a:rPr lang="en-US" dirty="0"/>
+              <a:t>Parent/Container Component</a:t>
+            </a:r>
+          </a:p>
+        </p:txBody>
+      </p:sp>
+      <p:sp>
+        <p:nvSpPr>
+          <p:cNvPr id="4" name="Rectangle 3">
+            <a:extLst>
+              <a:ext uri="{FF2B5EF4-FFF2-40B4-BE49-F238E27FC236}">
+                <a16:creationId xmlns:a16="http://schemas.microsoft.com/office/drawing/2014/main" id="{5EF5E026-AC95-ACC6-4A88-86ED7F81DD1A}"/>
+              </a:ext>
+            </a:extLst>
+          </p:cNvPr>
+          <p:cNvSpPr/>
+          <p:nvPr/>
+        </p:nvSpPr>
+        <p:spPr>
+          <a:xfrm>
+            <a:off x="520995" y="1222744"/>
+            <a:ext cx="1956391" cy="1924493"/>
+          </a:xfrm>
+          <a:prstGeom prst="rect">
+            <a:avLst/>
+          </a:prstGeom>
+        </p:spPr>
+        <p:style>
+          <a:lnRef idx="2">
+            <a:schemeClr val="accent1">
+              <a:shade val="15000"/>
+            </a:schemeClr>
+          </a:lnRef>
+          <a:fillRef idx="1">
+            <a:schemeClr val="accent1"/>
+          </a:fillRef>
+          <a:effectRef idx="0">
+            <a:schemeClr val="accent1"/>
+          </a:effectRef>
+          <a:fontRef idx="minor">
+            <a:schemeClr val="lt1"/>
+          </a:fontRef>
+        </p:style>
+        <p:txBody>
+          <a:bodyPr rtlCol="0" anchor="ctr"/>
+          <a:lstStyle/>
+          <a:p>
+            <a:pPr algn="ctr"/>
+            <a:endParaRPr lang="en-US"/>
+          </a:p>
+        </p:txBody>
+      </p:sp>
+      <p:sp>
+        <p:nvSpPr>
+          <p:cNvPr id="5" name="Rectangle 4">
+            <a:extLst>
+              <a:ext uri="{FF2B5EF4-FFF2-40B4-BE49-F238E27FC236}">
+                <a16:creationId xmlns:a16="http://schemas.microsoft.com/office/drawing/2014/main" id="{2FC76B27-784C-A9AA-6EDB-528EDC2C0EA1}"/>
+              </a:ext>
+            </a:extLst>
+          </p:cNvPr>
+          <p:cNvSpPr/>
+          <p:nvPr/>
+        </p:nvSpPr>
+        <p:spPr>
+          <a:xfrm>
+            <a:off x="3094074" y="1222744"/>
+            <a:ext cx="1956391" cy="1924493"/>
+          </a:xfrm>
+          <a:prstGeom prst="rect">
+            <a:avLst/>
+          </a:prstGeom>
+        </p:spPr>
+        <p:style>
+          <a:lnRef idx="2">
+            <a:schemeClr val="accent1">
+              <a:shade val="15000"/>
+            </a:schemeClr>
+          </a:lnRef>
+          <a:fillRef idx="1">
+            <a:schemeClr val="accent1"/>
+          </a:fillRef>
+          <a:effectRef idx="0">
+            <a:schemeClr val="accent1"/>
+          </a:effectRef>
+          <a:fontRef idx="minor">
+            <a:schemeClr val="lt1"/>
+          </a:fontRef>
+        </p:style>
+        <p:txBody>
+          <a:bodyPr rtlCol="0" anchor="ctr"/>
+          <a:lstStyle/>
+          <a:p>
+            <a:pPr algn="ctr"/>
+            <a:endParaRPr lang="en-US"/>
+          </a:p>
+        </p:txBody>
+      </p:sp>
+      <p:sp>
+        <p:nvSpPr>
+          <p:cNvPr id="6" name="Rectangle 5">
+            <a:extLst>
+              <a:ext uri="{FF2B5EF4-FFF2-40B4-BE49-F238E27FC236}">
+                <a16:creationId xmlns:a16="http://schemas.microsoft.com/office/drawing/2014/main" id="{9CAAD188-DAD0-AAA5-F700-1121CE1A004D}"/>
+              </a:ext>
+            </a:extLst>
+          </p:cNvPr>
+          <p:cNvSpPr/>
+          <p:nvPr/>
+        </p:nvSpPr>
+        <p:spPr>
+          <a:xfrm>
+            <a:off x="5443869" y="1222744"/>
+            <a:ext cx="1956391" cy="1924493"/>
+          </a:xfrm>
+          <a:prstGeom prst="rect">
+            <a:avLst/>
+          </a:prstGeom>
+        </p:spPr>
+        <p:style>
+          <a:lnRef idx="2">
+            <a:schemeClr val="accent1">
+              <a:shade val="15000"/>
+            </a:schemeClr>
+          </a:lnRef>
+          <a:fillRef idx="1">
+            <a:schemeClr val="accent1"/>
+          </a:fillRef>
+          <a:effectRef idx="0">
+            <a:schemeClr val="accent1"/>
+          </a:effectRef>
+          <a:fontRef idx="minor">
+            <a:schemeClr val="lt1"/>
+          </a:fontRef>
+        </p:style>
+        <p:txBody>
+          <a:bodyPr rtlCol="0" anchor="ctr"/>
+          <a:lstStyle/>
+          <a:p>
+            <a:pPr algn="ctr"/>
+            <a:endParaRPr lang="en-US"/>
+          </a:p>
+        </p:txBody>
+      </p:sp>
+      <p:sp>
+        <p:nvSpPr>
+          <p:cNvPr id="7" name="Rectangle 6">
+            <a:extLst>
+              <a:ext uri="{FF2B5EF4-FFF2-40B4-BE49-F238E27FC236}">
+                <a16:creationId xmlns:a16="http://schemas.microsoft.com/office/drawing/2014/main" id="{B320A64E-E25D-41FE-E442-BDFE3F1AF343}"/>
+              </a:ext>
+            </a:extLst>
+          </p:cNvPr>
+          <p:cNvSpPr/>
+          <p:nvPr/>
+        </p:nvSpPr>
+        <p:spPr>
+          <a:xfrm>
+            <a:off x="8016948" y="1222744"/>
+            <a:ext cx="1956391" cy="1924493"/>
+          </a:xfrm>
+          <a:prstGeom prst="rect">
+            <a:avLst/>
+          </a:prstGeom>
+        </p:spPr>
+        <p:style>
+          <a:lnRef idx="2">
+            <a:schemeClr val="accent1">
+              <a:shade val="15000"/>
+            </a:schemeClr>
+          </a:lnRef>
+          <a:fillRef idx="1">
+            <a:schemeClr val="accent1"/>
+          </a:fillRef>
+          <a:effectRef idx="0">
+            <a:schemeClr val="accent1"/>
+          </a:effectRef>
+          <a:fontRef idx="minor">
+            <a:schemeClr val="lt1"/>
+          </a:fontRef>
+        </p:style>
+        <p:txBody>
+          <a:bodyPr rtlCol="0" anchor="ctr"/>
+          <a:lstStyle/>
+          <a:p>
+            <a:pPr algn="ctr"/>
+            <a:endParaRPr lang="en-US"/>
+          </a:p>
+        </p:txBody>
+      </p:sp>
+      <p:sp>
+        <p:nvSpPr>
+          <p:cNvPr id="8" name="Rectangle 7">
+            <a:extLst>
+              <a:ext uri="{FF2B5EF4-FFF2-40B4-BE49-F238E27FC236}">
+                <a16:creationId xmlns:a16="http://schemas.microsoft.com/office/drawing/2014/main" id="{06B95851-C447-0842-0E17-E173B4AE461A}"/>
+              </a:ext>
+            </a:extLst>
+          </p:cNvPr>
+          <p:cNvSpPr/>
+          <p:nvPr/>
+        </p:nvSpPr>
+        <p:spPr>
+          <a:xfrm>
+            <a:off x="520995" y="3710764"/>
+            <a:ext cx="1956391" cy="1924493"/>
+          </a:xfrm>
+          <a:prstGeom prst="rect">
+            <a:avLst/>
+          </a:prstGeom>
+        </p:spPr>
+        <p:style>
+          <a:lnRef idx="2">
+            <a:schemeClr val="accent1">
+              <a:shade val="15000"/>
+            </a:schemeClr>
+          </a:lnRef>
+          <a:fillRef idx="1">
+            <a:schemeClr val="accent1"/>
+          </a:fillRef>
+          <a:effectRef idx="0">
+            <a:schemeClr val="accent1"/>
+          </a:effectRef>
+          <a:fontRef idx="minor">
+            <a:schemeClr val="lt1"/>
+          </a:fontRef>
+        </p:style>
+        <p:txBody>
+          <a:bodyPr rtlCol="0" anchor="ctr"/>
+          <a:lstStyle/>
+          <a:p>
+            <a:pPr algn="ctr"/>
+            <a:endParaRPr lang="en-US"/>
+          </a:p>
+        </p:txBody>
+      </p:sp>
+      <p:sp>
+        <p:nvSpPr>
+          <p:cNvPr id="9" name="Rectangle 8">
+            <a:extLst>
+              <a:ext uri="{FF2B5EF4-FFF2-40B4-BE49-F238E27FC236}">
+                <a16:creationId xmlns:a16="http://schemas.microsoft.com/office/drawing/2014/main" id="{7392492D-5D70-83FC-7818-F032DA6AFF8E}"/>
+              </a:ext>
+            </a:extLst>
+          </p:cNvPr>
+          <p:cNvSpPr/>
+          <p:nvPr/>
+        </p:nvSpPr>
+        <p:spPr>
+          <a:xfrm>
+            <a:off x="3094074" y="3710764"/>
+            <a:ext cx="1956391" cy="1924493"/>
+          </a:xfrm>
+          <a:prstGeom prst="rect">
+            <a:avLst/>
+          </a:prstGeom>
+        </p:spPr>
+        <p:style>
+          <a:lnRef idx="2">
+            <a:schemeClr val="accent1">
+              <a:shade val="15000"/>
+            </a:schemeClr>
+          </a:lnRef>
+          <a:fillRef idx="1">
+            <a:schemeClr val="accent1"/>
+          </a:fillRef>
+          <a:effectRef idx="0">
+            <a:schemeClr val="accent1"/>
+          </a:effectRef>
+          <a:fontRef idx="minor">
+            <a:schemeClr val="lt1"/>
+          </a:fontRef>
+        </p:style>
+        <p:txBody>
+          <a:bodyPr rtlCol="0" anchor="ctr"/>
+          <a:lstStyle/>
+          <a:p>
+            <a:pPr algn="ctr"/>
+            <a:endParaRPr lang="en-US"/>
+          </a:p>
+        </p:txBody>
+      </p:sp>
+      <p:sp>
+        <p:nvSpPr>
+          <p:cNvPr id="10" name="Rectangle 9">
+            <a:extLst>
+              <a:ext uri="{FF2B5EF4-FFF2-40B4-BE49-F238E27FC236}">
+                <a16:creationId xmlns:a16="http://schemas.microsoft.com/office/drawing/2014/main" id="{F81F2471-4C69-9044-F074-AEC7F4AAA7D5}"/>
+              </a:ext>
+            </a:extLst>
+          </p:cNvPr>
+          <p:cNvSpPr/>
+          <p:nvPr/>
+        </p:nvSpPr>
+        <p:spPr>
+          <a:xfrm>
+            <a:off x="5443869" y="3710764"/>
+            <a:ext cx="1956391" cy="1924493"/>
+          </a:xfrm>
+          <a:prstGeom prst="rect">
+            <a:avLst/>
+          </a:prstGeom>
+        </p:spPr>
+        <p:style>
+          <a:lnRef idx="2">
+            <a:schemeClr val="accent1">
+              <a:shade val="15000"/>
+            </a:schemeClr>
+          </a:lnRef>
+          <a:fillRef idx="1">
+            <a:schemeClr val="accent1"/>
+          </a:fillRef>
+          <a:effectRef idx="0">
+            <a:schemeClr val="accent1"/>
+          </a:effectRef>
+          <a:fontRef idx="minor">
+            <a:schemeClr val="lt1"/>
+          </a:fontRef>
+        </p:style>
+        <p:txBody>
+          <a:bodyPr rtlCol="0" anchor="ctr"/>
+          <a:lstStyle/>
+          <a:p>
+            <a:pPr algn="ctr"/>
+            <a:endParaRPr lang="en-US"/>
+          </a:p>
+        </p:txBody>
+      </p:sp>
+      <p:sp>
+        <p:nvSpPr>
+          <p:cNvPr id="11" name="Rectangle 10">
+            <a:extLst>
+              <a:ext uri="{FF2B5EF4-FFF2-40B4-BE49-F238E27FC236}">
+                <a16:creationId xmlns:a16="http://schemas.microsoft.com/office/drawing/2014/main" id="{278057EC-B786-2463-736B-C53F6889139E}"/>
+              </a:ext>
+            </a:extLst>
+          </p:cNvPr>
+          <p:cNvSpPr/>
+          <p:nvPr/>
+        </p:nvSpPr>
+        <p:spPr>
+          <a:xfrm>
+            <a:off x="8016948" y="3710764"/>
+            <a:ext cx="1956391" cy="1924493"/>
+          </a:xfrm>
+          <a:prstGeom prst="rect">
+            <a:avLst/>
+          </a:prstGeom>
+        </p:spPr>
+        <p:style>
+          <a:lnRef idx="2">
+            <a:schemeClr val="accent1">
+              <a:shade val="15000"/>
+            </a:schemeClr>
+          </a:lnRef>
+          <a:fillRef idx="1">
+            <a:schemeClr val="accent1"/>
+          </a:fillRef>
+          <a:effectRef idx="0">
+            <a:schemeClr val="accent1"/>
+          </a:effectRef>
+          <a:fontRef idx="minor">
+            <a:schemeClr val="lt1"/>
+          </a:fontRef>
+        </p:style>
+        <p:txBody>
+          <a:bodyPr rtlCol="0" anchor="ctr"/>
+          <a:lstStyle/>
+          <a:p>
+            <a:pPr algn="ctr"/>
+            <a:endParaRPr lang="en-US"/>
+          </a:p>
+        </p:txBody>
+      </p:sp>
+      <p:cxnSp>
+        <p:nvCxnSpPr>
+          <p:cNvPr id="13" name="Straight Arrow Connector 12">
+            <a:extLst>
+              <a:ext uri="{FF2B5EF4-FFF2-40B4-BE49-F238E27FC236}">
+                <a16:creationId xmlns:a16="http://schemas.microsoft.com/office/drawing/2014/main" id="{652E293B-C2A9-EBAE-5150-22CBC6E9F8A2}"/>
+              </a:ext>
+            </a:extLst>
+          </p:cNvPr>
+          <p:cNvCxnSpPr/>
+          <p:nvPr/>
+        </p:nvCxnSpPr>
+        <p:spPr>
+          <a:xfrm>
+            <a:off x="1318437" y="2339163"/>
+            <a:ext cx="0" cy="1903228"/>
+          </a:xfrm>
+          <a:prstGeom prst="straightConnector1">
+            <a:avLst/>
+          </a:prstGeom>
+          <a:ln w="76200">
+            <a:solidFill>
+              <a:srgbClr val="C00000"/>
+            </a:solidFill>
+            <a:tailEnd type="triangle"/>
+          </a:ln>
+        </p:spPr>
+        <p:style>
+          <a:lnRef idx="1">
+            <a:schemeClr val="accent1"/>
+          </a:lnRef>
+          <a:fillRef idx="0">
+            <a:schemeClr val="accent1"/>
+          </a:fillRef>
+          <a:effectRef idx="0">
+            <a:schemeClr val="accent1"/>
+          </a:effectRef>
+          <a:fontRef idx="minor">
+            <a:schemeClr val="tx1"/>
+          </a:fontRef>
+        </p:style>
+      </p:cxnSp>
+      <p:cxnSp>
+        <p:nvCxnSpPr>
+          <p:cNvPr id="14" name="Straight Arrow Connector 13">
+            <a:extLst>
+              <a:ext uri="{FF2B5EF4-FFF2-40B4-BE49-F238E27FC236}">
+                <a16:creationId xmlns:a16="http://schemas.microsoft.com/office/drawing/2014/main" id="{E02E78B9-A044-717A-C623-23A69829FF5F}"/>
+              </a:ext>
+            </a:extLst>
+          </p:cNvPr>
+          <p:cNvCxnSpPr>
+            <a:cxnSpLocks/>
+          </p:cNvCxnSpPr>
+          <p:nvPr/>
+        </p:nvCxnSpPr>
+        <p:spPr>
+          <a:xfrm>
+            <a:off x="1470837" y="2491563"/>
+            <a:ext cx="2420679" cy="0"/>
+          </a:xfrm>
+          <a:prstGeom prst="straightConnector1">
+            <a:avLst/>
+          </a:prstGeom>
+          <a:ln w="76200">
+            <a:solidFill>
+              <a:srgbClr val="C00000"/>
+            </a:solidFill>
+            <a:tailEnd type="triangle"/>
+          </a:ln>
+        </p:spPr>
+        <p:style>
+          <a:lnRef idx="1">
+            <a:schemeClr val="accent1"/>
+          </a:lnRef>
+          <a:fillRef idx="0">
+            <a:schemeClr val="accent1"/>
+          </a:fillRef>
+          <a:effectRef idx="0">
+            <a:schemeClr val="accent1"/>
+          </a:effectRef>
+          <a:fontRef idx="minor">
+            <a:schemeClr val="tx1"/>
+          </a:fontRef>
+        </p:style>
+      </p:cxnSp>
+      <p:cxnSp>
+        <p:nvCxnSpPr>
+          <p:cNvPr id="16" name="Straight Arrow Connector 15">
+            <a:extLst>
+              <a:ext uri="{FF2B5EF4-FFF2-40B4-BE49-F238E27FC236}">
+                <a16:creationId xmlns:a16="http://schemas.microsoft.com/office/drawing/2014/main" id="{5D030005-BF14-C770-B67B-A87A22051E2F}"/>
+              </a:ext>
+            </a:extLst>
+          </p:cNvPr>
+          <p:cNvCxnSpPr>
+            <a:cxnSpLocks/>
+          </p:cNvCxnSpPr>
+          <p:nvPr/>
+        </p:nvCxnSpPr>
+        <p:spPr>
+          <a:xfrm>
+            <a:off x="1623237" y="2643963"/>
+            <a:ext cx="2534093" cy="1694121"/>
+          </a:xfrm>
+          <a:prstGeom prst="straightConnector1">
+            <a:avLst/>
+          </a:prstGeom>
+          <a:ln w="76200">
+            <a:solidFill>
+              <a:srgbClr val="C00000"/>
+            </a:solidFill>
+            <a:tailEnd type="triangle"/>
+          </a:ln>
+        </p:spPr>
+        <p:style>
+          <a:lnRef idx="1">
+            <a:schemeClr val="accent1"/>
+          </a:lnRef>
+          <a:fillRef idx="0">
+            <a:schemeClr val="accent1"/>
+          </a:fillRef>
+          <a:effectRef idx="0">
+            <a:schemeClr val="accent1"/>
+          </a:effectRef>
+          <a:fontRef idx="minor">
+            <a:schemeClr val="tx1"/>
+          </a:fontRef>
+        </p:style>
+      </p:cxnSp>
+      <p:cxnSp>
+        <p:nvCxnSpPr>
+          <p:cNvPr id="18" name="Straight Arrow Connector 17">
+            <a:extLst>
+              <a:ext uri="{FF2B5EF4-FFF2-40B4-BE49-F238E27FC236}">
+                <a16:creationId xmlns:a16="http://schemas.microsoft.com/office/drawing/2014/main" id="{7CF1A884-E3E3-BF27-9387-FFB86AED4677}"/>
+              </a:ext>
+            </a:extLst>
+          </p:cNvPr>
+          <p:cNvCxnSpPr>
+            <a:cxnSpLocks/>
+          </p:cNvCxnSpPr>
+          <p:nvPr/>
+        </p:nvCxnSpPr>
+        <p:spPr>
+          <a:xfrm>
+            <a:off x="4323907" y="2154866"/>
+            <a:ext cx="2420679" cy="0"/>
+          </a:xfrm>
+          <a:prstGeom prst="straightConnector1">
+            <a:avLst/>
+          </a:prstGeom>
+          <a:ln w="76200">
+            <a:solidFill>
+              <a:srgbClr val="C00000"/>
+            </a:solidFill>
+            <a:tailEnd type="triangle"/>
+          </a:ln>
+        </p:spPr>
+        <p:style>
+          <a:lnRef idx="1">
+            <a:schemeClr val="accent1"/>
+          </a:lnRef>
+          <a:fillRef idx="0">
+            <a:schemeClr val="accent1"/>
+          </a:fillRef>
+          <a:effectRef idx="0">
+            <a:schemeClr val="accent1"/>
+          </a:effectRef>
+          <a:fontRef idx="minor">
+            <a:schemeClr val="tx1"/>
+          </a:fontRef>
+        </p:style>
+      </p:cxnSp>
+      <p:cxnSp>
+        <p:nvCxnSpPr>
+          <p:cNvPr id="19" name="Straight Arrow Connector 18">
+            <a:extLst>
+              <a:ext uri="{FF2B5EF4-FFF2-40B4-BE49-F238E27FC236}">
+                <a16:creationId xmlns:a16="http://schemas.microsoft.com/office/drawing/2014/main" id="{714B6813-6585-6D71-1A2E-947084129024}"/>
+              </a:ext>
+            </a:extLst>
+          </p:cNvPr>
+          <p:cNvCxnSpPr>
+            <a:cxnSpLocks/>
+          </p:cNvCxnSpPr>
+          <p:nvPr/>
+        </p:nvCxnSpPr>
+        <p:spPr>
+          <a:xfrm>
+            <a:off x="4476307" y="2307266"/>
+            <a:ext cx="1998921" cy="1935125"/>
+          </a:xfrm>
+          <a:prstGeom prst="straightConnector1">
+            <a:avLst/>
+          </a:prstGeom>
+          <a:ln w="76200">
+            <a:solidFill>
+              <a:srgbClr val="C00000"/>
+            </a:solidFill>
+            <a:tailEnd type="triangle"/>
+          </a:ln>
+        </p:spPr>
+        <p:style>
+          <a:lnRef idx="1">
+            <a:schemeClr val="accent1"/>
+          </a:lnRef>
+          <a:fillRef idx="0">
+            <a:schemeClr val="accent1"/>
+          </a:fillRef>
+          <a:effectRef idx="0">
+            <a:schemeClr val="accent1"/>
+          </a:effectRef>
+          <a:fontRef idx="minor">
+            <a:schemeClr val="tx1"/>
+          </a:fontRef>
+        </p:style>
+      </p:cxnSp>
+    </p:spTree>
+    <p:extLst>
+      <p:ext uri="{BB962C8B-B14F-4D97-AF65-F5344CB8AC3E}">
+        <p14:creationId xmlns:p14="http://schemas.microsoft.com/office/powerpoint/2010/main" val="2148444419"/>
+      </p:ext>
+    </p:extLst>
+  </p:cSld>
+  <p:clrMapOvr>
+    <a:masterClrMapping/>
+  </p:clrMapOvr>
+</p:sld>
+</file>
+
+<file path=ppt/slides/slide15.xml><?xml version="1.0" encoding="utf-8"?>
+<p:sld xmlns:a="http://schemas.openxmlformats.org/drawingml/2006/main" xmlns:r="http://schemas.openxmlformats.org/officeDocument/2006/relationships" xmlns:p="http://schemas.openxmlformats.org/presentationml/2006/main">
+  <p:cSld>
+    <p:spTree>
+      <p:nvGrpSpPr>
+        <p:cNvPr id="1" name=""/>
+        <p:cNvGrpSpPr/>
+        <p:nvPr/>
+      </p:nvGrpSpPr>
+      <p:grpSpPr>
+        <a:xfrm>
+          <a:off x="0" y="0"/>
+          <a:ext cx="0" cy="0"/>
+          <a:chOff x="0" y="0"/>
+          <a:chExt cx="0" cy="0"/>
+        </a:xfrm>
+      </p:grpSpPr>
+      <p:sp>
+        <p:nvSpPr>
+          <p:cNvPr id="2" name="Rectangle 1">
+            <a:extLst>
+              <a:ext uri="{FF2B5EF4-FFF2-40B4-BE49-F238E27FC236}">
+                <a16:creationId xmlns:a16="http://schemas.microsoft.com/office/drawing/2014/main" id="{A3DA01CC-6018-938E-9A0E-8933289E0701}"/>
+              </a:ext>
+            </a:extLst>
+          </p:cNvPr>
+          <p:cNvSpPr/>
+          <p:nvPr/>
+        </p:nvSpPr>
+        <p:spPr>
+          <a:xfrm>
+            <a:off x="967563" y="754912"/>
+            <a:ext cx="3338623" cy="1988288"/>
+          </a:xfrm>
+          <a:prstGeom prst="rect">
+            <a:avLst/>
+          </a:prstGeom>
+        </p:spPr>
+        <p:style>
+          <a:lnRef idx="2">
+            <a:schemeClr val="accent1">
+              <a:shade val="15000"/>
+            </a:schemeClr>
+          </a:lnRef>
+          <a:fillRef idx="1">
+            <a:schemeClr val="accent1"/>
+          </a:fillRef>
+          <a:effectRef idx="0">
+            <a:schemeClr val="accent1"/>
+          </a:effectRef>
+          <a:fontRef idx="minor">
+            <a:schemeClr val="lt1"/>
+          </a:fontRef>
+        </p:style>
+        <p:txBody>
+          <a:bodyPr rtlCol="0" anchor="ctr"/>
+          <a:lstStyle/>
+          <a:p>
+            <a:pPr algn="ctr"/>
+            <a:r>
+              <a:rPr lang="en-US" dirty="0"/>
+              <a:t>Parent</a:t>
+            </a:r>
+          </a:p>
+        </p:txBody>
+      </p:sp>
+      <p:sp>
+        <p:nvSpPr>
+          <p:cNvPr id="3" name="Rectangle 2">
+            <a:extLst>
+              <a:ext uri="{FF2B5EF4-FFF2-40B4-BE49-F238E27FC236}">
+                <a16:creationId xmlns:a16="http://schemas.microsoft.com/office/drawing/2014/main" id="{D3B093C1-560E-59CC-2654-22E9AA79BB08}"/>
+              </a:ext>
+            </a:extLst>
+          </p:cNvPr>
+          <p:cNvSpPr/>
+          <p:nvPr/>
+        </p:nvSpPr>
+        <p:spPr>
+          <a:xfrm>
+            <a:off x="5117805" y="3639880"/>
+            <a:ext cx="3338623" cy="1988288"/>
+          </a:xfrm>
+          <a:prstGeom prst="rect">
+            <a:avLst/>
+          </a:prstGeom>
+        </p:spPr>
+        <p:style>
+          <a:lnRef idx="2">
+            <a:schemeClr val="accent1">
+              <a:shade val="15000"/>
+            </a:schemeClr>
+          </a:lnRef>
+          <a:fillRef idx="1">
+            <a:schemeClr val="accent1"/>
+          </a:fillRef>
+          <a:effectRef idx="0">
+            <a:schemeClr val="accent1"/>
+          </a:effectRef>
+          <a:fontRef idx="minor">
+            <a:schemeClr val="lt1"/>
+          </a:fontRef>
+        </p:style>
+        <p:txBody>
+          <a:bodyPr rtlCol="0" anchor="ctr"/>
+          <a:lstStyle/>
+          <a:p>
+            <a:pPr algn="ctr"/>
+            <a:r>
+              <a:rPr lang="en-US" dirty="0"/>
+              <a:t>Child</a:t>
+            </a:r>
+          </a:p>
+        </p:txBody>
+      </p:sp>
+      <p:cxnSp>
+        <p:nvCxnSpPr>
+          <p:cNvPr id="5" name="Elbow Connector 4">
+            <a:extLst>
+              <a:ext uri="{FF2B5EF4-FFF2-40B4-BE49-F238E27FC236}">
+                <a16:creationId xmlns:a16="http://schemas.microsoft.com/office/drawing/2014/main" id="{9E6A536F-9698-4307-60DD-F9FE509A0046}"/>
+              </a:ext>
+            </a:extLst>
+          </p:cNvPr>
+          <p:cNvCxnSpPr>
+            <a:stCxn id="2" idx="3"/>
+            <a:endCxn id="3" idx="0"/>
+          </p:cNvCxnSpPr>
+          <p:nvPr/>
+        </p:nvCxnSpPr>
+        <p:spPr>
+          <a:xfrm>
+            <a:off x="4306186" y="1749056"/>
+            <a:ext cx="2480931" cy="1890824"/>
+          </a:xfrm>
+          <a:prstGeom prst="bentConnector2">
+            <a:avLst/>
+          </a:prstGeom>
+          <a:ln w="76200">
+            <a:solidFill>
+              <a:srgbClr val="C00000"/>
+            </a:solidFill>
+            <a:tailEnd type="triangle"/>
+          </a:ln>
+        </p:spPr>
+        <p:style>
+          <a:lnRef idx="1">
+            <a:schemeClr val="accent1"/>
+          </a:lnRef>
+          <a:fillRef idx="0">
+            <a:schemeClr val="accent1"/>
+          </a:fillRef>
+          <a:effectRef idx="0">
+            <a:schemeClr val="accent1"/>
+          </a:effectRef>
+          <a:fontRef idx="minor">
+            <a:schemeClr val="tx1"/>
+          </a:fontRef>
+        </p:style>
+      </p:cxnSp>
+      <p:sp>
+        <p:nvSpPr>
+          <p:cNvPr id="6" name="TextBox 5">
+            <a:extLst>
+              <a:ext uri="{FF2B5EF4-FFF2-40B4-BE49-F238E27FC236}">
+                <a16:creationId xmlns:a16="http://schemas.microsoft.com/office/drawing/2014/main" id="{AA6614C4-6D35-9AAA-A05F-55B337AB190C}"/>
+              </a:ext>
+            </a:extLst>
+          </p:cNvPr>
+          <p:cNvSpPr txBox="1"/>
+          <p:nvPr/>
+        </p:nvSpPr>
+        <p:spPr>
+          <a:xfrm>
+            <a:off x="6677247" y="1307805"/>
+            <a:ext cx="3370520" cy="369332"/>
+          </a:xfrm>
+          <a:prstGeom prst="rect">
+            <a:avLst/>
+          </a:prstGeom>
+          <a:noFill/>
+        </p:spPr>
+        <p:txBody>
+          <a:bodyPr wrap="square" rtlCol="0">
+            <a:spAutoFit/>
+          </a:bodyPr>
+          <a:lstStyle/>
+          <a:p>
+            <a:r>
+              <a:rPr lang="en-US" dirty="0"/>
+              <a:t>Send Data to Child</a:t>
+            </a:r>
+          </a:p>
+        </p:txBody>
+      </p:sp>
+      <p:cxnSp>
+        <p:nvCxnSpPr>
+          <p:cNvPr id="8" name="Elbow Connector 7">
+            <a:extLst>
+              <a:ext uri="{FF2B5EF4-FFF2-40B4-BE49-F238E27FC236}">
+                <a16:creationId xmlns:a16="http://schemas.microsoft.com/office/drawing/2014/main" id="{E8549B92-B897-B04A-85C7-BDEF97357503}"/>
+              </a:ext>
+            </a:extLst>
+          </p:cNvPr>
+          <p:cNvCxnSpPr>
+            <a:stCxn id="3" idx="1"/>
+            <a:endCxn id="2" idx="2"/>
+          </p:cNvCxnSpPr>
+          <p:nvPr/>
+        </p:nvCxnSpPr>
+        <p:spPr>
+          <a:xfrm rot="10800000">
+            <a:off x="2636875" y="2743200"/>
+            <a:ext cx="2480930" cy="1890824"/>
+          </a:xfrm>
+          <a:prstGeom prst="bentConnector2">
+            <a:avLst/>
+          </a:prstGeom>
+          <a:ln w="76200">
+            <a:solidFill>
+              <a:srgbClr val="FF0000"/>
+            </a:solidFill>
+            <a:tailEnd type="triangle"/>
+          </a:ln>
+        </p:spPr>
+        <p:style>
+          <a:lnRef idx="1">
+            <a:schemeClr val="accent1"/>
+          </a:lnRef>
+          <a:fillRef idx="0">
+            <a:schemeClr val="accent1"/>
+          </a:fillRef>
+          <a:effectRef idx="0">
+            <a:schemeClr val="accent1"/>
+          </a:effectRef>
+          <a:fontRef idx="minor">
+            <a:schemeClr val="tx1"/>
+          </a:fontRef>
+        </p:style>
+      </p:cxnSp>
+      <p:sp>
+        <p:nvSpPr>
+          <p:cNvPr id="9" name="TextBox 8">
+            <a:extLst>
+              <a:ext uri="{FF2B5EF4-FFF2-40B4-BE49-F238E27FC236}">
+                <a16:creationId xmlns:a16="http://schemas.microsoft.com/office/drawing/2014/main" id="{FC0F10D4-E1DF-694F-DB7A-1407A26AF882}"/>
+              </a:ext>
+            </a:extLst>
+          </p:cNvPr>
+          <p:cNvSpPr txBox="1"/>
+          <p:nvPr/>
+        </p:nvSpPr>
+        <p:spPr>
+          <a:xfrm>
+            <a:off x="1116419" y="4705943"/>
+            <a:ext cx="2424223" cy="369332"/>
+          </a:xfrm>
+          <a:prstGeom prst="rect">
+            <a:avLst/>
+          </a:prstGeom>
+          <a:noFill/>
+        </p:spPr>
+        <p:txBody>
+          <a:bodyPr wrap="square" rtlCol="0">
+            <a:spAutoFit/>
+          </a:bodyPr>
+          <a:lstStyle/>
+          <a:p>
+            <a:r>
+              <a:rPr lang="en-US"/>
+              <a:t>Emit Data to Parent</a:t>
+            </a:r>
+          </a:p>
+        </p:txBody>
+      </p:sp>
+    </p:spTree>
+    <p:extLst>
+      <p:ext uri="{BB962C8B-B14F-4D97-AF65-F5344CB8AC3E}">
+        <p14:creationId xmlns:p14="http://schemas.microsoft.com/office/powerpoint/2010/main" val="2622230765"/>
+      </p:ext>
+    </p:extLst>
+  </p:cSld>
+  <p:clrMapOvr>
+    <a:masterClrMapping/>
+  </p:clrMapOvr>
+</p:sld>
+</file>
+
 <file path=ppt/slides/slide2.xml><?xml version="1.0" encoding="utf-8"?>
 <p:sld xmlns:a="http://schemas.openxmlformats.org/drawingml/2006/main" xmlns:r="http://schemas.openxmlformats.org/officeDocument/2006/relationships" xmlns:p="http://schemas.openxmlformats.org/presentationml/2006/main">
   <p:cSld>
